--- a/Präsentation/OliViktor.pptx
+++ b/Präsentation/OliViktor.pptx
@@ -5,16 +5,22 @@
     <p:sldMasterId id="2147483660" r:id="rId1"/>
   </p:sldMasterIdLst>
   <p:notesMasterIdLst>
-    <p:notesMasterId r:id="rId9"/>
+    <p:notesMasterId r:id="rId15"/>
   </p:notesMasterIdLst>
   <p:sldIdLst>
     <p:sldId id="256" r:id="rId2"/>
     <p:sldId id="257" r:id="rId3"/>
-    <p:sldId id="258" r:id="rId4"/>
-    <p:sldId id="259" r:id="rId5"/>
-    <p:sldId id="260" r:id="rId6"/>
-    <p:sldId id="261" r:id="rId7"/>
-    <p:sldId id="262" r:id="rId8"/>
+    <p:sldId id="263" r:id="rId4"/>
+    <p:sldId id="264" r:id="rId5"/>
+    <p:sldId id="265" r:id="rId6"/>
+    <p:sldId id="266" r:id="rId7"/>
+    <p:sldId id="267" r:id="rId8"/>
+    <p:sldId id="268" r:id="rId9"/>
+    <p:sldId id="258" r:id="rId10"/>
+    <p:sldId id="259" r:id="rId11"/>
+    <p:sldId id="260" r:id="rId12"/>
+    <p:sldId id="261" r:id="rId13"/>
+    <p:sldId id="262" r:id="rId14"/>
   </p:sldIdLst>
   <p:sldSz cx="9144000" cy="6858000" type="screen4x3"/>
   <p:notesSz cx="6858000" cy="9144000"/>
@@ -198,6 +204,7 @@
           <a:p>
             <a:fld id="{5C922E7B-DED3-4FA8-A4CB-12D9EF89658A}" type="datetimeFigureOut">
               <a:rPr lang="de-DE" smtClean="0"/>
+              <a:pPr/>
               <a:t>08.06.2015</a:t>
             </a:fld>
             <a:endParaRPr lang="de-DE"/>
@@ -359,6 +366,7 @@
           <a:p>
             <a:fld id="{18386D1E-F309-4B8F-B111-2DD54D228A85}" type="slidenum">
               <a:rPr lang="de-DE" smtClean="0"/>
+              <a:pPr/>
               <a:t>‹Nr.›</a:t>
             </a:fld>
             <a:endParaRPr lang="de-DE"/>
@@ -530,7 +538,261 @@
           <a:p>
             <a:fld id="{18386D1E-F309-4B8F-B111-2DD54D228A85}" type="slidenum">
               <a:rPr lang="de-DE" smtClean="0"/>
+              <a:pPr/>
               <a:t>2</a:t>
+            </a:fld>
+            <a:endParaRPr lang="de-DE"/>
+          </a:p>
+        </p:txBody>
+      </p:sp>
+    </p:spTree>
+  </p:cSld>
+  <p:clrMapOvr>
+    <a:masterClrMapping/>
+  </p:clrMapOvr>
+</p:notes>
+</file>
+
+<file path=ppt/notesSlides/notesSlide2.xml><?xml version="1.0" encoding="utf-8"?>
+<p:notes xmlns:a="http://schemas.openxmlformats.org/drawingml/2006/main" xmlns:r="http://schemas.openxmlformats.org/officeDocument/2006/relationships" xmlns:p="http://schemas.openxmlformats.org/presentationml/2006/main">
+  <p:cSld>
+    <p:spTree>
+      <p:nvGrpSpPr>
+        <p:cNvPr id="1" name=""/>
+        <p:cNvGrpSpPr/>
+        <p:nvPr/>
+      </p:nvGrpSpPr>
+      <p:grpSpPr>
+        <a:xfrm>
+          <a:off x="0" y="0"/>
+          <a:ext cx="0" cy="0"/>
+          <a:chOff x="0" y="0"/>
+          <a:chExt cx="0" cy="0"/>
+        </a:xfrm>
+      </p:grpSpPr>
+      <p:sp>
+        <p:nvSpPr>
+          <p:cNvPr id="2" name="Folienbildplatzhalter 1"/>
+          <p:cNvSpPr>
+            <a:spLocks noGrp="1" noRot="1" noChangeAspect="1"/>
+          </p:cNvSpPr>
+          <p:nvPr>
+            <p:ph type="sldImg"/>
+          </p:nvPr>
+        </p:nvSpPr>
+        <p:spPr/>
+      </p:sp>
+      <p:sp>
+        <p:nvSpPr>
+          <p:cNvPr id="3" name="Notizenplatzhalter 2"/>
+          <p:cNvSpPr>
+            <a:spLocks noGrp="1"/>
+          </p:cNvSpPr>
+          <p:nvPr>
+            <p:ph type="body" idx="1"/>
+          </p:nvPr>
+        </p:nvSpPr>
+        <p:spPr/>
+        <p:txBody>
+          <a:bodyPr>
+            <a:normAutofit/>
+          </a:bodyPr>
+          <a:lstStyle/>
+          <a:p>
+            <a:pPr marL="430213" lvl="0" indent="-277813"/>
+            <a:r>
+              <a:rPr lang="de-DE" dirty="0" smtClean="0"/>
+              <a:t>2</a:t>
+            </a:r>
+            <a:r>
+              <a:rPr lang="de-DE" baseline="0" dirty="0" smtClean="0"/>
+              <a:t> – Potenziell Indirekt:</a:t>
+            </a:r>
+            <a:endParaRPr lang="de-DE" dirty="0" smtClean="0"/>
+          </a:p>
+          <a:p>
+            <a:pPr marL="430213" lvl="0" indent="-277813">
+              <a:buFont typeface="Arial" pitchFamily="34" charset="0"/>
+              <a:buChar char="•"/>
+            </a:pPr>
+            <a:r>
+              <a:rPr lang="de-DE" dirty="0" smtClean="0"/>
+              <a:t>Nicht gegen den Rand fahren</a:t>
+            </a:r>
+          </a:p>
+          <a:p>
+            <a:pPr marL="430213" lvl="0" indent="-277813">
+              <a:buFont typeface="Arial" pitchFamily="34" charset="0"/>
+              <a:buChar char="•"/>
+            </a:pPr>
+            <a:r>
+              <a:rPr lang="de-DE" dirty="0" smtClean="0"/>
+              <a:t>Feuern lohnt sich nur bei guter Trefferwahrscheinlichkeit</a:t>
+            </a:r>
+          </a:p>
+          <a:p>
+            <a:pPr marL="430213" lvl="0" indent="-277813">
+              <a:buFont typeface="Arial" pitchFamily="34" charset="0"/>
+              <a:buChar char="•"/>
+            </a:pPr>
+            <a:r>
+              <a:rPr lang="de-DE" dirty="0" smtClean="0"/>
+              <a:t>Rammen ist gut, gerammt werden nicht</a:t>
+            </a:r>
+          </a:p>
+          <a:p>
+            <a:pPr marL="430213" lvl="0" indent="-277813">
+              <a:buFont typeface="Arial" pitchFamily="34" charset="0"/>
+              <a:buChar char="•"/>
+            </a:pPr>
+            <a:r>
+              <a:rPr lang="de-DE" dirty="0" smtClean="0"/>
+              <a:t>Rammen ist schlecht wenn wir wenig Energie haben</a:t>
+            </a:r>
+          </a:p>
+          <a:p>
+            <a:pPr marL="430213" lvl="0" indent="-277813">
+              <a:buFont typeface="Arial" pitchFamily="34" charset="0"/>
+              <a:buChar char="•"/>
+            </a:pPr>
+            <a:r>
+              <a:rPr lang="de-DE" dirty="0" smtClean="0"/>
+              <a:t>Richtungswechsel reduzieren das Risiko getroffen zu werden</a:t>
+            </a:r>
+          </a:p>
+          <a:p>
+            <a:endParaRPr lang="de-DE" dirty="0"/>
+          </a:p>
+        </p:txBody>
+      </p:sp>
+      <p:sp>
+        <p:nvSpPr>
+          <p:cNvPr id="4" name="Foliennummernplatzhalter 3"/>
+          <p:cNvSpPr>
+            <a:spLocks noGrp="1"/>
+          </p:cNvSpPr>
+          <p:nvPr>
+            <p:ph type="sldNum" sz="quarter" idx="10"/>
+          </p:nvPr>
+        </p:nvSpPr>
+        <p:spPr/>
+        <p:txBody>
+          <a:bodyPr/>
+          <a:lstStyle/>
+          <a:p>
+            <a:fld id="{18386D1E-F309-4B8F-B111-2DD54D228A85}" type="slidenum">
+              <a:rPr lang="de-DE" smtClean="0"/>
+              <a:pPr/>
+              <a:t>4</a:t>
+            </a:fld>
+            <a:endParaRPr lang="de-DE"/>
+          </a:p>
+        </p:txBody>
+      </p:sp>
+    </p:spTree>
+  </p:cSld>
+  <p:clrMapOvr>
+    <a:masterClrMapping/>
+  </p:clrMapOvr>
+</p:notes>
+</file>
+
+<file path=ppt/notesSlides/notesSlide3.xml><?xml version="1.0" encoding="utf-8"?>
+<p:notes xmlns:a="http://schemas.openxmlformats.org/drawingml/2006/main" xmlns:r="http://schemas.openxmlformats.org/officeDocument/2006/relationships" xmlns:p="http://schemas.openxmlformats.org/presentationml/2006/main">
+  <p:cSld>
+    <p:spTree>
+      <p:nvGrpSpPr>
+        <p:cNvPr id="1" name=""/>
+        <p:cNvGrpSpPr/>
+        <p:nvPr/>
+      </p:nvGrpSpPr>
+      <p:grpSpPr>
+        <a:xfrm>
+          <a:off x="0" y="0"/>
+          <a:ext cx="0" cy="0"/>
+          <a:chOff x="0" y="0"/>
+          <a:chExt cx="0" cy="0"/>
+        </a:xfrm>
+      </p:grpSpPr>
+      <p:sp>
+        <p:nvSpPr>
+          <p:cNvPr id="2" name="Folienbildplatzhalter 1"/>
+          <p:cNvSpPr>
+            <a:spLocks noGrp="1" noRot="1" noChangeAspect="1"/>
+          </p:cNvSpPr>
+          <p:nvPr>
+            <p:ph type="sldImg"/>
+          </p:nvPr>
+        </p:nvSpPr>
+        <p:spPr/>
+      </p:sp>
+      <p:sp>
+        <p:nvSpPr>
+          <p:cNvPr id="3" name="Notizenplatzhalter 2"/>
+          <p:cNvSpPr>
+            <a:spLocks noGrp="1"/>
+          </p:cNvSpPr>
+          <p:nvPr>
+            <p:ph type="body" idx="1"/>
+          </p:nvPr>
+        </p:nvSpPr>
+        <p:spPr/>
+        <p:txBody>
+          <a:bodyPr>
+            <a:normAutofit/>
+          </a:bodyPr>
+          <a:lstStyle/>
+          <a:p>
+            <a:pPr lvl="0"/>
+            <a:r>
+              <a:rPr lang="de-DE" dirty="0" smtClean="0"/>
+              <a:t>8 Himmelsrichtungen:</a:t>
+            </a:r>
+          </a:p>
+          <a:p>
+            <a:pPr lvl="0">
+              <a:buFont typeface="Arial" pitchFamily="34" charset="0"/>
+              <a:buChar char="•"/>
+            </a:pPr>
+            <a:r>
+              <a:rPr lang="de-DE" dirty="0" smtClean="0"/>
+              <a:t>Gegner Position</a:t>
+            </a:r>
+          </a:p>
+          <a:p>
+            <a:pPr lvl="0">
+              <a:buFont typeface="Arial" pitchFamily="34" charset="0"/>
+              <a:buChar char="•"/>
+            </a:pPr>
+            <a:r>
+              <a:rPr lang="de-DE" dirty="0" smtClean="0"/>
+              <a:t>Gegner Fahrtrichtung</a:t>
+            </a:r>
+          </a:p>
+          <a:p>
+            <a:endParaRPr lang="de-DE" dirty="0"/>
+          </a:p>
+        </p:txBody>
+      </p:sp>
+      <p:sp>
+        <p:nvSpPr>
+          <p:cNvPr id="4" name="Foliennummernplatzhalter 3"/>
+          <p:cNvSpPr>
+            <a:spLocks noGrp="1"/>
+          </p:cNvSpPr>
+          <p:nvPr>
+            <p:ph type="sldNum" sz="quarter" idx="10"/>
+          </p:nvPr>
+        </p:nvSpPr>
+        <p:spPr/>
+        <p:txBody>
+          <a:bodyPr/>
+          <a:lstStyle/>
+          <a:p>
+            <a:fld id="{18386D1E-F309-4B8F-B111-2DD54D228A85}" type="slidenum">
+              <a:rPr lang="de-DE" smtClean="0"/>
+              <a:pPr/>
+              <a:t>5</a:t>
             </a:fld>
             <a:endParaRPr lang="de-DE"/>
           </a:p>
@@ -1167,7 +1429,7 @@
             <a:extLst/>
           </a:lstStyle>
           <a:p>
-            <a:fld id="{2E28A312-9746-4F69-8D8A-17450910250D}" type="datetime1">
+            <a:fld id="{85E9D71C-4D33-4717-A804-80800A20D979}" type="datetime1">
               <a:rPr lang="de-DE" smtClean="0"/>
               <a:t>08.06.2015</a:t>
             </a:fld>
@@ -1243,1982 +1505,13 @@
   <p:clrMapOvr>
     <a:masterClrMapping/>
   </p:clrMapOvr>
-  <p:transition spd="med">
-    <p:pull dir="d"/>
+  <p:transition>
+    <p:fade/>
   </p:transition>
 </p:sldLayout>
 </file>
 
 <file path=ppt/slideLayouts/slideLayout10.xml><?xml version="1.0" encoding="utf-8"?>
-<p:sldLayout xmlns:a="http://schemas.openxmlformats.org/drawingml/2006/main" xmlns:r="http://schemas.openxmlformats.org/officeDocument/2006/relationships" xmlns:p="http://schemas.openxmlformats.org/presentationml/2006/main" type="vertTx" preserve="1">
-  <p:cSld name="Titel und vertikaler Text">
-    <p:spTree>
-      <p:nvGrpSpPr>
-        <p:cNvPr id="1" name=""/>
-        <p:cNvGrpSpPr/>
-        <p:nvPr/>
-      </p:nvGrpSpPr>
-      <p:grpSpPr>
-        <a:xfrm>
-          <a:off x="0" y="0"/>
-          <a:ext cx="0" cy="0"/>
-          <a:chOff x="0" y="0"/>
-          <a:chExt cx="0" cy="0"/>
-        </a:xfrm>
-      </p:grpSpPr>
-      <p:sp>
-        <p:nvSpPr>
-          <p:cNvPr id="2" name="Titel 1"/>
-          <p:cNvSpPr>
-            <a:spLocks noGrp="1"/>
-          </p:cNvSpPr>
-          <p:nvPr>
-            <p:ph type="title"/>
-          </p:nvPr>
-        </p:nvSpPr>
-        <p:spPr/>
-        <p:txBody>
-          <a:bodyPr/>
-          <a:lstStyle>
-            <a:extLst/>
-          </a:lstStyle>
-          <a:p>
-            <a:r>
-              <a:rPr kumimoji="0" lang="de-DE" smtClean="0"/>
-              <a:t>Titelmasterformat durch Klicken bearbeiten</a:t>
-            </a:r>
-            <a:endParaRPr kumimoji="0" lang="en-US"/>
-          </a:p>
-        </p:txBody>
-      </p:sp>
-      <p:sp>
-        <p:nvSpPr>
-          <p:cNvPr id="3" name="Vertikaler Textplatzhalter 2"/>
-          <p:cNvSpPr>
-            <a:spLocks noGrp="1"/>
-          </p:cNvSpPr>
-          <p:nvPr>
-            <p:ph type="body" orient="vert" idx="1"/>
-          </p:nvPr>
-        </p:nvSpPr>
-        <p:spPr>
-          <a:xfrm>
-            <a:off x="457200" y="1481329"/>
-            <a:ext cx="8229600" cy="4386071"/>
-          </a:xfrm>
-        </p:spPr>
-        <p:txBody>
-          <a:bodyPr vert="eaVert"/>
-          <a:lstStyle>
-            <a:extLst/>
-          </a:lstStyle>
-          <a:p>
-            <a:pPr lvl="0" eaLnBrk="1" latinLnBrk="0" hangingPunct="1"/>
-            <a:r>
-              <a:rPr lang="de-DE" smtClean="0"/>
-              <a:t>Textmasterformate durch Klicken bearbeiten</a:t>
-            </a:r>
-          </a:p>
-          <a:p>
-            <a:pPr lvl="1" eaLnBrk="1" latinLnBrk="0" hangingPunct="1"/>
-            <a:r>
-              <a:rPr lang="de-DE" smtClean="0"/>
-              <a:t>Zweite Ebene</a:t>
-            </a:r>
-          </a:p>
-          <a:p>
-            <a:pPr lvl="2" eaLnBrk="1" latinLnBrk="0" hangingPunct="1"/>
-            <a:r>
-              <a:rPr lang="de-DE" smtClean="0"/>
-              <a:t>Dritte Ebene</a:t>
-            </a:r>
-          </a:p>
-          <a:p>
-            <a:pPr lvl="3" eaLnBrk="1" latinLnBrk="0" hangingPunct="1"/>
-            <a:r>
-              <a:rPr lang="de-DE" smtClean="0"/>
-              <a:t>Vierte Ebene</a:t>
-            </a:r>
-          </a:p>
-          <a:p>
-            <a:pPr lvl="4" eaLnBrk="1" latinLnBrk="0" hangingPunct="1"/>
-            <a:r>
-              <a:rPr lang="de-DE" smtClean="0"/>
-              <a:t>Fünfte Ebene</a:t>
-            </a:r>
-            <a:endParaRPr kumimoji="0" lang="en-US"/>
-          </a:p>
-        </p:txBody>
-      </p:sp>
-      <p:sp>
-        <p:nvSpPr>
-          <p:cNvPr id="4" name="Datumsplatzhalter 3"/>
-          <p:cNvSpPr>
-            <a:spLocks noGrp="1"/>
-          </p:cNvSpPr>
-          <p:nvPr>
-            <p:ph type="dt" sz="half" idx="10"/>
-          </p:nvPr>
-        </p:nvSpPr>
-        <p:spPr/>
-        <p:txBody>
-          <a:bodyPr/>
-          <a:lstStyle>
-            <a:extLst/>
-          </a:lstStyle>
-          <a:p>
-            <a:fld id="{8C4F9F3D-8593-42F3-AB78-EA2D856BD6AB}" type="datetime1">
-              <a:rPr lang="de-DE" smtClean="0"/>
-              <a:t>08.06.2015</a:t>
-            </a:fld>
-            <a:endParaRPr lang="de-DE"/>
-          </a:p>
-        </p:txBody>
-      </p:sp>
-      <p:sp>
-        <p:nvSpPr>
-          <p:cNvPr id="5" name="Fußzeilenplatzhalter 4"/>
-          <p:cNvSpPr>
-            <a:spLocks noGrp="1"/>
-          </p:cNvSpPr>
-          <p:nvPr>
-            <p:ph type="ftr" sz="quarter" idx="11"/>
-          </p:nvPr>
-        </p:nvSpPr>
-        <p:spPr/>
-        <p:txBody>
-          <a:bodyPr/>
-          <a:lstStyle>
-            <a:extLst/>
-          </a:lstStyle>
-          <a:p>
-            <a:endParaRPr lang="de-DE"/>
-          </a:p>
-        </p:txBody>
-      </p:sp>
-      <p:sp>
-        <p:nvSpPr>
-          <p:cNvPr id="6" name="Foliennummernplatzhalter 5"/>
-          <p:cNvSpPr>
-            <a:spLocks noGrp="1"/>
-          </p:cNvSpPr>
-          <p:nvPr>
-            <p:ph type="sldNum" sz="quarter" idx="12"/>
-          </p:nvPr>
-        </p:nvSpPr>
-        <p:spPr/>
-        <p:txBody>
-          <a:bodyPr/>
-          <a:lstStyle>
-            <a:extLst/>
-          </a:lstStyle>
-          <a:p>
-            <a:fld id="{B9DC6992-199D-4EB6-BFD7-444195B8EA7C}" type="slidenum">
-              <a:rPr lang="de-DE" smtClean="0"/>
-              <a:pPr/>
-              <a:t>‹Nr.›</a:t>
-            </a:fld>
-            <a:endParaRPr lang="de-DE"/>
-          </a:p>
-        </p:txBody>
-      </p:sp>
-    </p:spTree>
-  </p:cSld>
-  <p:clrMapOvr>
-    <a:masterClrMapping/>
-  </p:clrMapOvr>
-  <p:transition spd="med">
-    <p:pull dir="d"/>
-  </p:transition>
-</p:sldLayout>
-</file>
-
-<file path=ppt/slideLayouts/slideLayout11.xml><?xml version="1.0" encoding="utf-8"?>
-<p:sldLayout xmlns:a="http://schemas.openxmlformats.org/drawingml/2006/main" xmlns:r="http://schemas.openxmlformats.org/officeDocument/2006/relationships" xmlns:p="http://schemas.openxmlformats.org/presentationml/2006/main" type="vertTitleAndTx" preserve="1">
-  <p:cSld name="Vertikaler Titel und Text">
-    <p:spTree>
-      <p:nvGrpSpPr>
-        <p:cNvPr id="1" name=""/>
-        <p:cNvGrpSpPr/>
-        <p:nvPr/>
-      </p:nvGrpSpPr>
-      <p:grpSpPr>
-        <a:xfrm>
-          <a:off x="0" y="0"/>
-          <a:ext cx="0" cy="0"/>
-          <a:chOff x="0" y="0"/>
-          <a:chExt cx="0" cy="0"/>
-        </a:xfrm>
-      </p:grpSpPr>
-      <p:sp>
-        <p:nvSpPr>
-          <p:cNvPr id="2" name="Vertikaler Titel 1"/>
-          <p:cNvSpPr>
-            <a:spLocks noGrp="1"/>
-          </p:cNvSpPr>
-          <p:nvPr>
-            <p:ph type="title" orient="vert"/>
-          </p:nvPr>
-        </p:nvSpPr>
-        <p:spPr>
-          <a:xfrm>
-            <a:off x="6844013" y="274640"/>
-            <a:ext cx="1777470" cy="5592761"/>
-          </a:xfrm>
-        </p:spPr>
-        <p:txBody>
-          <a:bodyPr vert="eaVert"/>
-          <a:lstStyle>
-            <a:extLst/>
-          </a:lstStyle>
-          <a:p>
-            <a:r>
-              <a:rPr kumimoji="0" lang="de-DE" smtClean="0"/>
-              <a:t>Titelmasterformat durch Klicken bearbeiten</a:t>
-            </a:r>
-            <a:endParaRPr kumimoji="0" lang="en-US"/>
-          </a:p>
-        </p:txBody>
-      </p:sp>
-      <p:sp>
-        <p:nvSpPr>
-          <p:cNvPr id="3" name="Vertikaler Textplatzhalter 2"/>
-          <p:cNvSpPr>
-            <a:spLocks noGrp="1"/>
-          </p:cNvSpPr>
-          <p:nvPr>
-            <p:ph type="body" orient="vert" idx="1"/>
-          </p:nvPr>
-        </p:nvSpPr>
-        <p:spPr>
-          <a:xfrm>
-            <a:off x="457200" y="274641"/>
-            <a:ext cx="6324600" cy="5592760"/>
-          </a:xfrm>
-        </p:spPr>
-        <p:txBody>
-          <a:bodyPr vert="eaVert"/>
-          <a:lstStyle>
-            <a:extLst/>
-          </a:lstStyle>
-          <a:p>
-            <a:pPr lvl="0" eaLnBrk="1" latinLnBrk="0" hangingPunct="1"/>
-            <a:r>
-              <a:rPr lang="de-DE" smtClean="0"/>
-              <a:t>Textmasterformate durch Klicken bearbeiten</a:t>
-            </a:r>
-          </a:p>
-          <a:p>
-            <a:pPr lvl="1" eaLnBrk="1" latinLnBrk="0" hangingPunct="1"/>
-            <a:r>
-              <a:rPr lang="de-DE" smtClean="0"/>
-              <a:t>Zweite Ebene</a:t>
-            </a:r>
-          </a:p>
-          <a:p>
-            <a:pPr lvl="2" eaLnBrk="1" latinLnBrk="0" hangingPunct="1"/>
-            <a:r>
-              <a:rPr lang="de-DE" smtClean="0"/>
-              <a:t>Dritte Ebene</a:t>
-            </a:r>
-          </a:p>
-          <a:p>
-            <a:pPr lvl="3" eaLnBrk="1" latinLnBrk="0" hangingPunct="1"/>
-            <a:r>
-              <a:rPr lang="de-DE" smtClean="0"/>
-              <a:t>Vierte Ebene</a:t>
-            </a:r>
-          </a:p>
-          <a:p>
-            <a:pPr lvl="4" eaLnBrk="1" latinLnBrk="0" hangingPunct="1"/>
-            <a:r>
-              <a:rPr lang="de-DE" smtClean="0"/>
-              <a:t>Fünfte Ebene</a:t>
-            </a:r>
-            <a:endParaRPr kumimoji="0" lang="en-US"/>
-          </a:p>
-        </p:txBody>
-      </p:sp>
-      <p:sp>
-        <p:nvSpPr>
-          <p:cNvPr id="4" name="Datumsplatzhalter 3"/>
-          <p:cNvSpPr>
-            <a:spLocks noGrp="1"/>
-          </p:cNvSpPr>
-          <p:nvPr>
-            <p:ph type="dt" sz="half" idx="10"/>
-          </p:nvPr>
-        </p:nvSpPr>
-        <p:spPr/>
-        <p:txBody>
-          <a:bodyPr/>
-          <a:lstStyle>
-            <a:extLst/>
-          </a:lstStyle>
-          <a:p>
-            <a:fld id="{E815F047-5968-43A7-9B96-61C29C029729}" type="datetime1">
-              <a:rPr lang="de-DE" smtClean="0"/>
-              <a:t>08.06.2015</a:t>
-            </a:fld>
-            <a:endParaRPr lang="de-DE"/>
-          </a:p>
-        </p:txBody>
-      </p:sp>
-      <p:sp>
-        <p:nvSpPr>
-          <p:cNvPr id="5" name="Fußzeilenplatzhalter 4"/>
-          <p:cNvSpPr>
-            <a:spLocks noGrp="1"/>
-          </p:cNvSpPr>
-          <p:nvPr>
-            <p:ph type="ftr" sz="quarter" idx="11"/>
-          </p:nvPr>
-        </p:nvSpPr>
-        <p:spPr/>
-        <p:txBody>
-          <a:bodyPr/>
-          <a:lstStyle>
-            <a:extLst/>
-          </a:lstStyle>
-          <a:p>
-            <a:endParaRPr lang="de-DE"/>
-          </a:p>
-        </p:txBody>
-      </p:sp>
-      <p:sp>
-        <p:nvSpPr>
-          <p:cNvPr id="6" name="Foliennummernplatzhalter 5"/>
-          <p:cNvSpPr>
-            <a:spLocks noGrp="1"/>
-          </p:cNvSpPr>
-          <p:nvPr>
-            <p:ph type="sldNum" sz="quarter" idx="12"/>
-          </p:nvPr>
-        </p:nvSpPr>
-        <p:spPr/>
-        <p:txBody>
-          <a:bodyPr/>
-          <a:lstStyle>
-            <a:extLst/>
-          </a:lstStyle>
-          <a:p>
-            <a:fld id="{B9DC6992-199D-4EB6-BFD7-444195B8EA7C}" type="slidenum">
-              <a:rPr lang="de-DE" smtClean="0"/>
-              <a:pPr/>
-              <a:t>‹Nr.›</a:t>
-            </a:fld>
-            <a:endParaRPr lang="de-DE"/>
-          </a:p>
-        </p:txBody>
-      </p:sp>
-    </p:spTree>
-  </p:cSld>
-  <p:clrMapOvr>
-    <a:masterClrMapping/>
-  </p:clrMapOvr>
-  <p:transition spd="med">
-    <p:pull dir="d"/>
-  </p:transition>
-</p:sldLayout>
-</file>
-
-<file path=ppt/slideLayouts/slideLayout2.xml><?xml version="1.0" encoding="utf-8"?>
-<p:sldLayout xmlns:a="http://schemas.openxmlformats.org/drawingml/2006/main" xmlns:r="http://schemas.openxmlformats.org/officeDocument/2006/relationships" xmlns:p="http://schemas.openxmlformats.org/presentationml/2006/main" type="obj" preserve="1">
-  <p:cSld name="Titel und Inhalt">
-    <p:spTree>
-      <p:nvGrpSpPr>
-        <p:cNvPr id="1" name=""/>
-        <p:cNvGrpSpPr/>
-        <p:nvPr/>
-      </p:nvGrpSpPr>
-      <p:grpSpPr>
-        <a:xfrm>
-          <a:off x="0" y="0"/>
-          <a:ext cx="0" cy="0"/>
-          <a:chOff x="0" y="0"/>
-          <a:chExt cx="0" cy="0"/>
-        </a:xfrm>
-      </p:grpSpPr>
-      <p:sp>
-        <p:nvSpPr>
-          <p:cNvPr id="3" name="Inhaltsplatzhalter 2"/>
-          <p:cNvSpPr>
-            <a:spLocks noGrp="1"/>
-          </p:cNvSpPr>
-          <p:nvPr>
-            <p:ph idx="1"/>
-          </p:nvPr>
-        </p:nvSpPr>
-        <p:spPr/>
-        <p:txBody>
-          <a:bodyPr/>
-          <a:lstStyle>
-            <a:lvl1pPr marL="365760" indent="-256032" algn="l" rtl="0" eaLnBrk="1" latinLnBrk="0" hangingPunct="1">
-              <a:lnSpc>
-                <a:spcPct val="150000"/>
-              </a:lnSpc>
-              <a:spcBef>
-                <a:spcPts val="400"/>
-              </a:spcBef>
-              <a:spcAft>
-                <a:spcPts val="0"/>
-              </a:spcAft>
-              <a:buClr>
-                <a:schemeClr val="accent1"/>
-              </a:buClr>
-              <a:buSzPct val="68000"/>
-              <a:buFont typeface="Wingdings 3"/>
-              <a:buChar char=""/>
-              <a:defRPr kumimoji="0" lang="de-DE" sz="2700" kern="1200" dirty="0" smtClean="0">
-                <a:solidFill>
-                  <a:schemeClr val="tx1"/>
-                </a:solidFill>
-                <a:latin typeface="+mn-lt"/>
-                <a:ea typeface="+mn-ea"/>
-                <a:cs typeface="+mn-cs"/>
-              </a:defRPr>
-            </a:lvl1pPr>
-            <a:lvl2pPr>
-              <a:lnSpc>
-                <a:spcPct val="150000"/>
-              </a:lnSpc>
-              <a:defRPr/>
-            </a:lvl2pPr>
-            <a:lvl3pPr>
-              <a:lnSpc>
-                <a:spcPct val="150000"/>
-              </a:lnSpc>
-              <a:defRPr/>
-            </a:lvl3pPr>
-            <a:lvl4pPr>
-              <a:lnSpc>
-                <a:spcPct val="150000"/>
-              </a:lnSpc>
-              <a:defRPr/>
-            </a:lvl4pPr>
-            <a:lvl5pPr>
-              <a:lnSpc>
-                <a:spcPct val="150000"/>
-              </a:lnSpc>
-              <a:defRPr/>
-            </a:lvl5pPr>
-            <a:extLst/>
-          </a:lstStyle>
-          <a:p>
-            <a:pPr lvl="0" eaLnBrk="1" latinLnBrk="0" hangingPunct="1"/>
-            <a:r>
-              <a:rPr lang="de-DE" dirty="0" smtClean="0"/>
-              <a:t>Textmasterformate durch Klicken bearbeiten</a:t>
-            </a:r>
-          </a:p>
-          <a:p>
-            <a:pPr lvl="1" eaLnBrk="1" latinLnBrk="0" hangingPunct="1"/>
-            <a:r>
-              <a:rPr lang="de-DE" dirty="0" smtClean="0"/>
-              <a:t>Zweite Ebene</a:t>
-            </a:r>
-          </a:p>
-          <a:p>
-            <a:pPr lvl="2" eaLnBrk="1" latinLnBrk="0" hangingPunct="1"/>
-            <a:r>
-              <a:rPr lang="de-DE" dirty="0" smtClean="0"/>
-              <a:t>Dritte Ebene</a:t>
-            </a:r>
-          </a:p>
-          <a:p>
-            <a:pPr lvl="3" eaLnBrk="1" latinLnBrk="0" hangingPunct="1"/>
-            <a:r>
-              <a:rPr lang="de-DE" dirty="0" smtClean="0"/>
-              <a:t>Vierte Ebene</a:t>
-            </a:r>
-          </a:p>
-          <a:p>
-            <a:pPr lvl="4" eaLnBrk="1" latinLnBrk="0" hangingPunct="1"/>
-            <a:r>
-              <a:rPr lang="de-DE" dirty="0" smtClean="0"/>
-              <a:t>Fünfte Ebene</a:t>
-            </a:r>
-            <a:endParaRPr kumimoji="0" lang="en-US" dirty="0"/>
-          </a:p>
-        </p:txBody>
-      </p:sp>
-      <p:sp>
-        <p:nvSpPr>
-          <p:cNvPr id="4" name="Datumsplatzhalter 3"/>
-          <p:cNvSpPr>
-            <a:spLocks noGrp="1"/>
-          </p:cNvSpPr>
-          <p:nvPr>
-            <p:ph type="dt" sz="half" idx="10"/>
-          </p:nvPr>
-        </p:nvSpPr>
-        <p:spPr>
-          <a:xfrm>
-            <a:off x="6727032" y="6407944"/>
-            <a:ext cx="1373360" cy="365760"/>
-          </a:xfrm>
-        </p:spPr>
-        <p:txBody>
-          <a:bodyPr/>
-          <a:lstStyle>
-            <a:lvl1pPr>
-              <a:defRPr sz="1100"/>
-            </a:lvl1pPr>
-            <a:extLst/>
-          </a:lstStyle>
-          <a:p>
-            <a:fld id="{0DFD0E32-01C5-4782-8558-5DEFD2FCAEC5}" type="datetime1">
-              <a:rPr lang="de-DE" smtClean="0"/>
-              <a:pPr/>
-              <a:t>08.06.2015</a:t>
-            </a:fld>
-            <a:endParaRPr lang="de-DE"/>
-          </a:p>
-        </p:txBody>
-      </p:sp>
-      <p:sp>
-        <p:nvSpPr>
-          <p:cNvPr id="5" name="Fußzeilenplatzhalter 4"/>
-          <p:cNvSpPr>
-            <a:spLocks noGrp="1"/>
-          </p:cNvSpPr>
-          <p:nvPr>
-            <p:ph type="ftr" sz="quarter" idx="11"/>
-          </p:nvPr>
-        </p:nvSpPr>
-        <p:spPr/>
-        <p:txBody>
-          <a:bodyPr/>
-          <a:lstStyle>
-            <a:extLst/>
-          </a:lstStyle>
-          <a:p>
-            <a:endParaRPr lang="de-DE"/>
-          </a:p>
-        </p:txBody>
-      </p:sp>
-      <p:sp>
-        <p:nvSpPr>
-          <p:cNvPr id="6" name="Foliennummernplatzhalter 5"/>
-          <p:cNvSpPr>
-            <a:spLocks noGrp="1"/>
-          </p:cNvSpPr>
-          <p:nvPr>
-            <p:ph type="sldNum" sz="quarter" idx="12"/>
-          </p:nvPr>
-        </p:nvSpPr>
-        <p:spPr>
-          <a:xfrm>
-            <a:off x="8100392" y="6407944"/>
-            <a:ext cx="437768" cy="365125"/>
-          </a:xfrm>
-        </p:spPr>
-        <p:txBody>
-          <a:bodyPr/>
-          <a:lstStyle>
-            <a:lvl1pPr>
-              <a:defRPr sz="1100"/>
-            </a:lvl1pPr>
-            <a:extLst/>
-          </a:lstStyle>
-          <a:p>
-            <a:fld id="{B9DC6992-199D-4EB6-BFD7-444195B8EA7C}" type="slidenum">
-              <a:rPr lang="de-DE" smtClean="0"/>
-              <a:pPr/>
-              <a:t>‹Nr.›</a:t>
-            </a:fld>
-            <a:endParaRPr lang="de-DE"/>
-          </a:p>
-        </p:txBody>
-      </p:sp>
-      <p:sp>
-        <p:nvSpPr>
-          <p:cNvPr id="7" name="Titel 6"/>
-          <p:cNvSpPr>
-            <a:spLocks noGrp="1"/>
-          </p:cNvSpPr>
-          <p:nvPr>
-            <p:ph type="title"/>
-          </p:nvPr>
-        </p:nvSpPr>
-        <p:spPr/>
-        <p:txBody>
-          <a:bodyPr rtlCol="0"/>
-          <a:lstStyle>
-            <a:extLst/>
-          </a:lstStyle>
-          <a:p>
-            <a:r>
-              <a:rPr kumimoji="0" lang="de-DE" smtClean="0"/>
-              <a:t>Titelmasterformat durch Klicken bearbeiten</a:t>
-            </a:r>
-            <a:endParaRPr kumimoji="0" lang="en-US"/>
-          </a:p>
-        </p:txBody>
-      </p:sp>
-      <p:pic>
-        <p:nvPicPr>
-          <p:cNvPr id="8" name="Grafik 7" descr="BotOliViktor.png"/>
-          <p:cNvPicPr>
-            <a:picLocks noChangeAspect="1"/>
-          </p:cNvPicPr>
-          <p:nvPr userDrawn="1"/>
-        </p:nvPicPr>
-        <p:blipFill>
-          <a:blip r:embed="rId2" cstate="print"/>
-          <a:stretch>
-            <a:fillRect/>
-          </a:stretch>
-        </p:blipFill>
-        <p:spPr>
-          <a:xfrm>
-            <a:off x="8511109" y="6366765"/>
-            <a:ext cx="632891" cy="518619"/>
-          </a:xfrm>
-          <a:prstGeom prst="rect">
-            <a:avLst/>
-          </a:prstGeom>
-        </p:spPr>
-      </p:pic>
-    </p:spTree>
-  </p:cSld>
-  <p:clrMapOvr>
-    <a:masterClrMapping/>
-  </p:clrMapOvr>
-  <p:transition spd="med">
-    <p:pull dir="d"/>
-  </p:transition>
-</p:sldLayout>
-</file>
-
-<file path=ppt/slideLayouts/slideLayout3.xml><?xml version="1.0" encoding="utf-8"?>
-<p:sldLayout xmlns:a="http://schemas.openxmlformats.org/drawingml/2006/main" xmlns:r="http://schemas.openxmlformats.org/officeDocument/2006/relationships" xmlns:p="http://schemas.openxmlformats.org/presentationml/2006/main" type="secHead" preserve="1">
-  <p:cSld name="Abschnittsüberschrift">
-    <p:bg>
-      <p:bgRef idx="1002">
-        <a:schemeClr val="bg1"/>
-      </p:bgRef>
-    </p:bg>
-    <p:spTree>
-      <p:nvGrpSpPr>
-        <p:cNvPr id="1" name=""/>
-        <p:cNvGrpSpPr/>
-        <p:nvPr/>
-      </p:nvGrpSpPr>
-      <p:grpSpPr>
-        <a:xfrm>
-          <a:off x="0" y="0"/>
-          <a:ext cx="0" cy="0"/>
-          <a:chOff x="0" y="0"/>
-          <a:chExt cx="0" cy="0"/>
-        </a:xfrm>
-      </p:grpSpPr>
-      <p:sp>
-        <p:nvSpPr>
-          <p:cNvPr id="2" name="Titel 1"/>
-          <p:cNvSpPr>
-            <a:spLocks noGrp="1"/>
-          </p:cNvSpPr>
-          <p:nvPr>
-            <p:ph type="title"/>
-          </p:nvPr>
-        </p:nvSpPr>
-        <p:spPr>
-          <a:xfrm>
-            <a:off x="722376" y="1059712"/>
-            <a:ext cx="7772400" cy="1828800"/>
-          </a:xfrm>
-        </p:spPr>
-        <p:txBody>
-          <a:bodyPr vert="horz" anchor="b">
-            <a:normAutofit/>
-            <a:scene3d>
-              <a:camera prst="orthographicFront"/>
-              <a:lightRig rig="soft" dir="t"/>
-            </a:scene3d>
-            <a:sp3d prstMaterial="softEdge">
-              <a:bevelT w="25400" h="25400"/>
-            </a:sp3d>
-          </a:bodyPr>
-          <a:lstStyle>
-            <a:lvl1pPr algn="r">
-              <a:buNone/>
-              <a:defRPr sz="4800" b="1" cap="none" baseline="0">
-                <a:effectLst>
-                  <a:outerShdw blurRad="31750" dist="25400" dir="5400000" algn="tl" rotWithShape="0">
-                    <a:srgbClr val="000000">
-                      <a:alpha val="25000"/>
-                    </a:srgbClr>
-                  </a:outerShdw>
-                </a:effectLst>
-              </a:defRPr>
-            </a:lvl1pPr>
-            <a:extLst/>
-          </a:lstStyle>
-          <a:p>
-            <a:r>
-              <a:rPr kumimoji="0" lang="de-DE" smtClean="0"/>
-              <a:t>Titelmasterformat durch Klicken bearbeiten</a:t>
-            </a:r>
-            <a:endParaRPr kumimoji="0" lang="en-US"/>
-          </a:p>
-        </p:txBody>
-      </p:sp>
-      <p:sp>
-        <p:nvSpPr>
-          <p:cNvPr id="3" name="Textplatzhalter 2"/>
-          <p:cNvSpPr>
-            <a:spLocks noGrp="1"/>
-          </p:cNvSpPr>
-          <p:nvPr>
-            <p:ph type="body" idx="1"/>
-          </p:nvPr>
-        </p:nvSpPr>
-        <p:spPr>
-          <a:xfrm>
-            <a:off x="3922713" y="2931712"/>
-            <a:ext cx="4572000" cy="1454888"/>
-          </a:xfrm>
-        </p:spPr>
-        <p:txBody>
-          <a:bodyPr lIns="91440" rIns="91440" anchor="t"/>
-          <a:lstStyle>
-            <a:lvl1pPr marL="0" indent="0" algn="l">
-              <a:buNone/>
-              <a:defRPr sz="2300">
-                <a:solidFill>
-                  <a:schemeClr val="tx1"/>
-                </a:solidFill>
-              </a:defRPr>
-            </a:lvl1pPr>
-            <a:lvl2pPr>
-              <a:buNone/>
-              <a:defRPr sz="1800">
-                <a:solidFill>
-                  <a:schemeClr val="tx1">
-                    <a:tint val="75000"/>
-                  </a:schemeClr>
-                </a:solidFill>
-              </a:defRPr>
-            </a:lvl2pPr>
-            <a:lvl3pPr>
-              <a:buNone/>
-              <a:defRPr sz="1600">
-                <a:solidFill>
-                  <a:schemeClr val="tx1">
-                    <a:tint val="75000"/>
-                  </a:schemeClr>
-                </a:solidFill>
-              </a:defRPr>
-            </a:lvl3pPr>
-            <a:lvl4pPr>
-              <a:buNone/>
-              <a:defRPr sz="1400">
-                <a:solidFill>
-                  <a:schemeClr val="tx1">
-                    <a:tint val="75000"/>
-                  </a:schemeClr>
-                </a:solidFill>
-              </a:defRPr>
-            </a:lvl4pPr>
-            <a:lvl5pPr>
-              <a:buNone/>
-              <a:defRPr sz="1400">
-                <a:solidFill>
-                  <a:schemeClr val="tx1">
-                    <a:tint val="75000"/>
-                  </a:schemeClr>
-                </a:solidFill>
-              </a:defRPr>
-            </a:lvl5pPr>
-            <a:extLst/>
-          </a:lstStyle>
-          <a:p>
-            <a:pPr lvl="0" eaLnBrk="1" latinLnBrk="0" hangingPunct="1"/>
-            <a:r>
-              <a:rPr kumimoji="0" lang="de-DE" smtClean="0"/>
-              <a:t>Textmasterformate durch Klicken bearbeiten</a:t>
-            </a:r>
-          </a:p>
-        </p:txBody>
-      </p:sp>
-      <p:sp>
-        <p:nvSpPr>
-          <p:cNvPr id="4" name="Datumsplatzhalter 3"/>
-          <p:cNvSpPr>
-            <a:spLocks noGrp="1"/>
-          </p:cNvSpPr>
-          <p:nvPr>
-            <p:ph type="dt" sz="half" idx="10"/>
-          </p:nvPr>
-        </p:nvSpPr>
-        <p:spPr/>
-        <p:txBody>
-          <a:bodyPr/>
-          <a:lstStyle>
-            <a:extLst/>
-          </a:lstStyle>
-          <a:p>
-            <a:fld id="{FAAEB4A6-6240-4E24-9E63-077D42C50F62}" type="datetime1">
-              <a:rPr lang="de-DE" smtClean="0"/>
-              <a:t>08.06.2015</a:t>
-            </a:fld>
-            <a:endParaRPr lang="de-DE"/>
-          </a:p>
-        </p:txBody>
-      </p:sp>
-      <p:sp>
-        <p:nvSpPr>
-          <p:cNvPr id="5" name="Fußzeilenplatzhalter 4"/>
-          <p:cNvSpPr>
-            <a:spLocks noGrp="1"/>
-          </p:cNvSpPr>
-          <p:nvPr>
-            <p:ph type="ftr" sz="quarter" idx="11"/>
-          </p:nvPr>
-        </p:nvSpPr>
-        <p:spPr/>
-        <p:txBody>
-          <a:bodyPr/>
-          <a:lstStyle>
-            <a:extLst/>
-          </a:lstStyle>
-          <a:p>
-            <a:endParaRPr lang="de-DE"/>
-          </a:p>
-        </p:txBody>
-      </p:sp>
-      <p:sp>
-        <p:nvSpPr>
-          <p:cNvPr id="6" name="Foliennummernplatzhalter 5"/>
-          <p:cNvSpPr>
-            <a:spLocks noGrp="1"/>
-          </p:cNvSpPr>
-          <p:nvPr>
-            <p:ph type="sldNum" sz="quarter" idx="12"/>
-          </p:nvPr>
-        </p:nvSpPr>
-        <p:spPr/>
-        <p:txBody>
-          <a:bodyPr/>
-          <a:lstStyle>
-            <a:extLst/>
-          </a:lstStyle>
-          <a:p>
-            <a:fld id="{B9DC6992-199D-4EB6-BFD7-444195B8EA7C}" type="slidenum">
-              <a:rPr lang="de-DE" smtClean="0"/>
-              <a:pPr/>
-              <a:t>‹Nr.›</a:t>
-            </a:fld>
-            <a:endParaRPr lang="de-DE"/>
-          </a:p>
-        </p:txBody>
-      </p:sp>
-      <p:sp>
-        <p:nvSpPr>
-          <p:cNvPr id="7" name="Eingekerbter Richtungspfeil 6"/>
-          <p:cNvSpPr/>
-          <p:nvPr/>
-        </p:nvSpPr>
-        <p:spPr>
-          <a:xfrm>
-            <a:off x="3636680" y="3005472"/>
-            <a:ext cx="182880" cy="228600"/>
-          </a:xfrm>
-          <a:prstGeom prst="chevron">
-            <a:avLst>
-              <a:gd name="adj" fmla="val 50000"/>
-            </a:avLst>
-          </a:prstGeom>
-          <a:gradFill flip="none" rotWithShape="1">
-            <a:gsLst>
-              <a:gs pos="0">
-                <a:schemeClr val="accent1">
-                  <a:shade val="60000"/>
-                  <a:satMod val="125000"/>
-                </a:schemeClr>
-              </a:gs>
-              <a:gs pos="72000">
-                <a:schemeClr val="accent1">
-                  <a:tint val="90000"/>
-                  <a:satMod val="138000"/>
-                </a:schemeClr>
-              </a:gs>
-              <a:gs pos="100000">
-                <a:schemeClr val="accent1">
-                  <a:tint val="76000"/>
-                  <a:satMod val="136000"/>
-                </a:schemeClr>
-              </a:gs>
-            </a:gsLst>
-            <a:lin ang="16200000" scaled="0"/>
-          </a:gradFill>
-          <a:ln w="3175" cap="rnd" cmpd="sng" algn="ctr">
-            <a:solidFill>
-              <a:schemeClr val="accent1">
-                <a:shade val="50000"/>
-              </a:schemeClr>
-            </a:solidFill>
-            <a:prstDash val="solid"/>
-          </a:ln>
-          <a:effectLst>
-            <a:outerShdw blurRad="50800" dist="25400" dir="5400000">
-              <a:srgbClr val="000000">
-                <a:alpha val="46000"/>
-              </a:srgbClr>
-            </a:outerShdw>
-          </a:effectLst>
-        </p:spPr>
-        <p:style>
-          <a:lnRef idx="1">
-            <a:schemeClr val="accent1"/>
-          </a:lnRef>
-          <a:fillRef idx="3">
-            <a:schemeClr val="accent1"/>
-          </a:fillRef>
-          <a:effectRef idx="2">
-            <a:schemeClr val="accent1"/>
-          </a:effectRef>
-          <a:fontRef idx="minor">
-            <a:schemeClr val="lt1"/>
-          </a:fontRef>
-        </p:style>
-        <p:txBody>
-          <a:bodyPr anchor="ctr"/>
-          <a:lstStyle>
-            <a:extLst/>
-          </a:lstStyle>
-          <a:p>
-            <a:pPr algn="l" eaLnBrk="1" latinLnBrk="0" hangingPunct="1"/>
-            <a:endParaRPr kumimoji="0" lang="en-US"/>
-          </a:p>
-        </p:txBody>
-      </p:sp>
-      <p:sp>
-        <p:nvSpPr>
-          <p:cNvPr id="8" name="Eingekerbter Richtungspfeil 7"/>
-          <p:cNvSpPr/>
-          <p:nvPr/>
-        </p:nvSpPr>
-        <p:spPr>
-          <a:xfrm>
-            <a:off x="3450264" y="3005472"/>
-            <a:ext cx="182880" cy="228600"/>
-          </a:xfrm>
-          <a:prstGeom prst="chevron">
-            <a:avLst>
-              <a:gd name="adj" fmla="val 50000"/>
-            </a:avLst>
-          </a:prstGeom>
-          <a:gradFill flip="none" rotWithShape="1">
-            <a:gsLst>
-              <a:gs pos="0">
-                <a:schemeClr val="accent1">
-                  <a:shade val="60000"/>
-                  <a:satMod val="125000"/>
-                </a:schemeClr>
-              </a:gs>
-              <a:gs pos="72000">
-                <a:schemeClr val="accent1">
-                  <a:tint val="90000"/>
-                  <a:satMod val="138000"/>
-                </a:schemeClr>
-              </a:gs>
-              <a:gs pos="100000">
-                <a:schemeClr val="accent1">
-                  <a:tint val="76000"/>
-                  <a:satMod val="136000"/>
-                </a:schemeClr>
-              </a:gs>
-            </a:gsLst>
-            <a:lin ang="16200000" scaled="0"/>
-          </a:gradFill>
-          <a:ln w="3175" cap="rnd" cmpd="sng" algn="ctr">
-            <a:solidFill>
-              <a:schemeClr val="accent1">
-                <a:shade val="50000"/>
-              </a:schemeClr>
-            </a:solidFill>
-            <a:prstDash val="solid"/>
-          </a:ln>
-          <a:effectLst>
-            <a:outerShdw blurRad="50800" dist="25400" dir="5400000">
-              <a:srgbClr val="000000">
-                <a:alpha val="46000"/>
-              </a:srgbClr>
-            </a:outerShdw>
-          </a:effectLst>
-        </p:spPr>
-        <p:style>
-          <a:lnRef idx="1">
-            <a:schemeClr val="accent1"/>
-          </a:lnRef>
-          <a:fillRef idx="3">
-            <a:schemeClr val="accent1"/>
-          </a:fillRef>
-          <a:effectRef idx="2">
-            <a:schemeClr val="accent1"/>
-          </a:effectRef>
-          <a:fontRef idx="minor">
-            <a:schemeClr val="lt1"/>
-          </a:fontRef>
-        </p:style>
-        <p:txBody>
-          <a:bodyPr anchor="ctr"/>
-          <a:lstStyle>
-            <a:extLst/>
-          </a:lstStyle>
-          <a:p>
-            <a:pPr algn="l" eaLnBrk="1" latinLnBrk="0" hangingPunct="1"/>
-            <a:endParaRPr kumimoji="0" lang="en-US"/>
-          </a:p>
-        </p:txBody>
-      </p:sp>
-    </p:spTree>
-  </p:cSld>
-  <p:clrMapOvr>
-    <a:overrideClrMapping bg1="dk1" tx1="lt1" bg2="dk2" tx2="lt2" accent1="accent1" accent2="accent2" accent3="accent3" accent4="accent4" accent5="accent5" accent6="accent6" hlink="hlink" folHlink="folHlink"/>
-  </p:clrMapOvr>
-  <p:transition spd="med">
-    <p:pull dir="d"/>
-  </p:transition>
-</p:sldLayout>
-</file>
-
-<file path=ppt/slideLayouts/slideLayout4.xml><?xml version="1.0" encoding="utf-8"?>
-<p:sldLayout xmlns:a="http://schemas.openxmlformats.org/drawingml/2006/main" xmlns:r="http://schemas.openxmlformats.org/officeDocument/2006/relationships" xmlns:p="http://schemas.openxmlformats.org/presentationml/2006/main" type="twoObj" preserve="1">
-  <p:cSld name="Zwei Inhalte">
-    <p:bg>
-      <p:bgRef idx="1002">
-        <a:schemeClr val="bg1"/>
-      </p:bgRef>
-    </p:bg>
-    <p:spTree>
-      <p:nvGrpSpPr>
-        <p:cNvPr id="1" name=""/>
-        <p:cNvGrpSpPr/>
-        <p:nvPr/>
-      </p:nvGrpSpPr>
-      <p:grpSpPr>
-        <a:xfrm>
-          <a:off x="0" y="0"/>
-          <a:ext cx="0" cy="0"/>
-          <a:chOff x="0" y="0"/>
-          <a:chExt cx="0" cy="0"/>
-        </a:xfrm>
-      </p:grpSpPr>
-      <p:sp>
-        <p:nvSpPr>
-          <p:cNvPr id="3" name="Inhaltsplatzhalter 2"/>
-          <p:cNvSpPr>
-            <a:spLocks noGrp="1"/>
-          </p:cNvSpPr>
-          <p:nvPr>
-            <p:ph sz="half" idx="1"/>
-          </p:nvPr>
-        </p:nvSpPr>
-        <p:spPr>
-          <a:xfrm>
-            <a:off x="457200" y="1481328"/>
-            <a:ext cx="4038600" cy="4525963"/>
-          </a:xfrm>
-        </p:spPr>
-        <p:txBody>
-          <a:bodyPr/>
-          <a:lstStyle>
-            <a:lvl1pPr>
-              <a:defRPr sz="2800"/>
-            </a:lvl1pPr>
-            <a:lvl2pPr>
-              <a:defRPr sz="2400"/>
-            </a:lvl2pPr>
-            <a:lvl3pPr>
-              <a:defRPr sz="2000"/>
-            </a:lvl3pPr>
-            <a:lvl4pPr>
-              <a:defRPr sz="1800"/>
-            </a:lvl4pPr>
-            <a:lvl5pPr>
-              <a:defRPr sz="1800"/>
-            </a:lvl5pPr>
-            <a:extLst/>
-          </a:lstStyle>
-          <a:p>
-            <a:pPr lvl="0" eaLnBrk="1" latinLnBrk="0" hangingPunct="1"/>
-            <a:r>
-              <a:rPr lang="de-DE" smtClean="0"/>
-              <a:t>Textmasterformate durch Klicken bearbeiten</a:t>
-            </a:r>
-          </a:p>
-          <a:p>
-            <a:pPr lvl="1" eaLnBrk="1" latinLnBrk="0" hangingPunct="1"/>
-            <a:r>
-              <a:rPr lang="de-DE" smtClean="0"/>
-              <a:t>Zweite Ebene</a:t>
-            </a:r>
-          </a:p>
-          <a:p>
-            <a:pPr lvl="2" eaLnBrk="1" latinLnBrk="0" hangingPunct="1"/>
-            <a:r>
-              <a:rPr lang="de-DE" smtClean="0"/>
-              <a:t>Dritte Ebene</a:t>
-            </a:r>
-          </a:p>
-          <a:p>
-            <a:pPr lvl="3" eaLnBrk="1" latinLnBrk="0" hangingPunct="1"/>
-            <a:r>
-              <a:rPr lang="de-DE" smtClean="0"/>
-              <a:t>Vierte Ebene</a:t>
-            </a:r>
-          </a:p>
-          <a:p>
-            <a:pPr lvl="4" eaLnBrk="1" latinLnBrk="0" hangingPunct="1"/>
-            <a:r>
-              <a:rPr lang="de-DE" smtClean="0"/>
-              <a:t>Fünfte Ebene</a:t>
-            </a:r>
-            <a:endParaRPr kumimoji="0" lang="en-US"/>
-          </a:p>
-        </p:txBody>
-      </p:sp>
-      <p:sp>
-        <p:nvSpPr>
-          <p:cNvPr id="4" name="Inhaltsplatzhalter 3"/>
-          <p:cNvSpPr>
-            <a:spLocks noGrp="1"/>
-          </p:cNvSpPr>
-          <p:nvPr>
-            <p:ph sz="half" idx="2"/>
-          </p:nvPr>
-        </p:nvSpPr>
-        <p:spPr>
-          <a:xfrm>
-            <a:off x="4648200" y="1481328"/>
-            <a:ext cx="4038600" cy="4525963"/>
-          </a:xfrm>
-        </p:spPr>
-        <p:txBody>
-          <a:bodyPr/>
-          <a:lstStyle>
-            <a:lvl1pPr>
-              <a:defRPr sz="2800"/>
-            </a:lvl1pPr>
-            <a:lvl2pPr>
-              <a:defRPr sz="2400"/>
-            </a:lvl2pPr>
-            <a:lvl3pPr>
-              <a:defRPr sz="2000"/>
-            </a:lvl3pPr>
-            <a:lvl4pPr>
-              <a:defRPr sz="1800"/>
-            </a:lvl4pPr>
-            <a:lvl5pPr>
-              <a:defRPr sz="1800"/>
-            </a:lvl5pPr>
-            <a:extLst/>
-          </a:lstStyle>
-          <a:p>
-            <a:pPr lvl="0" eaLnBrk="1" latinLnBrk="0" hangingPunct="1"/>
-            <a:r>
-              <a:rPr lang="de-DE" smtClean="0"/>
-              <a:t>Textmasterformate durch Klicken bearbeiten</a:t>
-            </a:r>
-          </a:p>
-          <a:p>
-            <a:pPr lvl="1" eaLnBrk="1" latinLnBrk="0" hangingPunct="1"/>
-            <a:r>
-              <a:rPr lang="de-DE" smtClean="0"/>
-              <a:t>Zweite Ebene</a:t>
-            </a:r>
-          </a:p>
-          <a:p>
-            <a:pPr lvl="2" eaLnBrk="1" latinLnBrk="0" hangingPunct="1"/>
-            <a:r>
-              <a:rPr lang="de-DE" smtClean="0"/>
-              <a:t>Dritte Ebene</a:t>
-            </a:r>
-          </a:p>
-          <a:p>
-            <a:pPr lvl="3" eaLnBrk="1" latinLnBrk="0" hangingPunct="1"/>
-            <a:r>
-              <a:rPr lang="de-DE" smtClean="0"/>
-              <a:t>Vierte Ebene</a:t>
-            </a:r>
-          </a:p>
-          <a:p>
-            <a:pPr lvl="4" eaLnBrk="1" latinLnBrk="0" hangingPunct="1"/>
-            <a:r>
-              <a:rPr lang="de-DE" smtClean="0"/>
-              <a:t>Fünfte Ebene</a:t>
-            </a:r>
-            <a:endParaRPr kumimoji="0" lang="en-US"/>
-          </a:p>
-        </p:txBody>
-      </p:sp>
-      <p:sp>
-        <p:nvSpPr>
-          <p:cNvPr id="5" name="Datumsplatzhalter 4"/>
-          <p:cNvSpPr>
-            <a:spLocks noGrp="1"/>
-          </p:cNvSpPr>
-          <p:nvPr>
-            <p:ph type="dt" sz="half" idx="10"/>
-          </p:nvPr>
-        </p:nvSpPr>
-        <p:spPr/>
-        <p:txBody>
-          <a:bodyPr/>
-          <a:lstStyle>
-            <a:extLst/>
-          </a:lstStyle>
-          <a:p>
-            <a:fld id="{1384A4E8-8D90-4E41-95B5-ECFEEDA77411}" type="datetime1">
-              <a:rPr lang="de-DE" smtClean="0"/>
-              <a:t>08.06.2015</a:t>
-            </a:fld>
-            <a:endParaRPr lang="de-DE"/>
-          </a:p>
-        </p:txBody>
-      </p:sp>
-      <p:sp>
-        <p:nvSpPr>
-          <p:cNvPr id="6" name="Fußzeilenplatzhalter 5"/>
-          <p:cNvSpPr>
-            <a:spLocks noGrp="1"/>
-          </p:cNvSpPr>
-          <p:nvPr>
-            <p:ph type="ftr" sz="quarter" idx="11"/>
-          </p:nvPr>
-        </p:nvSpPr>
-        <p:spPr/>
-        <p:txBody>
-          <a:bodyPr/>
-          <a:lstStyle>
-            <a:extLst/>
-          </a:lstStyle>
-          <a:p>
-            <a:endParaRPr lang="de-DE"/>
-          </a:p>
-        </p:txBody>
-      </p:sp>
-      <p:sp>
-        <p:nvSpPr>
-          <p:cNvPr id="7" name="Foliennummernplatzhalter 6"/>
-          <p:cNvSpPr>
-            <a:spLocks noGrp="1"/>
-          </p:cNvSpPr>
-          <p:nvPr>
-            <p:ph type="sldNum" sz="quarter" idx="12"/>
-          </p:nvPr>
-        </p:nvSpPr>
-        <p:spPr/>
-        <p:txBody>
-          <a:bodyPr/>
-          <a:lstStyle>
-            <a:extLst/>
-          </a:lstStyle>
-          <a:p>
-            <a:fld id="{B9DC6992-199D-4EB6-BFD7-444195B8EA7C}" type="slidenum">
-              <a:rPr lang="de-DE" smtClean="0"/>
-              <a:pPr/>
-              <a:t>‹Nr.›</a:t>
-            </a:fld>
-            <a:endParaRPr lang="de-DE"/>
-          </a:p>
-        </p:txBody>
-      </p:sp>
-      <p:sp>
-        <p:nvSpPr>
-          <p:cNvPr id="8" name="Titel 7"/>
-          <p:cNvSpPr>
-            <a:spLocks noGrp="1"/>
-          </p:cNvSpPr>
-          <p:nvPr>
-            <p:ph type="title"/>
-          </p:nvPr>
-        </p:nvSpPr>
-        <p:spPr/>
-        <p:txBody>
-          <a:bodyPr rtlCol="0"/>
-          <a:lstStyle>
-            <a:extLst/>
-          </a:lstStyle>
-          <a:p>
-            <a:r>
-              <a:rPr kumimoji="0" lang="de-DE" smtClean="0"/>
-              <a:t>Titelmasterformat durch Klicken bearbeiten</a:t>
-            </a:r>
-            <a:endParaRPr kumimoji="0" lang="en-US"/>
-          </a:p>
-        </p:txBody>
-      </p:sp>
-    </p:spTree>
-  </p:cSld>
-  <p:clrMapOvr>
-    <a:overrideClrMapping bg1="dk1" tx1="lt1" bg2="dk2" tx2="lt2" accent1="accent1" accent2="accent2" accent3="accent3" accent4="accent4" accent5="accent5" accent6="accent6" hlink="hlink" folHlink="folHlink"/>
-  </p:clrMapOvr>
-  <p:transition spd="med">
-    <p:pull dir="d"/>
-  </p:transition>
-</p:sldLayout>
-</file>
-
-<file path=ppt/slideLayouts/slideLayout5.xml><?xml version="1.0" encoding="utf-8"?>
-<p:sldLayout xmlns:a="http://schemas.openxmlformats.org/drawingml/2006/main" xmlns:r="http://schemas.openxmlformats.org/officeDocument/2006/relationships" xmlns:p="http://schemas.openxmlformats.org/presentationml/2006/main" showMasterSp="0" type="twoTxTwoObj" preserve="1">
-  <p:cSld name="Vergleich">
-    <p:bg>
-      <p:bgRef idx="1003">
-        <a:schemeClr val="bg1"/>
-      </p:bgRef>
-    </p:bg>
-    <p:spTree>
-      <p:nvGrpSpPr>
-        <p:cNvPr id="1" name=""/>
-        <p:cNvGrpSpPr/>
-        <p:nvPr/>
-      </p:nvGrpSpPr>
-      <p:grpSpPr>
-        <a:xfrm>
-          <a:off x="0" y="0"/>
-          <a:ext cx="0" cy="0"/>
-          <a:chOff x="0" y="0"/>
-          <a:chExt cx="0" cy="0"/>
-        </a:xfrm>
-      </p:grpSpPr>
-      <p:sp>
-        <p:nvSpPr>
-          <p:cNvPr id="2" name="Titel 1"/>
-          <p:cNvSpPr>
-            <a:spLocks noGrp="1"/>
-          </p:cNvSpPr>
-          <p:nvPr>
-            <p:ph type="title"/>
-          </p:nvPr>
-        </p:nvSpPr>
-        <p:spPr>
-          <a:xfrm>
-            <a:off x="457200" y="273050"/>
-            <a:ext cx="8229600" cy="1143000"/>
-          </a:xfrm>
-        </p:spPr>
-        <p:txBody>
-          <a:bodyPr anchor="ctr"/>
-          <a:lstStyle>
-            <a:lvl1pPr>
-              <a:defRPr/>
-            </a:lvl1pPr>
-            <a:extLst/>
-          </a:lstStyle>
-          <a:p>
-            <a:r>
-              <a:rPr kumimoji="0" lang="de-DE" smtClean="0"/>
-              <a:t>Titelmasterformat durch Klicken bearbeiten</a:t>
-            </a:r>
-            <a:endParaRPr kumimoji="0" lang="en-US"/>
-          </a:p>
-        </p:txBody>
-      </p:sp>
-      <p:sp>
-        <p:nvSpPr>
-          <p:cNvPr id="3" name="Textplatzhalter 2"/>
-          <p:cNvSpPr>
-            <a:spLocks noGrp="1"/>
-          </p:cNvSpPr>
-          <p:nvPr>
-            <p:ph type="body" idx="1"/>
-          </p:nvPr>
-        </p:nvSpPr>
-        <p:spPr>
-          <a:xfrm>
-            <a:off x="457200" y="5410200"/>
-            <a:ext cx="4040188" cy="762000"/>
-          </a:xfrm>
-          <a:solidFill>
-            <a:schemeClr val="accent1"/>
-          </a:solidFill>
-          <a:ln w="9652">
-            <a:solidFill>
-              <a:schemeClr val="accent1"/>
-            </a:solidFill>
-            <a:miter lim="800000"/>
-          </a:ln>
-        </p:spPr>
-        <p:txBody>
-          <a:bodyPr lIns="182880" anchor="ctr"/>
-          <a:lstStyle>
-            <a:lvl1pPr marL="0" indent="0">
-              <a:buNone/>
-              <a:defRPr sz="2400" b="0">
-                <a:solidFill>
-                  <a:schemeClr val="bg1"/>
-                </a:solidFill>
-              </a:defRPr>
-            </a:lvl1pPr>
-            <a:lvl2pPr>
-              <a:buNone/>
-              <a:defRPr sz="2000" b="1"/>
-            </a:lvl2pPr>
-            <a:lvl3pPr>
-              <a:buNone/>
-              <a:defRPr sz="1800" b="1"/>
-            </a:lvl3pPr>
-            <a:lvl4pPr>
-              <a:buNone/>
-              <a:defRPr sz="1600" b="1"/>
-            </a:lvl4pPr>
-            <a:lvl5pPr>
-              <a:buNone/>
-              <a:defRPr sz="1600" b="1"/>
-            </a:lvl5pPr>
-            <a:extLst/>
-          </a:lstStyle>
-          <a:p>
-            <a:pPr lvl="0" eaLnBrk="1" latinLnBrk="0" hangingPunct="1"/>
-            <a:r>
-              <a:rPr kumimoji="0" lang="de-DE" smtClean="0"/>
-              <a:t>Textmasterformate durch Klicken bearbeiten</a:t>
-            </a:r>
-          </a:p>
-        </p:txBody>
-      </p:sp>
-      <p:sp>
-        <p:nvSpPr>
-          <p:cNvPr id="4" name="Textplatzhalter 3"/>
-          <p:cNvSpPr>
-            <a:spLocks noGrp="1"/>
-          </p:cNvSpPr>
-          <p:nvPr>
-            <p:ph type="body" sz="half" idx="3"/>
-          </p:nvPr>
-        </p:nvSpPr>
-        <p:spPr>
-          <a:xfrm>
-            <a:off x="4645026" y="5410200"/>
-            <a:ext cx="4041775" cy="762000"/>
-          </a:xfrm>
-          <a:solidFill>
-            <a:schemeClr val="accent1"/>
-          </a:solidFill>
-          <a:ln w="9652">
-            <a:solidFill>
-              <a:schemeClr val="accent1"/>
-            </a:solidFill>
-            <a:miter lim="800000"/>
-          </a:ln>
-        </p:spPr>
-        <p:txBody>
-          <a:bodyPr lIns="182880" anchor="ctr"/>
-          <a:lstStyle>
-            <a:lvl1pPr marL="0" indent="0">
-              <a:buNone/>
-              <a:defRPr sz="2400" b="0">
-                <a:solidFill>
-                  <a:schemeClr val="bg1"/>
-                </a:solidFill>
-              </a:defRPr>
-            </a:lvl1pPr>
-            <a:lvl2pPr>
-              <a:buNone/>
-              <a:defRPr sz="2000" b="1"/>
-            </a:lvl2pPr>
-            <a:lvl3pPr>
-              <a:buNone/>
-              <a:defRPr sz="1800" b="1"/>
-            </a:lvl3pPr>
-            <a:lvl4pPr>
-              <a:buNone/>
-              <a:defRPr sz="1600" b="1"/>
-            </a:lvl4pPr>
-            <a:lvl5pPr>
-              <a:buNone/>
-              <a:defRPr sz="1600" b="1"/>
-            </a:lvl5pPr>
-            <a:extLst/>
-          </a:lstStyle>
-          <a:p>
-            <a:pPr lvl="0" eaLnBrk="1" latinLnBrk="0" hangingPunct="1"/>
-            <a:r>
-              <a:rPr kumimoji="0" lang="de-DE" smtClean="0"/>
-              <a:t>Textmasterformate durch Klicken bearbeiten</a:t>
-            </a:r>
-          </a:p>
-        </p:txBody>
-      </p:sp>
-      <p:sp>
-        <p:nvSpPr>
-          <p:cNvPr id="5" name="Inhaltsplatzhalter 4"/>
-          <p:cNvSpPr>
-            <a:spLocks noGrp="1"/>
-          </p:cNvSpPr>
-          <p:nvPr>
-            <p:ph sz="quarter" idx="2"/>
-          </p:nvPr>
-        </p:nvSpPr>
-        <p:spPr>
-          <a:xfrm>
-            <a:off x="457200" y="1444294"/>
-            <a:ext cx="4040188" cy="3941763"/>
-          </a:xfrm>
-          <a:ln>
-            <a:noFill/>
-            <a:prstDash val="sysDash"/>
-            <a:miter lim="800000"/>
-          </a:ln>
-        </p:spPr>
-        <p:txBody>
-          <a:bodyPr/>
-          <a:lstStyle>
-            <a:lvl1pPr>
-              <a:defRPr sz="2400"/>
-            </a:lvl1pPr>
-            <a:lvl2pPr>
-              <a:defRPr sz="2000"/>
-            </a:lvl2pPr>
-            <a:lvl3pPr>
-              <a:defRPr sz="1800"/>
-            </a:lvl3pPr>
-            <a:lvl4pPr>
-              <a:defRPr sz="1600"/>
-            </a:lvl4pPr>
-            <a:lvl5pPr>
-              <a:defRPr sz="1600"/>
-            </a:lvl5pPr>
-            <a:extLst/>
-          </a:lstStyle>
-          <a:p>
-            <a:pPr lvl="0" eaLnBrk="1" latinLnBrk="0" hangingPunct="1"/>
-            <a:r>
-              <a:rPr lang="de-DE" smtClean="0"/>
-              <a:t>Textmasterformate durch Klicken bearbeiten</a:t>
-            </a:r>
-          </a:p>
-          <a:p>
-            <a:pPr lvl="1" eaLnBrk="1" latinLnBrk="0" hangingPunct="1"/>
-            <a:r>
-              <a:rPr lang="de-DE" smtClean="0"/>
-              <a:t>Zweite Ebene</a:t>
-            </a:r>
-          </a:p>
-          <a:p>
-            <a:pPr lvl="2" eaLnBrk="1" latinLnBrk="0" hangingPunct="1"/>
-            <a:r>
-              <a:rPr lang="de-DE" smtClean="0"/>
-              <a:t>Dritte Ebene</a:t>
-            </a:r>
-          </a:p>
-          <a:p>
-            <a:pPr lvl="3" eaLnBrk="1" latinLnBrk="0" hangingPunct="1"/>
-            <a:r>
-              <a:rPr lang="de-DE" smtClean="0"/>
-              <a:t>Vierte Ebene</a:t>
-            </a:r>
-          </a:p>
-          <a:p>
-            <a:pPr lvl="4" eaLnBrk="1" latinLnBrk="0" hangingPunct="1"/>
-            <a:r>
-              <a:rPr lang="de-DE" smtClean="0"/>
-              <a:t>Fünfte Ebene</a:t>
-            </a:r>
-            <a:endParaRPr kumimoji="0" lang="en-US"/>
-          </a:p>
-        </p:txBody>
-      </p:sp>
-      <p:sp>
-        <p:nvSpPr>
-          <p:cNvPr id="6" name="Inhaltsplatzhalter 5"/>
-          <p:cNvSpPr>
-            <a:spLocks noGrp="1"/>
-          </p:cNvSpPr>
-          <p:nvPr>
-            <p:ph sz="quarter" idx="4"/>
-          </p:nvPr>
-        </p:nvSpPr>
-        <p:spPr>
-          <a:xfrm>
-            <a:off x="4645025" y="1444294"/>
-            <a:ext cx="4041775" cy="3941763"/>
-          </a:xfrm>
-          <a:ln>
-            <a:noFill/>
-            <a:prstDash val="sysDash"/>
-            <a:miter lim="800000"/>
-          </a:ln>
-        </p:spPr>
-        <p:txBody>
-          <a:bodyPr/>
-          <a:lstStyle>
-            <a:lvl1pPr>
-              <a:spcBef>
-                <a:spcPts val="0"/>
-              </a:spcBef>
-              <a:defRPr sz="2400"/>
-            </a:lvl1pPr>
-            <a:lvl2pPr>
-              <a:defRPr sz="2000"/>
-            </a:lvl2pPr>
-            <a:lvl3pPr>
-              <a:defRPr sz="1800"/>
-            </a:lvl3pPr>
-            <a:lvl4pPr>
-              <a:defRPr sz="1600"/>
-            </a:lvl4pPr>
-            <a:lvl5pPr>
-              <a:defRPr sz="1600"/>
-            </a:lvl5pPr>
-            <a:extLst/>
-          </a:lstStyle>
-          <a:p>
-            <a:pPr lvl="0" eaLnBrk="1" latinLnBrk="0" hangingPunct="1"/>
-            <a:r>
-              <a:rPr lang="de-DE" smtClean="0"/>
-              <a:t>Textmasterformate durch Klicken bearbeiten</a:t>
-            </a:r>
-          </a:p>
-          <a:p>
-            <a:pPr lvl="1" eaLnBrk="1" latinLnBrk="0" hangingPunct="1"/>
-            <a:r>
-              <a:rPr lang="de-DE" smtClean="0"/>
-              <a:t>Zweite Ebene</a:t>
-            </a:r>
-          </a:p>
-          <a:p>
-            <a:pPr lvl="2" eaLnBrk="1" latinLnBrk="0" hangingPunct="1"/>
-            <a:r>
-              <a:rPr lang="de-DE" smtClean="0"/>
-              <a:t>Dritte Ebene</a:t>
-            </a:r>
-          </a:p>
-          <a:p>
-            <a:pPr lvl="3" eaLnBrk="1" latinLnBrk="0" hangingPunct="1"/>
-            <a:r>
-              <a:rPr lang="de-DE" smtClean="0"/>
-              <a:t>Vierte Ebene</a:t>
-            </a:r>
-          </a:p>
-          <a:p>
-            <a:pPr lvl="4" eaLnBrk="1" latinLnBrk="0" hangingPunct="1"/>
-            <a:r>
-              <a:rPr lang="de-DE" smtClean="0"/>
-              <a:t>Fünfte Ebene</a:t>
-            </a:r>
-            <a:endParaRPr kumimoji="0" lang="en-US"/>
-          </a:p>
-        </p:txBody>
-      </p:sp>
-      <p:sp>
-        <p:nvSpPr>
-          <p:cNvPr id="7" name="Datumsplatzhalter 6"/>
-          <p:cNvSpPr>
-            <a:spLocks noGrp="1"/>
-          </p:cNvSpPr>
-          <p:nvPr>
-            <p:ph type="dt" sz="half" idx="10"/>
-          </p:nvPr>
-        </p:nvSpPr>
-        <p:spPr/>
-        <p:txBody>
-          <a:bodyPr/>
-          <a:lstStyle>
-            <a:extLst/>
-          </a:lstStyle>
-          <a:p>
-            <a:fld id="{BD1AD607-F14A-4AEA-B56F-7C5202DE7580}" type="datetime1">
-              <a:rPr lang="de-DE" smtClean="0"/>
-              <a:t>08.06.2015</a:t>
-            </a:fld>
-            <a:endParaRPr lang="de-DE"/>
-          </a:p>
-        </p:txBody>
-      </p:sp>
-      <p:sp>
-        <p:nvSpPr>
-          <p:cNvPr id="8" name="Fußzeilenplatzhalter 7"/>
-          <p:cNvSpPr>
-            <a:spLocks noGrp="1"/>
-          </p:cNvSpPr>
-          <p:nvPr>
-            <p:ph type="ftr" sz="quarter" idx="11"/>
-          </p:nvPr>
-        </p:nvSpPr>
-        <p:spPr/>
-        <p:txBody>
-          <a:bodyPr/>
-          <a:lstStyle>
-            <a:extLst/>
-          </a:lstStyle>
-          <a:p>
-            <a:endParaRPr lang="de-DE"/>
-          </a:p>
-        </p:txBody>
-      </p:sp>
-      <p:sp>
-        <p:nvSpPr>
-          <p:cNvPr id="9" name="Foliennummernplatzhalter 8"/>
-          <p:cNvSpPr>
-            <a:spLocks noGrp="1"/>
-          </p:cNvSpPr>
-          <p:nvPr>
-            <p:ph type="sldNum" sz="quarter" idx="12"/>
-          </p:nvPr>
-        </p:nvSpPr>
-        <p:spPr/>
-        <p:txBody>
-          <a:bodyPr/>
-          <a:lstStyle>
-            <a:extLst/>
-          </a:lstStyle>
-          <a:p>
-            <a:fld id="{B9DC6992-199D-4EB6-BFD7-444195B8EA7C}" type="slidenum">
-              <a:rPr lang="de-DE" smtClean="0"/>
-              <a:pPr/>
-              <a:t>‹Nr.›</a:t>
-            </a:fld>
-            <a:endParaRPr lang="de-DE"/>
-          </a:p>
-        </p:txBody>
-      </p:sp>
-    </p:spTree>
-  </p:cSld>
-  <p:clrMapOvr>
-    <a:overrideClrMapping bg1="lt1" tx1="dk1" bg2="lt2" tx2="dk2" accent1="accent1" accent2="accent2" accent3="accent3" accent4="accent4" accent5="accent5" accent6="accent6" hlink="hlink" folHlink="folHlink"/>
-  </p:clrMapOvr>
-  <p:transition spd="med">
-    <p:pull dir="d"/>
-  </p:transition>
-</p:sldLayout>
-</file>
-
-<file path=ppt/slideLayouts/slideLayout6.xml><?xml version="1.0" encoding="utf-8"?>
-<p:sldLayout xmlns:a="http://schemas.openxmlformats.org/drawingml/2006/main" xmlns:r="http://schemas.openxmlformats.org/officeDocument/2006/relationships" xmlns:p="http://schemas.openxmlformats.org/presentationml/2006/main" type="titleOnly" preserve="1">
-  <p:cSld name="Nur Titel">
-    <p:bg>
-      <p:bgRef idx="1002">
-        <a:schemeClr val="bg1"/>
-      </p:bgRef>
-    </p:bg>
-    <p:spTree>
-      <p:nvGrpSpPr>
-        <p:cNvPr id="1" name=""/>
-        <p:cNvGrpSpPr/>
-        <p:nvPr/>
-      </p:nvGrpSpPr>
-      <p:grpSpPr>
-        <a:xfrm>
-          <a:off x="0" y="0"/>
-          <a:ext cx="0" cy="0"/>
-          <a:chOff x="0" y="0"/>
-          <a:chExt cx="0" cy="0"/>
-        </a:xfrm>
-      </p:grpSpPr>
-      <p:sp>
-        <p:nvSpPr>
-          <p:cNvPr id="3" name="Datumsplatzhalter 2"/>
-          <p:cNvSpPr>
-            <a:spLocks noGrp="1"/>
-          </p:cNvSpPr>
-          <p:nvPr>
-            <p:ph type="dt" sz="half" idx="10"/>
-          </p:nvPr>
-        </p:nvSpPr>
-        <p:spPr/>
-        <p:txBody>
-          <a:bodyPr/>
-          <a:lstStyle>
-            <a:extLst/>
-          </a:lstStyle>
-          <a:p>
-            <a:fld id="{40674018-FDD8-4827-B5FB-550628C262E8}" type="datetime1">
-              <a:rPr lang="de-DE" smtClean="0"/>
-              <a:t>08.06.2015</a:t>
-            </a:fld>
-            <a:endParaRPr lang="de-DE"/>
-          </a:p>
-        </p:txBody>
-      </p:sp>
-      <p:sp>
-        <p:nvSpPr>
-          <p:cNvPr id="4" name="Fußzeilenplatzhalter 3"/>
-          <p:cNvSpPr>
-            <a:spLocks noGrp="1"/>
-          </p:cNvSpPr>
-          <p:nvPr>
-            <p:ph type="ftr" sz="quarter" idx="11"/>
-          </p:nvPr>
-        </p:nvSpPr>
-        <p:spPr/>
-        <p:txBody>
-          <a:bodyPr/>
-          <a:lstStyle>
-            <a:extLst/>
-          </a:lstStyle>
-          <a:p>
-            <a:endParaRPr lang="de-DE"/>
-          </a:p>
-        </p:txBody>
-      </p:sp>
-      <p:sp>
-        <p:nvSpPr>
-          <p:cNvPr id="5" name="Foliennummernplatzhalter 4"/>
-          <p:cNvSpPr>
-            <a:spLocks noGrp="1"/>
-          </p:cNvSpPr>
-          <p:nvPr>
-            <p:ph type="sldNum" sz="quarter" idx="12"/>
-          </p:nvPr>
-        </p:nvSpPr>
-        <p:spPr/>
-        <p:txBody>
-          <a:bodyPr/>
-          <a:lstStyle>
-            <a:extLst/>
-          </a:lstStyle>
-          <a:p>
-            <a:fld id="{B9DC6992-199D-4EB6-BFD7-444195B8EA7C}" type="slidenum">
-              <a:rPr lang="de-DE" smtClean="0"/>
-              <a:pPr/>
-              <a:t>‹Nr.›</a:t>
-            </a:fld>
-            <a:endParaRPr lang="de-DE"/>
-          </a:p>
-        </p:txBody>
-      </p:sp>
-      <p:sp>
-        <p:nvSpPr>
-          <p:cNvPr id="6" name="Titel 5"/>
-          <p:cNvSpPr>
-            <a:spLocks noGrp="1"/>
-          </p:cNvSpPr>
-          <p:nvPr>
-            <p:ph type="title"/>
-          </p:nvPr>
-        </p:nvSpPr>
-        <p:spPr/>
-        <p:txBody>
-          <a:bodyPr rtlCol="0"/>
-          <a:lstStyle>
-            <a:extLst/>
-          </a:lstStyle>
-          <a:p>
-            <a:r>
-              <a:rPr kumimoji="0" lang="de-DE" smtClean="0"/>
-              <a:t>Titelmasterformat durch Klicken bearbeiten</a:t>
-            </a:r>
-            <a:endParaRPr kumimoji="0" lang="en-US"/>
-          </a:p>
-        </p:txBody>
-      </p:sp>
-    </p:spTree>
-  </p:cSld>
-  <p:clrMapOvr>
-    <a:overrideClrMapping bg1="dk1" tx1="lt1" bg2="dk2" tx2="lt2" accent1="accent1" accent2="accent2" accent3="accent3" accent4="accent4" accent5="accent5" accent6="accent6" hlink="hlink" folHlink="folHlink"/>
-  </p:clrMapOvr>
-  <p:transition spd="med">
-    <p:pull dir="d"/>
-  </p:transition>
-</p:sldLayout>
-</file>
-
-<file path=ppt/slideLayouts/slideLayout7.xml><?xml version="1.0" encoding="utf-8"?>
-<p:sldLayout xmlns:a="http://schemas.openxmlformats.org/drawingml/2006/main" xmlns:r="http://schemas.openxmlformats.org/officeDocument/2006/relationships" xmlns:p="http://schemas.openxmlformats.org/presentationml/2006/main" type="blank" preserve="1">
-  <p:cSld name="Leer">
-    <p:spTree>
-      <p:nvGrpSpPr>
-        <p:cNvPr id="1" name=""/>
-        <p:cNvGrpSpPr/>
-        <p:nvPr/>
-      </p:nvGrpSpPr>
-      <p:grpSpPr>
-        <a:xfrm>
-          <a:off x="0" y="0"/>
-          <a:ext cx="0" cy="0"/>
-          <a:chOff x="0" y="0"/>
-          <a:chExt cx="0" cy="0"/>
-        </a:xfrm>
-      </p:grpSpPr>
-      <p:sp>
-        <p:nvSpPr>
-          <p:cNvPr id="2" name="Datumsplatzhalter 1"/>
-          <p:cNvSpPr>
-            <a:spLocks noGrp="1"/>
-          </p:cNvSpPr>
-          <p:nvPr>
-            <p:ph type="dt" sz="half" idx="10"/>
-          </p:nvPr>
-        </p:nvSpPr>
-        <p:spPr/>
-        <p:txBody>
-          <a:bodyPr/>
-          <a:lstStyle>
-            <a:extLst/>
-          </a:lstStyle>
-          <a:p>
-            <a:fld id="{D236C9CB-A6F6-4976-9F2C-5E8A94DD6A81}" type="datetime1">
-              <a:rPr lang="de-DE" smtClean="0"/>
-              <a:t>08.06.2015</a:t>
-            </a:fld>
-            <a:endParaRPr lang="de-DE"/>
-          </a:p>
-        </p:txBody>
-      </p:sp>
-      <p:sp>
-        <p:nvSpPr>
-          <p:cNvPr id="3" name="Fußzeilenplatzhalter 2"/>
-          <p:cNvSpPr>
-            <a:spLocks noGrp="1"/>
-          </p:cNvSpPr>
-          <p:nvPr>
-            <p:ph type="ftr" sz="quarter" idx="11"/>
-          </p:nvPr>
-        </p:nvSpPr>
-        <p:spPr/>
-        <p:txBody>
-          <a:bodyPr/>
-          <a:lstStyle>
-            <a:extLst/>
-          </a:lstStyle>
-          <a:p>
-            <a:endParaRPr lang="de-DE"/>
-          </a:p>
-        </p:txBody>
-      </p:sp>
-      <p:sp>
-        <p:nvSpPr>
-          <p:cNvPr id="4" name="Foliennummernplatzhalter 3"/>
-          <p:cNvSpPr>
-            <a:spLocks noGrp="1"/>
-          </p:cNvSpPr>
-          <p:nvPr>
-            <p:ph type="sldNum" sz="quarter" idx="12"/>
-          </p:nvPr>
-        </p:nvSpPr>
-        <p:spPr/>
-        <p:txBody>
-          <a:bodyPr/>
-          <a:lstStyle>
-            <a:extLst/>
-          </a:lstStyle>
-          <a:p>
-            <a:fld id="{B9DC6992-199D-4EB6-BFD7-444195B8EA7C}" type="slidenum">
-              <a:rPr lang="de-DE" smtClean="0"/>
-              <a:pPr/>
-              <a:t>‹Nr.›</a:t>
-            </a:fld>
-            <a:endParaRPr lang="de-DE"/>
-          </a:p>
-        </p:txBody>
-      </p:sp>
-    </p:spTree>
-  </p:cSld>
-  <p:clrMapOvr>
-    <a:masterClrMapping/>
-  </p:clrMapOvr>
-  <p:transition spd="med">
-    <p:pull dir="d"/>
-  </p:transition>
-</p:sldLayout>
-</file>
-
-<file path=ppt/slideLayouts/slideLayout8.xml><?xml version="1.0" encoding="utf-8"?>
 <p:sldLayout xmlns:a="http://schemas.openxmlformats.org/drawingml/2006/main" xmlns:r="http://schemas.openxmlformats.org/officeDocument/2006/relationships" xmlns:p="http://schemas.openxmlformats.org/presentationml/2006/main" showMasterSp="0" type="objTx" preserve="1">
   <p:cSld name="Inhalt mit Überschrift">
     <p:bg>
@@ -3430,7 +1723,7 @@
             <a:extLst/>
           </a:lstStyle>
           <a:p>
-            <a:fld id="{C6574862-3B79-4FDC-904C-45F0B85C44D5}" type="datetime1">
+            <a:fld id="{93EEFE92-3001-482C-BE44-26B301D0773D}" type="datetime1">
               <a:rPr lang="de-DE" smtClean="0"/>
               <a:t>08.06.2015</a:t>
             </a:fld>
@@ -3490,13 +1783,13 @@
   <p:clrMapOvr>
     <a:overrideClrMapping bg1="lt1" tx1="dk1" bg2="lt2" tx2="dk2" accent1="accent1" accent2="accent2" accent3="accent3" accent4="accent4" accent5="accent5" accent6="accent6" hlink="hlink" folHlink="folHlink"/>
   </p:clrMapOvr>
-  <p:transition spd="med">
-    <p:pull dir="d"/>
+  <p:transition>
+    <p:fade/>
   </p:transition>
 </p:sldLayout>
 </file>
 
-<file path=ppt/slideLayouts/slideLayout9.xml><?xml version="1.0" encoding="utf-8"?>
+<file path=ppt/slideLayouts/slideLayout11.xml><?xml version="1.0" encoding="utf-8"?>
 <p:sldLayout xmlns:a="http://schemas.openxmlformats.org/drawingml/2006/main" xmlns:r="http://schemas.openxmlformats.org/officeDocument/2006/relationships" xmlns:p="http://schemas.openxmlformats.org/presentationml/2006/main" showMasterSp="0" type="picTx" preserve="1">
   <p:cSld name="Bild mit Überschrift">
     <p:bg>
@@ -3639,7 +1932,7 @@
             <a:extLst/>
           </a:lstStyle>
           <a:p>
-            <a:fld id="{B92428D3-3FC7-4883-A5F5-6284BF5F9E91}" type="datetime1">
+            <a:fld id="{FC91334D-6A8C-4459-A321-C3C4171C99C5}" type="datetime1">
               <a:rPr lang="de-DE" smtClean="0"/>
               <a:t>08.06.2015</a:t>
             </a:fld>
@@ -4256,8 +2549,2509 @@
   <p:clrMapOvr>
     <a:overrideClrMapping bg1="dk1" tx1="lt1" bg2="dk2" tx2="lt2" accent1="accent1" accent2="accent2" accent3="accent3" accent4="accent4" accent5="accent5" accent6="accent6" hlink="hlink" folHlink="folHlink"/>
   </p:clrMapOvr>
-  <p:transition spd="med">
-    <p:pull dir="d"/>
+  <p:transition>
+    <p:fade/>
+  </p:transition>
+</p:sldLayout>
+</file>
+
+<file path=ppt/slideLayouts/slideLayout12.xml><?xml version="1.0" encoding="utf-8"?>
+<p:sldLayout xmlns:a="http://schemas.openxmlformats.org/drawingml/2006/main" xmlns:r="http://schemas.openxmlformats.org/officeDocument/2006/relationships" xmlns:p="http://schemas.openxmlformats.org/presentationml/2006/main" type="vertTx" preserve="1">
+  <p:cSld name="Titel und vertikaler Text">
+    <p:spTree>
+      <p:nvGrpSpPr>
+        <p:cNvPr id="1" name=""/>
+        <p:cNvGrpSpPr/>
+        <p:nvPr/>
+      </p:nvGrpSpPr>
+      <p:grpSpPr>
+        <a:xfrm>
+          <a:off x="0" y="0"/>
+          <a:ext cx="0" cy="0"/>
+          <a:chOff x="0" y="0"/>
+          <a:chExt cx="0" cy="0"/>
+        </a:xfrm>
+      </p:grpSpPr>
+      <p:sp>
+        <p:nvSpPr>
+          <p:cNvPr id="2" name="Titel 1"/>
+          <p:cNvSpPr>
+            <a:spLocks noGrp="1"/>
+          </p:cNvSpPr>
+          <p:nvPr>
+            <p:ph type="title"/>
+          </p:nvPr>
+        </p:nvSpPr>
+        <p:spPr/>
+        <p:txBody>
+          <a:bodyPr/>
+          <a:lstStyle>
+            <a:extLst/>
+          </a:lstStyle>
+          <a:p>
+            <a:r>
+              <a:rPr kumimoji="0" lang="de-DE" smtClean="0"/>
+              <a:t>Titelmasterformat durch Klicken bearbeiten</a:t>
+            </a:r>
+            <a:endParaRPr kumimoji="0" lang="en-US"/>
+          </a:p>
+        </p:txBody>
+      </p:sp>
+      <p:sp>
+        <p:nvSpPr>
+          <p:cNvPr id="3" name="Vertikaler Textplatzhalter 2"/>
+          <p:cNvSpPr>
+            <a:spLocks noGrp="1"/>
+          </p:cNvSpPr>
+          <p:nvPr>
+            <p:ph type="body" orient="vert" idx="1"/>
+          </p:nvPr>
+        </p:nvSpPr>
+        <p:spPr>
+          <a:xfrm>
+            <a:off x="457200" y="1481329"/>
+            <a:ext cx="8229600" cy="4386071"/>
+          </a:xfrm>
+        </p:spPr>
+        <p:txBody>
+          <a:bodyPr vert="eaVert"/>
+          <a:lstStyle>
+            <a:extLst/>
+          </a:lstStyle>
+          <a:p>
+            <a:pPr lvl="0" eaLnBrk="1" latinLnBrk="0" hangingPunct="1"/>
+            <a:r>
+              <a:rPr lang="de-DE" smtClean="0"/>
+              <a:t>Textmasterformate durch Klicken bearbeiten</a:t>
+            </a:r>
+          </a:p>
+          <a:p>
+            <a:pPr lvl="1" eaLnBrk="1" latinLnBrk="0" hangingPunct="1"/>
+            <a:r>
+              <a:rPr lang="de-DE" smtClean="0"/>
+              <a:t>Zweite Ebene</a:t>
+            </a:r>
+          </a:p>
+          <a:p>
+            <a:pPr lvl="2" eaLnBrk="1" latinLnBrk="0" hangingPunct="1"/>
+            <a:r>
+              <a:rPr lang="de-DE" smtClean="0"/>
+              <a:t>Dritte Ebene</a:t>
+            </a:r>
+          </a:p>
+          <a:p>
+            <a:pPr lvl="3" eaLnBrk="1" latinLnBrk="0" hangingPunct="1"/>
+            <a:r>
+              <a:rPr lang="de-DE" smtClean="0"/>
+              <a:t>Vierte Ebene</a:t>
+            </a:r>
+          </a:p>
+          <a:p>
+            <a:pPr lvl="4" eaLnBrk="1" latinLnBrk="0" hangingPunct="1"/>
+            <a:r>
+              <a:rPr lang="de-DE" smtClean="0"/>
+              <a:t>Fünfte Ebene</a:t>
+            </a:r>
+            <a:endParaRPr kumimoji="0" lang="en-US"/>
+          </a:p>
+        </p:txBody>
+      </p:sp>
+      <p:sp>
+        <p:nvSpPr>
+          <p:cNvPr id="4" name="Datumsplatzhalter 3"/>
+          <p:cNvSpPr>
+            <a:spLocks noGrp="1"/>
+          </p:cNvSpPr>
+          <p:nvPr>
+            <p:ph type="dt" sz="half" idx="10"/>
+          </p:nvPr>
+        </p:nvSpPr>
+        <p:spPr/>
+        <p:txBody>
+          <a:bodyPr/>
+          <a:lstStyle>
+            <a:extLst/>
+          </a:lstStyle>
+          <a:p>
+            <a:fld id="{25311DBE-05CB-474E-B9E2-2DA12CB0DB23}" type="datetime1">
+              <a:rPr lang="de-DE" smtClean="0"/>
+              <a:t>08.06.2015</a:t>
+            </a:fld>
+            <a:endParaRPr lang="de-DE"/>
+          </a:p>
+        </p:txBody>
+      </p:sp>
+      <p:sp>
+        <p:nvSpPr>
+          <p:cNvPr id="5" name="Fußzeilenplatzhalter 4"/>
+          <p:cNvSpPr>
+            <a:spLocks noGrp="1"/>
+          </p:cNvSpPr>
+          <p:nvPr>
+            <p:ph type="ftr" sz="quarter" idx="11"/>
+          </p:nvPr>
+        </p:nvSpPr>
+        <p:spPr/>
+        <p:txBody>
+          <a:bodyPr/>
+          <a:lstStyle>
+            <a:extLst/>
+          </a:lstStyle>
+          <a:p>
+            <a:endParaRPr lang="de-DE"/>
+          </a:p>
+        </p:txBody>
+      </p:sp>
+      <p:sp>
+        <p:nvSpPr>
+          <p:cNvPr id="6" name="Foliennummernplatzhalter 5"/>
+          <p:cNvSpPr>
+            <a:spLocks noGrp="1"/>
+          </p:cNvSpPr>
+          <p:nvPr>
+            <p:ph type="sldNum" sz="quarter" idx="12"/>
+          </p:nvPr>
+        </p:nvSpPr>
+        <p:spPr/>
+        <p:txBody>
+          <a:bodyPr/>
+          <a:lstStyle>
+            <a:extLst/>
+          </a:lstStyle>
+          <a:p>
+            <a:fld id="{B9DC6992-199D-4EB6-BFD7-444195B8EA7C}" type="slidenum">
+              <a:rPr lang="de-DE" smtClean="0"/>
+              <a:pPr/>
+              <a:t>‹Nr.›</a:t>
+            </a:fld>
+            <a:endParaRPr lang="de-DE"/>
+          </a:p>
+        </p:txBody>
+      </p:sp>
+    </p:spTree>
+  </p:cSld>
+  <p:clrMapOvr>
+    <a:masterClrMapping/>
+  </p:clrMapOvr>
+  <p:transition>
+    <p:fade/>
+  </p:transition>
+</p:sldLayout>
+</file>
+
+<file path=ppt/slideLayouts/slideLayout13.xml><?xml version="1.0" encoding="utf-8"?>
+<p:sldLayout xmlns:a="http://schemas.openxmlformats.org/drawingml/2006/main" xmlns:r="http://schemas.openxmlformats.org/officeDocument/2006/relationships" xmlns:p="http://schemas.openxmlformats.org/presentationml/2006/main" type="vertTitleAndTx" preserve="1">
+  <p:cSld name="Vertikaler Titel und Text">
+    <p:spTree>
+      <p:nvGrpSpPr>
+        <p:cNvPr id="1" name=""/>
+        <p:cNvGrpSpPr/>
+        <p:nvPr/>
+      </p:nvGrpSpPr>
+      <p:grpSpPr>
+        <a:xfrm>
+          <a:off x="0" y="0"/>
+          <a:ext cx="0" cy="0"/>
+          <a:chOff x="0" y="0"/>
+          <a:chExt cx="0" cy="0"/>
+        </a:xfrm>
+      </p:grpSpPr>
+      <p:sp>
+        <p:nvSpPr>
+          <p:cNvPr id="2" name="Vertikaler Titel 1"/>
+          <p:cNvSpPr>
+            <a:spLocks noGrp="1"/>
+          </p:cNvSpPr>
+          <p:nvPr>
+            <p:ph type="title" orient="vert"/>
+          </p:nvPr>
+        </p:nvSpPr>
+        <p:spPr>
+          <a:xfrm>
+            <a:off x="6844013" y="274640"/>
+            <a:ext cx="1777470" cy="5592761"/>
+          </a:xfrm>
+        </p:spPr>
+        <p:txBody>
+          <a:bodyPr vert="eaVert"/>
+          <a:lstStyle>
+            <a:extLst/>
+          </a:lstStyle>
+          <a:p>
+            <a:r>
+              <a:rPr kumimoji="0" lang="de-DE" smtClean="0"/>
+              <a:t>Titelmasterformat durch Klicken bearbeiten</a:t>
+            </a:r>
+            <a:endParaRPr kumimoji="0" lang="en-US"/>
+          </a:p>
+        </p:txBody>
+      </p:sp>
+      <p:sp>
+        <p:nvSpPr>
+          <p:cNvPr id="3" name="Vertikaler Textplatzhalter 2"/>
+          <p:cNvSpPr>
+            <a:spLocks noGrp="1"/>
+          </p:cNvSpPr>
+          <p:nvPr>
+            <p:ph type="body" orient="vert" idx="1"/>
+          </p:nvPr>
+        </p:nvSpPr>
+        <p:spPr>
+          <a:xfrm>
+            <a:off x="457200" y="274641"/>
+            <a:ext cx="6324600" cy="5592760"/>
+          </a:xfrm>
+        </p:spPr>
+        <p:txBody>
+          <a:bodyPr vert="eaVert"/>
+          <a:lstStyle>
+            <a:extLst/>
+          </a:lstStyle>
+          <a:p>
+            <a:pPr lvl="0" eaLnBrk="1" latinLnBrk="0" hangingPunct="1"/>
+            <a:r>
+              <a:rPr lang="de-DE" smtClean="0"/>
+              <a:t>Textmasterformate durch Klicken bearbeiten</a:t>
+            </a:r>
+          </a:p>
+          <a:p>
+            <a:pPr lvl="1" eaLnBrk="1" latinLnBrk="0" hangingPunct="1"/>
+            <a:r>
+              <a:rPr lang="de-DE" smtClean="0"/>
+              <a:t>Zweite Ebene</a:t>
+            </a:r>
+          </a:p>
+          <a:p>
+            <a:pPr lvl="2" eaLnBrk="1" latinLnBrk="0" hangingPunct="1"/>
+            <a:r>
+              <a:rPr lang="de-DE" smtClean="0"/>
+              <a:t>Dritte Ebene</a:t>
+            </a:r>
+          </a:p>
+          <a:p>
+            <a:pPr lvl="3" eaLnBrk="1" latinLnBrk="0" hangingPunct="1"/>
+            <a:r>
+              <a:rPr lang="de-DE" smtClean="0"/>
+              <a:t>Vierte Ebene</a:t>
+            </a:r>
+          </a:p>
+          <a:p>
+            <a:pPr lvl="4" eaLnBrk="1" latinLnBrk="0" hangingPunct="1"/>
+            <a:r>
+              <a:rPr lang="de-DE" smtClean="0"/>
+              <a:t>Fünfte Ebene</a:t>
+            </a:r>
+            <a:endParaRPr kumimoji="0" lang="en-US"/>
+          </a:p>
+        </p:txBody>
+      </p:sp>
+      <p:sp>
+        <p:nvSpPr>
+          <p:cNvPr id="4" name="Datumsplatzhalter 3"/>
+          <p:cNvSpPr>
+            <a:spLocks noGrp="1"/>
+          </p:cNvSpPr>
+          <p:nvPr>
+            <p:ph type="dt" sz="half" idx="10"/>
+          </p:nvPr>
+        </p:nvSpPr>
+        <p:spPr/>
+        <p:txBody>
+          <a:bodyPr/>
+          <a:lstStyle>
+            <a:extLst/>
+          </a:lstStyle>
+          <a:p>
+            <a:fld id="{F584317A-68E2-47B8-AB7C-D16C4A6806D5}" type="datetime1">
+              <a:rPr lang="de-DE" smtClean="0"/>
+              <a:t>08.06.2015</a:t>
+            </a:fld>
+            <a:endParaRPr lang="de-DE"/>
+          </a:p>
+        </p:txBody>
+      </p:sp>
+      <p:sp>
+        <p:nvSpPr>
+          <p:cNvPr id="5" name="Fußzeilenplatzhalter 4"/>
+          <p:cNvSpPr>
+            <a:spLocks noGrp="1"/>
+          </p:cNvSpPr>
+          <p:nvPr>
+            <p:ph type="ftr" sz="quarter" idx="11"/>
+          </p:nvPr>
+        </p:nvSpPr>
+        <p:spPr/>
+        <p:txBody>
+          <a:bodyPr/>
+          <a:lstStyle>
+            <a:extLst/>
+          </a:lstStyle>
+          <a:p>
+            <a:endParaRPr lang="de-DE"/>
+          </a:p>
+        </p:txBody>
+      </p:sp>
+      <p:sp>
+        <p:nvSpPr>
+          <p:cNvPr id="6" name="Foliennummernplatzhalter 5"/>
+          <p:cNvSpPr>
+            <a:spLocks noGrp="1"/>
+          </p:cNvSpPr>
+          <p:nvPr>
+            <p:ph type="sldNum" sz="quarter" idx="12"/>
+          </p:nvPr>
+        </p:nvSpPr>
+        <p:spPr/>
+        <p:txBody>
+          <a:bodyPr/>
+          <a:lstStyle>
+            <a:extLst/>
+          </a:lstStyle>
+          <a:p>
+            <a:fld id="{B9DC6992-199D-4EB6-BFD7-444195B8EA7C}" type="slidenum">
+              <a:rPr lang="de-DE" smtClean="0"/>
+              <a:pPr/>
+              <a:t>‹Nr.›</a:t>
+            </a:fld>
+            <a:endParaRPr lang="de-DE"/>
+          </a:p>
+        </p:txBody>
+      </p:sp>
+    </p:spTree>
+  </p:cSld>
+  <p:clrMapOvr>
+    <a:masterClrMapping/>
+  </p:clrMapOvr>
+  <p:transition>
+    <p:fade/>
+  </p:transition>
+</p:sldLayout>
+</file>
+
+<file path=ppt/slideLayouts/slideLayout2.xml><?xml version="1.0" encoding="utf-8"?>
+<p:sldLayout xmlns:a="http://schemas.openxmlformats.org/drawingml/2006/main" xmlns:r="http://schemas.openxmlformats.org/officeDocument/2006/relationships" xmlns:p="http://schemas.openxmlformats.org/presentationml/2006/main" type="obj" preserve="1">
+  <p:cSld name="Titel und Inhalt">
+    <p:spTree>
+      <p:nvGrpSpPr>
+        <p:cNvPr id="1" name=""/>
+        <p:cNvGrpSpPr/>
+        <p:nvPr/>
+      </p:nvGrpSpPr>
+      <p:grpSpPr>
+        <a:xfrm>
+          <a:off x="0" y="0"/>
+          <a:ext cx="0" cy="0"/>
+          <a:chOff x="0" y="0"/>
+          <a:chExt cx="0" cy="0"/>
+        </a:xfrm>
+      </p:grpSpPr>
+      <p:sp>
+        <p:nvSpPr>
+          <p:cNvPr id="3" name="Inhaltsplatzhalter 2"/>
+          <p:cNvSpPr>
+            <a:spLocks noGrp="1"/>
+          </p:cNvSpPr>
+          <p:nvPr>
+            <p:ph idx="1"/>
+          </p:nvPr>
+        </p:nvSpPr>
+        <p:spPr/>
+        <p:txBody>
+          <a:bodyPr/>
+          <a:lstStyle>
+            <a:lvl1pPr marL="365760" indent="-256032" algn="l" rtl="0" eaLnBrk="1" latinLnBrk="0" hangingPunct="1">
+              <a:lnSpc>
+                <a:spcPct val="150000"/>
+              </a:lnSpc>
+              <a:spcBef>
+                <a:spcPts val="400"/>
+              </a:spcBef>
+              <a:spcAft>
+                <a:spcPts val="0"/>
+              </a:spcAft>
+              <a:buClr>
+                <a:schemeClr val="accent1"/>
+              </a:buClr>
+              <a:buSzPct val="68000"/>
+              <a:buFont typeface="Wingdings 3"/>
+              <a:buChar char=""/>
+              <a:defRPr kumimoji="0" lang="de-DE" sz="2700" kern="1200" dirty="0" smtClean="0">
+                <a:solidFill>
+                  <a:schemeClr val="tx1"/>
+                </a:solidFill>
+                <a:latin typeface="+mn-lt"/>
+                <a:ea typeface="+mn-ea"/>
+                <a:cs typeface="+mn-cs"/>
+              </a:defRPr>
+            </a:lvl1pPr>
+            <a:lvl2pPr>
+              <a:lnSpc>
+                <a:spcPct val="150000"/>
+              </a:lnSpc>
+              <a:defRPr/>
+            </a:lvl2pPr>
+            <a:lvl3pPr>
+              <a:lnSpc>
+                <a:spcPct val="150000"/>
+              </a:lnSpc>
+              <a:defRPr/>
+            </a:lvl3pPr>
+            <a:lvl4pPr>
+              <a:lnSpc>
+                <a:spcPct val="150000"/>
+              </a:lnSpc>
+              <a:defRPr/>
+            </a:lvl4pPr>
+            <a:lvl5pPr>
+              <a:lnSpc>
+                <a:spcPct val="150000"/>
+              </a:lnSpc>
+              <a:defRPr/>
+            </a:lvl5pPr>
+            <a:extLst/>
+          </a:lstStyle>
+          <a:p>
+            <a:pPr lvl="0" eaLnBrk="1" latinLnBrk="0" hangingPunct="1"/>
+            <a:r>
+              <a:rPr lang="de-DE" dirty="0" smtClean="0"/>
+              <a:t>Textmasterformate durch Klicken bearbeiten</a:t>
+            </a:r>
+          </a:p>
+          <a:p>
+            <a:pPr lvl="1" eaLnBrk="1" latinLnBrk="0" hangingPunct="1"/>
+            <a:r>
+              <a:rPr lang="de-DE" dirty="0" smtClean="0"/>
+              <a:t>Zweite Ebene</a:t>
+            </a:r>
+          </a:p>
+          <a:p>
+            <a:pPr lvl="2" eaLnBrk="1" latinLnBrk="0" hangingPunct="1"/>
+            <a:r>
+              <a:rPr lang="de-DE" dirty="0" smtClean="0"/>
+              <a:t>Dritte Ebene</a:t>
+            </a:r>
+          </a:p>
+          <a:p>
+            <a:pPr lvl="3" eaLnBrk="1" latinLnBrk="0" hangingPunct="1"/>
+            <a:r>
+              <a:rPr lang="de-DE" dirty="0" smtClean="0"/>
+              <a:t>Vierte Ebene</a:t>
+            </a:r>
+          </a:p>
+          <a:p>
+            <a:pPr lvl="4" eaLnBrk="1" latinLnBrk="0" hangingPunct="1"/>
+            <a:r>
+              <a:rPr lang="de-DE" dirty="0" smtClean="0"/>
+              <a:t>Fünfte Ebene</a:t>
+            </a:r>
+            <a:endParaRPr kumimoji="0" lang="en-US" dirty="0"/>
+          </a:p>
+        </p:txBody>
+      </p:sp>
+      <p:sp>
+        <p:nvSpPr>
+          <p:cNvPr id="4" name="Datumsplatzhalter 3"/>
+          <p:cNvSpPr>
+            <a:spLocks noGrp="1"/>
+          </p:cNvSpPr>
+          <p:nvPr>
+            <p:ph type="dt" sz="half" idx="10"/>
+          </p:nvPr>
+        </p:nvSpPr>
+        <p:spPr>
+          <a:xfrm>
+            <a:off x="6727032" y="6407944"/>
+            <a:ext cx="1373360" cy="365760"/>
+          </a:xfrm>
+        </p:spPr>
+        <p:txBody>
+          <a:bodyPr/>
+          <a:lstStyle>
+            <a:lvl1pPr>
+              <a:defRPr sz="1100"/>
+            </a:lvl1pPr>
+            <a:extLst/>
+          </a:lstStyle>
+          <a:p>
+            <a:fld id="{15A15F67-894A-42D7-9B6A-CEA2626501FD}" type="datetime1">
+              <a:rPr lang="de-DE" smtClean="0"/>
+              <a:t>08.06.2015</a:t>
+            </a:fld>
+            <a:endParaRPr lang="de-DE"/>
+          </a:p>
+        </p:txBody>
+      </p:sp>
+      <p:sp>
+        <p:nvSpPr>
+          <p:cNvPr id="5" name="Fußzeilenplatzhalter 4"/>
+          <p:cNvSpPr>
+            <a:spLocks noGrp="1"/>
+          </p:cNvSpPr>
+          <p:nvPr>
+            <p:ph type="ftr" sz="quarter" idx="11"/>
+          </p:nvPr>
+        </p:nvSpPr>
+        <p:spPr/>
+        <p:txBody>
+          <a:bodyPr/>
+          <a:lstStyle>
+            <a:extLst/>
+          </a:lstStyle>
+          <a:p>
+            <a:endParaRPr lang="de-DE"/>
+          </a:p>
+        </p:txBody>
+      </p:sp>
+      <p:sp>
+        <p:nvSpPr>
+          <p:cNvPr id="6" name="Foliennummernplatzhalter 5"/>
+          <p:cNvSpPr>
+            <a:spLocks noGrp="1"/>
+          </p:cNvSpPr>
+          <p:nvPr>
+            <p:ph type="sldNum" sz="quarter" idx="12"/>
+          </p:nvPr>
+        </p:nvSpPr>
+        <p:spPr>
+          <a:xfrm>
+            <a:off x="8100392" y="6407944"/>
+            <a:ext cx="437768" cy="365125"/>
+          </a:xfrm>
+        </p:spPr>
+        <p:txBody>
+          <a:bodyPr/>
+          <a:lstStyle>
+            <a:lvl1pPr>
+              <a:defRPr sz="1100"/>
+            </a:lvl1pPr>
+            <a:extLst/>
+          </a:lstStyle>
+          <a:p>
+            <a:fld id="{B9DC6992-199D-4EB6-BFD7-444195B8EA7C}" type="slidenum">
+              <a:rPr lang="de-DE" smtClean="0"/>
+              <a:pPr/>
+              <a:t>‹Nr.›</a:t>
+            </a:fld>
+            <a:endParaRPr lang="de-DE"/>
+          </a:p>
+        </p:txBody>
+      </p:sp>
+      <p:sp>
+        <p:nvSpPr>
+          <p:cNvPr id="7" name="Titel 6"/>
+          <p:cNvSpPr>
+            <a:spLocks noGrp="1"/>
+          </p:cNvSpPr>
+          <p:nvPr>
+            <p:ph type="title"/>
+          </p:nvPr>
+        </p:nvSpPr>
+        <p:spPr/>
+        <p:txBody>
+          <a:bodyPr rtlCol="0"/>
+          <a:lstStyle>
+            <a:extLst/>
+          </a:lstStyle>
+          <a:p>
+            <a:r>
+              <a:rPr kumimoji="0" lang="de-DE" smtClean="0"/>
+              <a:t>Titelmasterformat durch Klicken bearbeiten</a:t>
+            </a:r>
+            <a:endParaRPr kumimoji="0" lang="en-US"/>
+          </a:p>
+        </p:txBody>
+      </p:sp>
+    </p:spTree>
+  </p:cSld>
+  <p:clrMapOvr>
+    <a:masterClrMapping/>
+  </p:clrMapOvr>
+  <p:transition>
+    <p:fade/>
+  </p:transition>
+  <p:timing>
+    <p:tnLst>
+      <p:par>
+        <p:cTn id="1" dur="indefinite" restart="never" nodeType="tmRoot"/>
+      </p:par>
+    </p:tnLst>
+  </p:timing>
+</p:sldLayout>
+</file>
+
+<file path=ppt/slideLayouts/slideLayout3.xml><?xml version="1.0" encoding="utf-8"?>
+<p:sldLayout xmlns:a="http://schemas.openxmlformats.org/drawingml/2006/main" xmlns:r="http://schemas.openxmlformats.org/officeDocument/2006/relationships" xmlns:p="http://schemas.openxmlformats.org/presentationml/2006/main" type="obj" preserve="1">
+  <p:cSld name="Titel und Inhalt - OliViktor">
+    <p:spTree>
+      <p:nvGrpSpPr>
+        <p:cNvPr id="1" name=""/>
+        <p:cNvGrpSpPr/>
+        <p:nvPr/>
+      </p:nvGrpSpPr>
+      <p:grpSpPr>
+        <a:xfrm>
+          <a:off x="0" y="0"/>
+          <a:ext cx="0" cy="0"/>
+          <a:chOff x="0" y="0"/>
+          <a:chExt cx="0" cy="0"/>
+        </a:xfrm>
+      </p:grpSpPr>
+      <p:sp>
+        <p:nvSpPr>
+          <p:cNvPr id="3" name="Inhaltsplatzhalter 2"/>
+          <p:cNvSpPr>
+            <a:spLocks noGrp="1"/>
+          </p:cNvSpPr>
+          <p:nvPr>
+            <p:ph idx="1"/>
+          </p:nvPr>
+        </p:nvSpPr>
+        <p:spPr/>
+        <p:txBody>
+          <a:bodyPr/>
+          <a:lstStyle>
+            <a:lvl1pPr marL="365760" indent="-256032" algn="l" rtl="0" eaLnBrk="1" latinLnBrk="0" hangingPunct="1">
+              <a:lnSpc>
+                <a:spcPct val="150000"/>
+              </a:lnSpc>
+              <a:spcBef>
+                <a:spcPts val="400"/>
+              </a:spcBef>
+              <a:spcAft>
+                <a:spcPts val="0"/>
+              </a:spcAft>
+              <a:buClr>
+                <a:schemeClr val="accent1"/>
+              </a:buClr>
+              <a:buSzPct val="68000"/>
+              <a:buFont typeface="Wingdings 3"/>
+              <a:buChar char=""/>
+              <a:defRPr kumimoji="0" lang="de-DE" sz="2700" kern="1200" dirty="0" smtClean="0">
+                <a:solidFill>
+                  <a:schemeClr val="tx1"/>
+                </a:solidFill>
+                <a:latin typeface="+mn-lt"/>
+                <a:ea typeface="+mn-ea"/>
+                <a:cs typeface="+mn-cs"/>
+              </a:defRPr>
+            </a:lvl1pPr>
+            <a:lvl2pPr>
+              <a:lnSpc>
+                <a:spcPct val="150000"/>
+              </a:lnSpc>
+              <a:defRPr/>
+            </a:lvl2pPr>
+            <a:lvl3pPr>
+              <a:lnSpc>
+                <a:spcPct val="150000"/>
+              </a:lnSpc>
+              <a:defRPr/>
+            </a:lvl3pPr>
+            <a:lvl4pPr>
+              <a:lnSpc>
+                <a:spcPct val="150000"/>
+              </a:lnSpc>
+              <a:defRPr/>
+            </a:lvl4pPr>
+            <a:lvl5pPr>
+              <a:lnSpc>
+                <a:spcPct val="150000"/>
+              </a:lnSpc>
+              <a:defRPr/>
+            </a:lvl5pPr>
+            <a:extLst/>
+          </a:lstStyle>
+          <a:p>
+            <a:pPr lvl="0" eaLnBrk="1" latinLnBrk="0" hangingPunct="1"/>
+            <a:r>
+              <a:rPr lang="de-DE" dirty="0" smtClean="0"/>
+              <a:t>Textmasterformate durch Klicken bearbeiten</a:t>
+            </a:r>
+          </a:p>
+          <a:p>
+            <a:pPr lvl="1" eaLnBrk="1" latinLnBrk="0" hangingPunct="1"/>
+            <a:r>
+              <a:rPr lang="de-DE" dirty="0" smtClean="0"/>
+              <a:t>Zweite Ebene</a:t>
+            </a:r>
+          </a:p>
+          <a:p>
+            <a:pPr lvl="2" eaLnBrk="1" latinLnBrk="0" hangingPunct="1"/>
+            <a:r>
+              <a:rPr lang="de-DE" dirty="0" smtClean="0"/>
+              <a:t>Dritte Ebene</a:t>
+            </a:r>
+          </a:p>
+          <a:p>
+            <a:pPr lvl="3" eaLnBrk="1" latinLnBrk="0" hangingPunct="1"/>
+            <a:r>
+              <a:rPr lang="de-DE" dirty="0" smtClean="0"/>
+              <a:t>Vierte Ebene</a:t>
+            </a:r>
+          </a:p>
+          <a:p>
+            <a:pPr lvl="4" eaLnBrk="1" latinLnBrk="0" hangingPunct="1"/>
+            <a:r>
+              <a:rPr lang="de-DE" dirty="0" smtClean="0"/>
+              <a:t>Fünfte Ebene</a:t>
+            </a:r>
+            <a:endParaRPr kumimoji="0" lang="en-US" dirty="0"/>
+          </a:p>
+        </p:txBody>
+      </p:sp>
+      <p:sp>
+        <p:nvSpPr>
+          <p:cNvPr id="4" name="Datumsplatzhalter 3"/>
+          <p:cNvSpPr>
+            <a:spLocks noGrp="1"/>
+          </p:cNvSpPr>
+          <p:nvPr>
+            <p:ph type="dt" sz="half" idx="10"/>
+          </p:nvPr>
+        </p:nvSpPr>
+        <p:spPr>
+          <a:xfrm>
+            <a:off x="6727032" y="6407944"/>
+            <a:ext cx="1373360" cy="365760"/>
+          </a:xfrm>
+        </p:spPr>
+        <p:txBody>
+          <a:bodyPr/>
+          <a:lstStyle>
+            <a:lvl1pPr>
+              <a:defRPr sz="1100"/>
+            </a:lvl1pPr>
+            <a:extLst/>
+          </a:lstStyle>
+          <a:p>
+            <a:fld id="{90B91035-B6B6-4B64-ACF0-D04FB96E551B}" type="datetime1">
+              <a:rPr lang="de-DE" smtClean="0"/>
+              <a:t>08.06.2015</a:t>
+            </a:fld>
+            <a:endParaRPr lang="de-DE"/>
+          </a:p>
+        </p:txBody>
+      </p:sp>
+      <p:sp>
+        <p:nvSpPr>
+          <p:cNvPr id="5" name="Fußzeilenplatzhalter 4"/>
+          <p:cNvSpPr>
+            <a:spLocks noGrp="1"/>
+          </p:cNvSpPr>
+          <p:nvPr>
+            <p:ph type="ftr" sz="quarter" idx="11"/>
+          </p:nvPr>
+        </p:nvSpPr>
+        <p:spPr/>
+        <p:txBody>
+          <a:bodyPr/>
+          <a:lstStyle>
+            <a:extLst/>
+          </a:lstStyle>
+          <a:p>
+            <a:endParaRPr lang="de-DE"/>
+          </a:p>
+        </p:txBody>
+      </p:sp>
+      <p:sp>
+        <p:nvSpPr>
+          <p:cNvPr id="6" name="Foliennummernplatzhalter 5"/>
+          <p:cNvSpPr>
+            <a:spLocks noGrp="1"/>
+          </p:cNvSpPr>
+          <p:nvPr>
+            <p:ph type="sldNum" sz="quarter" idx="12"/>
+          </p:nvPr>
+        </p:nvSpPr>
+        <p:spPr>
+          <a:xfrm>
+            <a:off x="8100392" y="6407944"/>
+            <a:ext cx="437768" cy="365125"/>
+          </a:xfrm>
+        </p:spPr>
+        <p:txBody>
+          <a:bodyPr/>
+          <a:lstStyle>
+            <a:lvl1pPr>
+              <a:defRPr sz="1100"/>
+            </a:lvl1pPr>
+            <a:extLst/>
+          </a:lstStyle>
+          <a:p>
+            <a:fld id="{B9DC6992-199D-4EB6-BFD7-444195B8EA7C}" type="slidenum">
+              <a:rPr lang="de-DE" smtClean="0"/>
+              <a:pPr/>
+              <a:t>‹Nr.›</a:t>
+            </a:fld>
+            <a:endParaRPr lang="de-DE"/>
+          </a:p>
+        </p:txBody>
+      </p:sp>
+      <p:sp>
+        <p:nvSpPr>
+          <p:cNvPr id="7" name="Titel 6"/>
+          <p:cNvSpPr>
+            <a:spLocks noGrp="1"/>
+          </p:cNvSpPr>
+          <p:nvPr>
+            <p:ph type="title"/>
+          </p:nvPr>
+        </p:nvSpPr>
+        <p:spPr/>
+        <p:txBody>
+          <a:bodyPr rtlCol="0"/>
+          <a:lstStyle>
+            <a:extLst/>
+          </a:lstStyle>
+          <a:p>
+            <a:r>
+              <a:rPr kumimoji="0" lang="de-DE" smtClean="0"/>
+              <a:t>Titelmasterformat durch Klicken bearbeiten</a:t>
+            </a:r>
+            <a:endParaRPr kumimoji="0" lang="en-US"/>
+          </a:p>
+        </p:txBody>
+      </p:sp>
+      <p:pic>
+        <p:nvPicPr>
+          <p:cNvPr id="8" name="Grafik 7" descr="BotOliViktor.png"/>
+          <p:cNvPicPr>
+            <a:picLocks noChangeAspect="1"/>
+          </p:cNvPicPr>
+          <p:nvPr userDrawn="1"/>
+        </p:nvPicPr>
+        <p:blipFill>
+          <a:blip r:embed="rId2" cstate="print"/>
+          <a:stretch>
+            <a:fillRect/>
+          </a:stretch>
+        </p:blipFill>
+        <p:spPr>
+          <a:xfrm>
+            <a:off x="8511109" y="6366765"/>
+            <a:ext cx="632891" cy="518619"/>
+          </a:xfrm>
+          <a:prstGeom prst="rect">
+            <a:avLst/>
+          </a:prstGeom>
+        </p:spPr>
+      </p:pic>
+    </p:spTree>
+  </p:cSld>
+  <p:clrMapOvr>
+    <a:masterClrMapping/>
+  </p:clrMapOvr>
+  <p:transition>
+    <p:fade/>
+  </p:transition>
+  <p:timing>
+    <p:tnLst>
+      <p:par>
+        <p:cTn id="1" dur="indefinite" restart="never" nodeType="tmRoot"/>
+      </p:par>
+    </p:tnLst>
+  </p:timing>
+</p:sldLayout>
+</file>
+
+<file path=ppt/slideLayouts/slideLayout4.xml><?xml version="1.0" encoding="utf-8"?>
+<p:sldLayout xmlns:a="http://schemas.openxmlformats.org/drawingml/2006/main" xmlns:r="http://schemas.openxmlformats.org/officeDocument/2006/relationships" xmlns:p="http://schemas.openxmlformats.org/presentationml/2006/main" type="obj" preserve="1">
+  <p:cSld name="Titel und Inhalt - AlexDaniel">
+    <p:spTree>
+      <p:nvGrpSpPr>
+        <p:cNvPr id="1" name=""/>
+        <p:cNvGrpSpPr/>
+        <p:nvPr/>
+      </p:nvGrpSpPr>
+      <p:grpSpPr>
+        <a:xfrm>
+          <a:off x="0" y="0"/>
+          <a:ext cx="0" cy="0"/>
+          <a:chOff x="0" y="0"/>
+          <a:chExt cx="0" cy="0"/>
+        </a:xfrm>
+      </p:grpSpPr>
+      <p:sp>
+        <p:nvSpPr>
+          <p:cNvPr id="3" name="Inhaltsplatzhalter 2"/>
+          <p:cNvSpPr>
+            <a:spLocks noGrp="1"/>
+          </p:cNvSpPr>
+          <p:nvPr>
+            <p:ph idx="1"/>
+          </p:nvPr>
+        </p:nvSpPr>
+        <p:spPr/>
+        <p:txBody>
+          <a:bodyPr/>
+          <a:lstStyle>
+            <a:lvl1pPr marL="365760" indent="-256032" algn="l" rtl="0" eaLnBrk="1" latinLnBrk="0" hangingPunct="1">
+              <a:lnSpc>
+                <a:spcPct val="150000"/>
+              </a:lnSpc>
+              <a:spcBef>
+                <a:spcPts val="400"/>
+              </a:spcBef>
+              <a:spcAft>
+                <a:spcPts val="0"/>
+              </a:spcAft>
+              <a:buClr>
+                <a:schemeClr val="accent1"/>
+              </a:buClr>
+              <a:buSzPct val="68000"/>
+              <a:buFont typeface="Wingdings 3"/>
+              <a:buChar char=""/>
+              <a:defRPr kumimoji="0" lang="de-DE" sz="2700" kern="1200" dirty="0" smtClean="0">
+                <a:solidFill>
+                  <a:schemeClr val="tx1"/>
+                </a:solidFill>
+                <a:latin typeface="+mn-lt"/>
+                <a:ea typeface="+mn-ea"/>
+                <a:cs typeface="+mn-cs"/>
+              </a:defRPr>
+            </a:lvl1pPr>
+            <a:lvl2pPr>
+              <a:lnSpc>
+                <a:spcPct val="150000"/>
+              </a:lnSpc>
+              <a:defRPr/>
+            </a:lvl2pPr>
+            <a:lvl3pPr>
+              <a:lnSpc>
+                <a:spcPct val="150000"/>
+              </a:lnSpc>
+              <a:defRPr/>
+            </a:lvl3pPr>
+            <a:lvl4pPr>
+              <a:lnSpc>
+                <a:spcPct val="150000"/>
+              </a:lnSpc>
+              <a:defRPr/>
+            </a:lvl4pPr>
+            <a:lvl5pPr>
+              <a:lnSpc>
+                <a:spcPct val="150000"/>
+              </a:lnSpc>
+              <a:defRPr/>
+            </a:lvl5pPr>
+            <a:extLst/>
+          </a:lstStyle>
+          <a:p>
+            <a:pPr lvl="0" eaLnBrk="1" latinLnBrk="0" hangingPunct="1"/>
+            <a:r>
+              <a:rPr lang="de-DE" dirty="0" smtClean="0"/>
+              <a:t>Textmasterformate durch Klicken bearbeiten</a:t>
+            </a:r>
+          </a:p>
+          <a:p>
+            <a:pPr lvl="1" eaLnBrk="1" latinLnBrk="0" hangingPunct="1"/>
+            <a:r>
+              <a:rPr lang="de-DE" dirty="0" smtClean="0"/>
+              <a:t>Zweite Ebene</a:t>
+            </a:r>
+          </a:p>
+          <a:p>
+            <a:pPr lvl="2" eaLnBrk="1" latinLnBrk="0" hangingPunct="1"/>
+            <a:r>
+              <a:rPr lang="de-DE" dirty="0" smtClean="0"/>
+              <a:t>Dritte Ebene</a:t>
+            </a:r>
+          </a:p>
+          <a:p>
+            <a:pPr lvl="3" eaLnBrk="1" latinLnBrk="0" hangingPunct="1"/>
+            <a:r>
+              <a:rPr lang="de-DE" dirty="0" smtClean="0"/>
+              <a:t>Vierte Ebene</a:t>
+            </a:r>
+          </a:p>
+          <a:p>
+            <a:pPr lvl="4" eaLnBrk="1" latinLnBrk="0" hangingPunct="1"/>
+            <a:r>
+              <a:rPr lang="de-DE" dirty="0" smtClean="0"/>
+              <a:t>Fünfte Ebene</a:t>
+            </a:r>
+            <a:endParaRPr kumimoji="0" lang="en-US" dirty="0"/>
+          </a:p>
+        </p:txBody>
+      </p:sp>
+      <p:sp>
+        <p:nvSpPr>
+          <p:cNvPr id="4" name="Datumsplatzhalter 3"/>
+          <p:cNvSpPr>
+            <a:spLocks noGrp="1"/>
+          </p:cNvSpPr>
+          <p:nvPr>
+            <p:ph type="dt" sz="half" idx="10"/>
+          </p:nvPr>
+        </p:nvSpPr>
+        <p:spPr>
+          <a:xfrm>
+            <a:off x="6727032" y="6407944"/>
+            <a:ext cx="1373360" cy="365760"/>
+          </a:xfrm>
+        </p:spPr>
+        <p:txBody>
+          <a:bodyPr/>
+          <a:lstStyle>
+            <a:lvl1pPr>
+              <a:defRPr sz="1100"/>
+            </a:lvl1pPr>
+            <a:extLst/>
+          </a:lstStyle>
+          <a:p>
+            <a:fld id="{9508762D-7665-4D4F-BEA3-45C7C7D0BEB0}" type="datetime1">
+              <a:rPr lang="de-DE" smtClean="0"/>
+              <a:t>08.06.2015</a:t>
+            </a:fld>
+            <a:endParaRPr lang="de-DE"/>
+          </a:p>
+        </p:txBody>
+      </p:sp>
+      <p:sp>
+        <p:nvSpPr>
+          <p:cNvPr id="5" name="Fußzeilenplatzhalter 4"/>
+          <p:cNvSpPr>
+            <a:spLocks noGrp="1"/>
+          </p:cNvSpPr>
+          <p:nvPr>
+            <p:ph type="ftr" sz="quarter" idx="11"/>
+          </p:nvPr>
+        </p:nvSpPr>
+        <p:spPr/>
+        <p:txBody>
+          <a:bodyPr/>
+          <a:lstStyle>
+            <a:extLst/>
+          </a:lstStyle>
+          <a:p>
+            <a:endParaRPr lang="de-DE"/>
+          </a:p>
+        </p:txBody>
+      </p:sp>
+      <p:sp>
+        <p:nvSpPr>
+          <p:cNvPr id="6" name="Foliennummernplatzhalter 5"/>
+          <p:cNvSpPr>
+            <a:spLocks noGrp="1"/>
+          </p:cNvSpPr>
+          <p:nvPr>
+            <p:ph type="sldNum" sz="quarter" idx="12"/>
+          </p:nvPr>
+        </p:nvSpPr>
+        <p:spPr>
+          <a:xfrm>
+            <a:off x="8100392" y="6407944"/>
+            <a:ext cx="437768" cy="365125"/>
+          </a:xfrm>
+        </p:spPr>
+        <p:txBody>
+          <a:bodyPr/>
+          <a:lstStyle>
+            <a:lvl1pPr>
+              <a:defRPr sz="1100"/>
+            </a:lvl1pPr>
+            <a:extLst/>
+          </a:lstStyle>
+          <a:p>
+            <a:fld id="{B9DC6992-199D-4EB6-BFD7-444195B8EA7C}" type="slidenum">
+              <a:rPr lang="de-DE" smtClean="0"/>
+              <a:pPr/>
+              <a:t>‹Nr.›</a:t>
+            </a:fld>
+            <a:endParaRPr lang="de-DE"/>
+          </a:p>
+        </p:txBody>
+      </p:sp>
+      <p:sp>
+        <p:nvSpPr>
+          <p:cNvPr id="7" name="Titel 6"/>
+          <p:cNvSpPr>
+            <a:spLocks noGrp="1"/>
+          </p:cNvSpPr>
+          <p:nvPr>
+            <p:ph type="title"/>
+          </p:nvPr>
+        </p:nvSpPr>
+        <p:spPr/>
+        <p:txBody>
+          <a:bodyPr rtlCol="0"/>
+          <a:lstStyle>
+            <a:extLst/>
+          </a:lstStyle>
+          <a:p>
+            <a:r>
+              <a:rPr kumimoji="0" lang="de-DE" smtClean="0"/>
+              <a:t>Titelmasterformat durch Klicken bearbeiten</a:t>
+            </a:r>
+            <a:endParaRPr kumimoji="0" lang="en-US"/>
+          </a:p>
+        </p:txBody>
+      </p:sp>
+      <p:pic>
+        <p:nvPicPr>
+          <p:cNvPr id="9" name="Grafik 8" descr="BotOliViktor.png"/>
+          <p:cNvPicPr>
+            <a:picLocks noChangeAspect="1"/>
+          </p:cNvPicPr>
+          <p:nvPr userDrawn="1"/>
+        </p:nvPicPr>
+        <p:blipFill>
+          <a:blip r:embed="rId2" cstate="print"/>
+          <a:stretch>
+            <a:fillRect/>
+          </a:stretch>
+        </p:blipFill>
+        <p:spPr>
+          <a:xfrm rot="5400000">
+            <a:off x="8604773" y="6354538"/>
+            <a:ext cx="381266" cy="478800"/>
+          </a:xfrm>
+          <a:prstGeom prst="rect">
+            <a:avLst/>
+          </a:prstGeom>
+        </p:spPr>
+      </p:pic>
+    </p:spTree>
+  </p:cSld>
+  <p:clrMapOvr>
+    <a:masterClrMapping/>
+  </p:clrMapOvr>
+  <p:transition>
+    <p:fade/>
+  </p:transition>
+  <p:timing>
+    <p:tnLst>
+      <p:par>
+        <p:cTn id="1" dur="indefinite" restart="never" nodeType="tmRoot"/>
+      </p:par>
+    </p:tnLst>
+  </p:timing>
+</p:sldLayout>
+</file>
+
+<file path=ppt/slideLayouts/slideLayout5.xml><?xml version="1.0" encoding="utf-8"?>
+<p:sldLayout xmlns:a="http://schemas.openxmlformats.org/drawingml/2006/main" xmlns:r="http://schemas.openxmlformats.org/officeDocument/2006/relationships" xmlns:p="http://schemas.openxmlformats.org/presentationml/2006/main" type="secHead" preserve="1">
+  <p:cSld name="Abschnittsüberschrift">
+    <p:bg>
+      <p:bgRef idx="1002">
+        <a:schemeClr val="bg1"/>
+      </p:bgRef>
+    </p:bg>
+    <p:spTree>
+      <p:nvGrpSpPr>
+        <p:cNvPr id="1" name=""/>
+        <p:cNvGrpSpPr/>
+        <p:nvPr/>
+      </p:nvGrpSpPr>
+      <p:grpSpPr>
+        <a:xfrm>
+          <a:off x="0" y="0"/>
+          <a:ext cx="0" cy="0"/>
+          <a:chOff x="0" y="0"/>
+          <a:chExt cx="0" cy="0"/>
+        </a:xfrm>
+      </p:grpSpPr>
+      <p:sp>
+        <p:nvSpPr>
+          <p:cNvPr id="2" name="Titel 1"/>
+          <p:cNvSpPr>
+            <a:spLocks noGrp="1"/>
+          </p:cNvSpPr>
+          <p:nvPr>
+            <p:ph type="title"/>
+          </p:nvPr>
+        </p:nvSpPr>
+        <p:spPr>
+          <a:xfrm>
+            <a:off x="722376" y="1059712"/>
+            <a:ext cx="7772400" cy="1828800"/>
+          </a:xfrm>
+        </p:spPr>
+        <p:txBody>
+          <a:bodyPr vert="horz" anchor="b">
+            <a:normAutofit/>
+            <a:scene3d>
+              <a:camera prst="orthographicFront"/>
+              <a:lightRig rig="soft" dir="t"/>
+            </a:scene3d>
+            <a:sp3d prstMaterial="softEdge">
+              <a:bevelT w="25400" h="25400"/>
+            </a:sp3d>
+          </a:bodyPr>
+          <a:lstStyle>
+            <a:lvl1pPr algn="r">
+              <a:buNone/>
+              <a:defRPr sz="4800" b="1" cap="none" baseline="0">
+                <a:effectLst>
+                  <a:outerShdw blurRad="31750" dist="25400" dir="5400000" algn="tl" rotWithShape="0">
+                    <a:srgbClr val="000000">
+                      <a:alpha val="25000"/>
+                    </a:srgbClr>
+                  </a:outerShdw>
+                </a:effectLst>
+              </a:defRPr>
+            </a:lvl1pPr>
+            <a:extLst/>
+          </a:lstStyle>
+          <a:p>
+            <a:r>
+              <a:rPr kumimoji="0" lang="de-DE" smtClean="0"/>
+              <a:t>Titelmasterformat durch Klicken bearbeiten</a:t>
+            </a:r>
+            <a:endParaRPr kumimoji="0" lang="en-US"/>
+          </a:p>
+        </p:txBody>
+      </p:sp>
+      <p:sp>
+        <p:nvSpPr>
+          <p:cNvPr id="3" name="Textplatzhalter 2"/>
+          <p:cNvSpPr>
+            <a:spLocks noGrp="1"/>
+          </p:cNvSpPr>
+          <p:nvPr>
+            <p:ph type="body" idx="1"/>
+          </p:nvPr>
+        </p:nvSpPr>
+        <p:spPr>
+          <a:xfrm>
+            <a:off x="3922713" y="2931712"/>
+            <a:ext cx="4572000" cy="1454888"/>
+          </a:xfrm>
+        </p:spPr>
+        <p:txBody>
+          <a:bodyPr lIns="91440" rIns="91440" anchor="t"/>
+          <a:lstStyle>
+            <a:lvl1pPr marL="0" indent="0" algn="l">
+              <a:buNone/>
+              <a:defRPr sz="2300">
+                <a:solidFill>
+                  <a:schemeClr val="tx1"/>
+                </a:solidFill>
+              </a:defRPr>
+            </a:lvl1pPr>
+            <a:lvl2pPr>
+              <a:buNone/>
+              <a:defRPr sz="1800">
+                <a:solidFill>
+                  <a:schemeClr val="tx1">
+                    <a:tint val="75000"/>
+                  </a:schemeClr>
+                </a:solidFill>
+              </a:defRPr>
+            </a:lvl2pPr>
+            <a:lvl3pPr>
+              <a:buNone/>
+              <a:defRPr sz="1600">
+                <a:solidFill>
+                  <a:schemeClr val="tx1">
+                    <a:tint val="75000"/>
+                  </a:schemeClr>
+                </a:solidFill>
+              </a:defRPr>
+            </a:lvl3pPr>
+            <a:lvl4pPr>
+              <a:buNone/>
+              <a:defRPr sz="1400">
+                <a:solidFill>
+                  <a:schemeClr val="tx1">
+                    <a:tint val="75000"/>
+                  </a:schemeClr>
+                </a:solidFill>
+              </a:defRPr>
+            </a:lvl4pPr>
+            <a:lvl5pPr>
+              <a:buNone/>
+              <a:defRPr sz="1400">
+                <a:solidFill>
+                  <a:schemeClr val="tx1">
+                    <a:tint val="75000"/>
+                  </a:schemeClr>
+                </a:solidFill>
+              </a:defRPr>
+            </a:lvl5pPr>
+            <a:extLst/>
+          </a:lstStyle>
+          <a:p>
+            <a:pPr lvl="0" eaLnBrk="1" latinLnBrk="0" hangingPunct="1"/>
+            <a:r>
+              <a:rPr kumimoji="0" lang="de-DE" smtClean="0"/>
+              <a:t>Textmasterformate durch Klicken bearbeiten</a:t>
+            </a:r>
+          </a:p>
+        </p:txBody>
+      </p:sp>
+      <p:sp>
+        <p:nvSpPr>
+          <p:cNvPr id="4" name="Datumsplatzhalter 3"/>
+          <p:cNvSpPr>
+            <a:spLocks noGrp="1"/>
+          </p:cNvSpPr>
+          <p:nvPr>
+            <p:ph type="dt" sz="half" idx="10"/>
+          </p:nvPr>
+        </p:nvSpPr>
+        <p:spPr/>
+        <p:txBody>
+          <a:bodyPr/>
+          <a:lstStyle>
+            <a:extLst/>
+          </a:lstStyle>
+          <a:p>
+            <a:fld id="{BA009C27-25D5-4AC2-97BA-FE3E83707857}" type="datetime1">
+              <a:rPr lang="de-DE" smtClean="0"/>
+              <a:t>08.06.2015</a:t>
+            </a:fld>
+            <a:endParaRPr lang="de-DE"/>
+          </a:p>
+        </p:txBody>
+      </p:sp>
+      <p:sp>
+        <p:nvSpPr>
+          <p:cNvPr id="5" name="Fußzeilenplatzhalter 4"/>
+          <p:cNvSpPr>
+            <a:spLocks noGrp="1"/>
+          </p:cNvSpPr>
+          <p:nvPr>
+            <p:ph type="ftr" sz="quarter" idx="11"/>
+          </p:nvPr>
+        </p:nvSpPr>
+        <p:spPr/>
+        <p:txBody>
+          <a:bodyPr/>
+          <a:lstStyle>
+            <a:extLst/>
+          </a:lstStyle>
+          <a:p>
+            <a:endParaRPr lang="de-DE"/>
+          </a:p>
+        </p:txBody>
+      </p:sp>
+      <p:sp>
+        <p:nvSpPr>
+          <p:cNvPr id="6" name="Foliennummernplatzhalter 5"/>
+          <p:cNvSpPr>
+            <a:spLocks noGrp="1"/>
+          </p:cNvSpPr>
+          <p:nvPr>
+            <p:ph type="sldNum" sz="quarter" idx="12"/>
+          </p:nvPr>
+        </p:nvSpPr>
+        <p:spPr/>
+        <p:txBody>
+          <a:bodyPr/>
+          <a:lstStyle>
+            <a:extLst/>
+          </a:lstStyle>
+          <a:p>
+            <a:fld id="{B9DC6992-199D-4EB6-BFD7-444195B8EA7C}" type="slidenum">
+              <a:rPr lang="de-DE" smtClean="0"/>
+              <a:pPr/>
+              <a:t>‹Nr.›</a:t>
+            </a:fld>
+            <a:endParaRPr lang="de-DE"/>
+          </a:p>
+        </p:txBody>
+      </p:sp>
+      <p:sp>
+        <p:nvSpPr>
+          <p:cNvPr id="7" name="Eingekerbter Richtungspfeil 6"/>
+          <p:cNvSpPr/>
+          <p:nvPr/>
+        </p:nvSpPr>
+        <p:spPr>
+          <a:xfrm>
+            <a:off x="3636680" y="3005472"/>
+            <a:ext cx="182880" cy="228600"/>
+          </a:xfrm>
+          <a:prstGeom prst="chevron">
+            <a:avLst>
+              <a:gd name="adj" fmla="val 50000"/>
+            </a:avLst>
+          </a:prstGeom>
+          <a:gradFill flip="none" rotWithShape="1">
+            <a:gsLst>
+              <a:gs pos="0">
+                <a:schemeClr val="accent1">
+                  <a:shade val="60000"/>
+                  <a:satMod val="125000"/>
+                </a:schemeClr>
+              </a:gs>
+              <a:gs pos="72000">
+                <a:schemeClr val="accent1">
+                  <a:tint val="90000"/>
+                  <a:satMod val="138000"/>
+                </a:schemeClr>
+              </a:gs>
+              <a:gs pos="100000">
+                <a:schemeClr val="accent1">
+                  <a:tint val="76000"/>
+                  <a:satMod val="136000"/>
+                </a:schemeClr>
+              </a:gs>
+            </a:gsLst>
+            <a:lin ang="16200000" scaled="0"/>
+          </a:gradFill>
+          <a:ln w="3175" cap="rnd" cmpd="sng" algn="ctr">
+            <a:solidFill>
+              <a:schemeClr val="accent1">
+                <a:shade val="50000"/>
+              </a:schemeClr>
+            </a:solidFill>
+            <a:prstDash val="solid"/>
+          </a:ln>
+          <a:effectLst>
+            <a:outerShdw blurRad="50800" dist="25400" dir="5400000">
+              <a:srgbClr val="000000">
+                <a:alpha val="46000"/>
+              </a:srgbClr>
+            </a:outerShdw>
+          </a:effectLst>
+        </p:spPr>
+        <p:style>
+          <a:lnRef idx="1">
+            <a:schemeClr val="accent1"/>
+          </a:lnRef>
+          <a:fillRef idx="3">
+            <a:schemeClr val="accent1"/>
+          </a:fillRef>
+          <a:effectRef idx="2">
+            <a:schemeClr val="accent1"/>
+          </a:effectRef>
+          <a:fontRef idx="minor">
+            <a:schemeClr val="lt1"/>
+          </a:fontRef>
+        </p:style>
+        <p:txBody>
+          <a:bodyPr anchor="ctr"/>
+          <a:lstStyle>
+            <a:extLst/>
+          </a:lstStyle>
+          <a:p>
+            <a:pPr algn="l" eaLnBrk="1" latinLnBrk="0" hangingPunct="1"/>
+            <a:endParaRPr kumimoji="0" lang="en-US"/>
+          </a:p>
+        </p:txBody>
+      </p:sp>
+      <p:sp>
+        <p:nvSpPr>
+          <p:cNvPr id="8" name="Eingekerbter Richtungspfeil 7"/>
+          <p:cNvSpPr/>
+          <p:nvPr/>
+        </p:nvSpPr>
+        <p:spPr>
+          <a:xfrm>
+            <a:off x="3450264" y="3005472"/>
+            <a:ext cx="182880" cy="228600"/>
+          </a:xfrm>
+          <a:prstGeom prst="chevron">
+            <a:avLst>
+              <a:gd name="adj" fmla="val 50000"/>
+            </a:avLst>
+          </a:prstGeom>
+          <a:gradFill flip="none" rotWithShape="1">
+            <a:gsLst>
+              <a:gs pos="0">
+                <a:schemeClr val="accent1">
+                  <a:shade val="60000"/>
+                  <a:satMod val="125000"/>
+                </a:schemeClr>
+              </a:gs>
+              <a:gs pos="72000">
+                <a:schemeClr val="accent1">
+                  <a:tint val="90000"/>
+                  <a:satMod val="138000"/>
+                </a:schemeClr>
+              </a:gs>
+              <a:gs pos="100000">
+                <a:schemeClr val="accent1">
+                  <a:tint val="76000"/>
+                  <a:satMod val="136000"/>
+                </a:schemeClr>
+              </a:gs>
+            </a:gsLst>
+            <a:lin ang="16200000" scaled="0"/>
+          </a:gradFill>
+          <a:ln w="3175" cap="rnd" cmpd="sng" algn="ctr">
+            <a:solidFill>
+              <a:schemeClr val="accent1">
+                <a:shade val="50000"/>
+              </a:schemeClr>
+            </a:solidFill>
+            <a:prstDash val="solid"/>
+          </a:ln>
+          <a:effectLst>
+            <a:outerShdw blurRad="50800" dist="25400" dir="5400000">
+              <a:srgbClr val="000000">
+                <a:alpha val="46000"/>
+              </a:srgbClr>
+            </a:outerShdw>
+          </a:effectLst>
+        </p:spPr>
+        <p:style>
+          <a:lnRef idx="1">
+            <a:schemeClr val="accent1"/>
+          </a:lnRef>
+          <a:fillRef idx="3">
+            <a:schemeClr val="accent1"/>
+          </a:fillRef>
+          <a:effectRef idx="2">
+            <a:schemeClr val="accent1"/>
+          </a:effectRef>
+          <a:fontRef idx="minor">
+            <a:schemeClr val="lt1"/>
+          </a:fontRef>
+        </p:style>
+        <p:txBody>
+          <a:bodyPr anchor="ctr"/>
+          <a:lstStyle>
+            <a:extLst/>
+          </a:lstStyle>
+          <a:p>
+            <a:pPr algn="l" eaLnBrk="1" latinLnBrk="0" hangingPunct="1"/>
+            <a:endParaRPr kumimoji="0" lang="en-US"/>
+          </a:p>
+        </p:txBody>
+      </p:sp>
+    </p:spTree>
+  </p:cSld>
+  <p:clrMapOvr>
+    <a:overrideClrMapping bg1="dk1" tx1="lt1" bg2="dk2" tx2="lt2" accent1="accent1" accent2="accent2" accent3="accent3" accent4="accent4" accent5="accent5" accent6="accent6" hlink="hlink" folHlink="folHlink"/>
+  </p:clrMapOvr>
+  <p:transition>
+    <p:fade/>
+  </p:transition>
+</p:sldLayout>
+</file>
+
+<file path=ppt/slideLayouts/slideLayout6.xml><?xml version="1.0" encoding="utf-8"?>
+<p:sldLayout xmlns:a="http://schemas.openxmlformats.org/drawingml/2006/main" xmlns:r="http://schemas.openxmlformats.org/officeDocument/2006/relationships" xmlns:p="http://schemas.openxmlformats.org/presentationml/2006/main" type="twoObj" preserve="1">
+  <p:cSld name="Zwei Inhalte">
+    <p:bg>
+      <p:bgRef idx="1002">
+        <a:schemeClr val="bg1"/>
+      </p:bgRef>
+    </p:bg>
+    <p:spTree>
+      <p:nvGrpSpPr>
+        <p:cNvPr id="1" name=""/>
+        <p:cNvGrpSpPr/>
+        <p:nvPr/>
+      </p:nvGrpSpPr>
+      <p:grpSpPr>
+        <a:xfrm>
+          <a:off x="0" y="0"/>
+          <a:ext cx="0" cy="0"/>
+          <a:chOff x="0" y="0"/>
+          <a:chExt cx="0" cy="0"/>
+        </a:xfrm>
+      </p:grpSpPr>
+      <p:sp>
+        <p:nvSpPr>
+          <p:cNvPr id="3" name="Inhaltsplatzhalter 2"/>
+          <p:cNvSpPr>
+            <a:spLocks noGrp="1"/>
+          </p:cNvSpPr>
+          <p:nvPr>
+            <p:ph sz="half" idx="1"/>
+          </p:nvPr>
+        </p:nvSpPr>
+        <p:spPr>
+          <a:xfrm>
+            <a:off x="457200" y="1481328"/>
+            <a:ext cx="4038600" cy="4525963"/>
+          </a:xfrm>
+        </p:spPr>
+        <p:txBody>
+          <a:bodyPr/>
+          <a:lstStyle>
+            <a:lvl1pPr>
+              <a:defRPr sz="2800"/>
+            </a:lvl1pPr>
+            <a:lvl2pPr>
+              <a:defRPr sz="2400"/>
+            </a:lvl2pPr>
+            <a:lvl3pPr>
+              <a:defRPr sz="2000"/>
+            </a:lvl3pPr>
+            <a:lvl4pPr>
+              <a:defRPr sz="1800"/>
+            </a:lvl4pPr>
+            <a:lvl5pPr>
+              <a:defRPr sz="1800"/>
+            </a:lvl5pPr>
+            <a:extLst/>
+          </a:lstStyle>
+          <a:p>
+            <a:pPr lvl="0" eaLnBrk="1" latinLnBrk="0" hangingPunct="1"/>
+            <a:r>
+              <a:rPr lang="de-DE" smtClean="0"/>
+              <a:t>Textmasterformate durch Klicken bearbeiten</a:t>
+            </a:r>
+          </a:p>
+          <a:p>
+            <a:pPr lvl="1" eaLnBrk="1" latinLnBrk="0" hangingPunct="1"/>
+            <a:r>
+              <a:rPr lang="de-DE" smtClean="0"/>
+              <a:t>Zweite Ebene</a:t>
+            </a:r>
+          </a:p>
+          <a:p>
+            <a:pPr lvl="2" eaLnBrk="1" latinLnBrk="0" hangingPunct="1"/>
+            <a:r>
+              <a:rPr lang="de-DE" smtClean="0"/>
+              <a:t>Dritte Ebene</a:t>
+            </a:r>
+          </a:p>
+          <a:p>
+            <a:pPr lvl="3" eaLnBrk="1" latinLnBrk="0" hangingPunct="1"/>
+            <a:r>
+              <a:rPr lang="de-DE" smtClean="0"/>
+              <a:t>Vierte Ebene</a:t>
+            </a:r>
+          </a:p>
+          <a:p>
+            <a:pPr lvl="4" eaLnBrk="1" latinLnBrk="0" hangingPunct="1"/>
+            <a:r>
+              <a:rPr lang="de-DE" smtClean="0"/>
+              <a:t>Fünfte Ebene</a:t>
+            </a:r>
+            <a:endParaRPr kumimoji="0" lang="en-US"/>
+          </a:p>
+        </p:txBody>
+      </p:sp>
+      <p:sp>
+        <p:nvSpPr>
+          <p:cNvPr id="4" name="Inhaltsplatzhalter 3"/>
+          <p:cNvSpPr>
+            <a:spLocks noGrp="1"/>
+          </p:cNvSpPr>
+          <p:nvPr>
+            <p:ph sz="half" idx="2"/>
+          </p:nvPr>
+        </p:nvSpPr>
+        <p:spPr>
+          <a:xfrm>
+            <a:off x="4648200" y="1481328"/>
+            <a:ext cx="4038600" cy="4525963"/>
+          </a:xfrm>
+        </p:spPr>
+        <p:txBody>
+          <a:bodyPr/>
+          <a:lstStyle>
+            <a:lvl1pPr>
+              <a:defRPr sz="2800"/>
+            </a:lvl1pPr>
+            <a:lvl2pPr>
+              <a:defRPr sz="2400"/>
+            </a:lvl2pPr>
+            <a:lvl3pPr>
+              <a:defRPr sz="2000"/>
+            </a:lvl3pPr>
+            <a:lvl4pPr>
+              <a:defRPr sz="1800"/>
+            </a:lvl4pPr>
+            <a:lvl5pPr>
+              <a:defRPr sz="1800"/>
+            </a:lvl5pPr>
+            <a:extLst/>
+          </a:lstStyle>
+          <a:p>
+            <a:pPr lvl="0" eaLnBrk="1" latinLnBrk="0" hangingPunct="1"/>
+            <a:r>
+              <a:rPr lang="de-DE" smtClean="0"/>
+              <a:t>Textmasterformate durch Klicken bearbeiten</a:t>
+            </a:r>
+          </a:p>
+          <a:p>
+            <a:pPr lvl="1" eaLnBrk="1" latinLnBrk="0" hangingPunct="1"/>
+            <a:r>
+              <a:rPr lang="de-DE" smtClean="0"/>
+              <a:t>Zweite Ebene</a:t>
+            </a:r>
+          </a:p>
+          <a:p>
+            <a:pPr lvl="2" eaLnBrk="1" latinLnBrk="0" hangingPunct="1"/>
+            <a:r>
+              <a:rPr lang="de-DE" smtClean="0"/>
+              <a:t>Dritte Ebene</a:t>
+            </a:r>
+          </a:p>
+          <a:p>
+            <a:pPr lvl="3" eaLnBrk="1" latinLnBrk="0" hangingPunct="1"/>
+            <a:r>
+              <a:rPr lang="de-DE" smtClean="0"/>
+              <a:t>Vierte Ebene</a:t>
+            </a:r>
+          </a:p>
+          <a:p>
+            <a:pPr lvl="4" eaLnBrk="1" latinLnBrk="0" hangingPunct="1"/>
+            <a:r>
+              <a:rPr lang="de-DE" smtClean="0"/>
+              <a:t>Fünfte Ebene</a:t>
+            </a:r>
+            <a:endParaRPr kumimoji="0" lang="en-US"/>
+          </a:p>
+        </p:txBody>
+      </p:sp>
+      <p:sp>
+        <p:nvSpPr>
+          <p:cNvPr id="5" name="Datumsplatzhalter 4"/>
+          <p:cNvSpPr>
+            <a:spLocks noGrp="1"/>
+          </p:cNvSpPr>
+          <p:nvPr>
+            <p:ph type="dt" sz="half" idx="10"/>
+          </p:nvPr>
+        </p:nvSpPr>
+        <p:spPr/>
+        <p:txBody>
+          <a:bodyPr/>
+          <a:lstStyle>
+            <a:extLst/>
+          </a:lstStyle>
+          <a:p>
+            <a:fld id="{09008D56-06BD-409B-9D98-5EE6E453F0B0}" type="datetime1">
+              <a:rPr lang="de-DE" smtClean="0"/>
+              <a:t>08.06.2015</a:t>
+            </a:fld>
+            <a:endParaRPr lang="de-DE"/>
+          </a:p>
+        </p:txBody>
+      </p:sp>
+      <p:sp>
+        <p:nvSpPr>
+          <p:cNvPr id="6" name="Fußzeilenplatzhalter 5"/>
+          <p:cNvSpPr>
+            <a:spLocks noGrp="1"/>
+          </p:cNvSpPr>
+          <p:nvPr>
+            <p:ph type="ftr" sz="quarter" idx="11"/>
+          </p:nvPr>
+        </p:nvSpPr>
+        <p:spPr/>
+        <p:txBody>
+          <a:bodyPr/>
+          <a:lstStyle>
+            <a:extLst/>
+          </a:lstStyle>
+          <a:p>
+            <a:endParaRPr lang="de-DE"/>
+          </a:p>
+        </p:txBody>
+      </p:sp>
+      <p:sp>
+        <p:nvSpPr>
+          <p:cNvPr id="7" name="Foliennummernplatzhalter 6"/>
+          <p:cNvSpPr>
+            <a:spLocks noGrp="1"/>
+          </p:cNvSpPr>
+          <p:nvPr>
+            <p:ph type="sldNum" sz="quarter" idx="12"/>
+          </p:nvPr>
+        </p:nvSpPr>
+        <p:spPr/>
+        <p:txBody>
+          <a:bodyPr/>
+          <a:lstStyle>
+            <a:extLst/>
+          </a:lstStyle>
+          <a:p>
+            <a:fld id="{B9DC6992-199D-4EB6-BFD7-444195B8EA7C}" type="slidenum">
+              <a:rPr lang="de-DE" smtClean="0"/>
+              <a:pPr/>
+              <a:t>‹Nr.›</a:t>
+            </a:fld>
+            <a:endParaRPr lang="de-DE"/>
+          </a:p>
+        </p:txBody>
+      </p:sp>
+      <p:sp>
+        <p:nvSpPr>
+          <p:cNvPr id="8" name="Titel 7"/>
+          <p:cNvSpPr>
+            <a:spLocks noGrp="1"/>
+          </p:cNvSpPr>
+          <p:nvPr>
+            <p:ph type="title"/>
+          </p:nvPr>
+        </p:nvSpPr>
+        <p:spPr/>
+        <p:txBody>
+          <a:bodyPr rtlCol="0"/>
+          <a:lstStyle>
+            <a:extLst/>
+          </a:lstStyle>
+          <a:p>
+            <a:r>
+              <a:rPr kumimoji="0" lang="de-DE" smtClean="0"/>
+              <a:t>Titelmasterformat durch Klicken bearbeiten</a:t>
+            </a:r>
+            <a:endParaRPr kumimoji="0" lang="en-US"/>
+          </a:p>
+        </p:txBody>
+      </p:sp>
+    </p:spTree>
+  </p:cSld>
+  <p:clrMapOvr>
+    <a:overrideClrMapping bg1="dk1" tx1="lt1" bg2="dk2" tx2="lt2" accent1="accent1" accent2="accent2" accent3="accent3" accent4="accent4" accent5="accent5" accent6="accent6" hlink="hlink" folHlink="folHlink"/>
+  </p:clrMapOvr>
+  <p:transition>
+    <p:fade/>
+  </p:transition>
+</p:sldLayout>
+</file>
+
+<file path=ppt/slideLayouts/slideLayout7.xml><?xml version="1.0" encoding="utf-8"?>
+<p:sldLayout xmlns:a="http://schemas.openxmlformats.org/drawingml/2006/main" xmlns:r="http://schemas.openxmlformats.org/officeDocument/2006/relationships" xmlns:p="http://schemas.openxmlformats.org/presentationml/2006/main" showMasterSp="0" type="twoTxTwoObj" preserve="1">
+  <p:cSld name="Vergleich">
+    <p:bg>
+      <p:bgRef idx="1003">
+        <a:schemeClr val="bg1"/>
+      </p:bgRef>
+    </p:bg>
+    <p:spTree>
+      <p:nvGrpSpPr>
+        <p:cNvPr id="1" name=""/>
+        <p:cNvGrpSpPr/>
+        <p:nvPr/>
+      </p:nvGrpSpPr>
+      <p:grpSpPr>
+        <a:xfrm>
+          <a:off x="0" y="0"/>
+          <a:ext cx="0" cy="0"/>
+          <a:chOff x="0" y="0"/>
+          <a:chExt cx="0" cy="0"/>
+        </a:xfrm>
+      </p:grpSpPr>
+      <p:sp>
+        <p:nvSpPr>
+          <p:cNvPr id="2" name="Titel 1"/>
+          <p:cNvSpPr>
+            <a:spLocks noGrp="1"/>
+          </p:cNvSpPr>
+          <p:nvPr>
+            <p:ph type="title"/>
+          </p:nvPr>
+        </p:nvSpPr>
+        <p:spPr>
+          <a:xfrm>
+            <a:off x="457200" y="273050"/>
+            <a:ext cx="8229600" cy="1143000"/>
+          </a:xfrm>
+        </p:spPr>
+        <p:txBody>
+          <a:bodyPr anchor="ctr"/>
+          <a:lstStyle>
+            <a:lvl1pPr>
+              <a:defRPr/>
+            </a:lvl1pPr>
+            <a:extLst/>
+          </a:lstStyle>
+          <a:p>
+            <a:r>
+              <a:rPr kumimoji="0" lang="de-DE" smtClean="0"/>
+              <a:t>Titelmasterformat durch Klicken bearbeiten</a:t>
+            </a:r>
+            <a:endParaRPr kumimoji="0" lang="en-US"/>
+          </a:p>
+        </p:txBody>
+      </p:sp>
+      <p:sp>
+        <p:nvSpPr>
+          <p:cNvPr id="3" name="Textplatzhalter 2"/>
+          <p:cNvSpPr>
+            <a:spLocks noGrp="1"/>
+          </p:cNvSpPr>
+          <p:nvPr>
+            <p:ph type="body" idx="1"/>
+          </p:nvPr>
+        </p:nvSpPr>
+        <p:spPr>
+          <a:xfrm>
+            <a:off x="457200" y="5410200"/>
+            <a:ext cx="4040188" cy="762000"/>
+          </a:xfrm>
+          <a:solidFill>
+            <a:schemeClr val="accent1"/>
+          </a:solidFill>
+          <a:ln w="9652">
+            <a:solidFill>
+              <a:schemeClr val="accent1"/>
+            </a:solidFill>
+            <a:miter lim="800000"/>
+          </a:ln>
+        </p:spPr>
+        <p:txBody>
+          <a:bodyPr lIns="182880" anchor="ctr"/>
+          <a:lstStyle>
+            <a:lvl1pPr marL="0" indent="0">
+              <a:buNone/>
+              <a:defRPr sz="2400" b="0">
+                <a:solidFill>
+                  <a:schemeClr val="bg1"/>
+                </a:solidFill>
+              </a:defRPr>
+            </a:lvl1pPr>
+            <a:lvl2pPr>
+              <a:buNone/>
+              <a:defRPr sz="2000" b="1"/>
+            </a:lvl2pPr>
+            <a:lvl3pPr>
+              <a:buNone/>
+              <a:defRPr sz="1800" b="1"/>
+            </a:lvl3pPr>
+            <a:lvl4pPr>
+              <a:buNone/>
+              <a:defRPr sz="1600" b="1"/>
+            </a:lvl4pPr>
+            <a:lvl5pPr>
+              <a:buNone/>
+              <a:defRPr sz="1600" b="1"/>
+            </a:lvl5pPr>
+            <a:extLst/>
+          </a:lstStyle>
+          <a:p>
+            <a:pPr lvl="0" eaLnBrk="1" latinLnBrk="0" hangingPunct="1"/>
+            <a:r>
+              <a:rPr kumimoji="0" lang="de-DE" smtClean="0"/>
+              <a:t>Textmasterformate durch Klicken bearbeiten</a:t>
+            </a:r>
+          </a:p>
+        </p:txBody>
+      </p:sp>
+      <p:sp>
+        <p:nvSpPr>
+          <p:cNvPr id="4" name="Textplatzhalter 3"/>
+          <p:cNvSpPr>
+            <a:spLocks noGrp="1"/>
+          </p:cNvSpPr>
+          <p:nvPr>
+            <p:ph type="body" sz="half" idx="3"/>
+          </p:nvPr>
+        </p:nvSpPr>
+        <p:spPr>
+          <a:xfrm>
+            <a:off x="4645026" y="5410200"/>
+            <a:ext cx="4041775" cy="762000"/>
+          </a:xfrm>
+          <a:solidFill>
+            <a:schemeClr val="accent1"/>
+          </a:solidFill>
+          <a:ln w="9652">
+            <a:solidFill>
+              <a:schemeClr val="accent1"/>
+            </a:solidFill>
+            <a:miter lim="800000"/>
+          </a:ln>
+        </p:spPr>
+        <p:txBody>
+          <a:bodyPr lIns="182880" anchor="ctr"/>
+          <a:lstStyle>
+            <a:lvl1pPr marL="0" indent="0">
+              <a:buNone/>
+              <a:defRPr sz="2400" b="0">
+                <a:solidFill>
+                  <a:schemeClr val="bg1"/>
+                </a:solidFill>
+              </a:defRPr>
+            </a:lvl1pPr>
+            <a:lvl2pPr>
+              <a:buNone/>
+              <a:defRPr sz="2000" b="1"/>
+            </a:lvl2pPr>
+            <a:lvl3pPr>
+              <a:buNone/>
+              <a:defRPr sz="1800" b="1"/>
+            </a:lvl3pPr>
+            <a:lvl4pPr>
+              <a:buNone/>
+              <a:defRPr sz="1600" b="1"/>
+            </a:lvl4pPr>
+            <a:lvl5pPr>
+              <a:buNone/>
+              <a:defRPr sz="1600" b="1"/>
+            </a:lvl5pPr>
+            <a:extLst/>
+          </a:lstStyle>
+          <a:p>
+            <a:pPr lvl="0" eaLnBrk="1" latinLnBrk="0" hangingPunct="1"/>
+            <a:r>
+              <a:rPr kumimoji="0" lang="de-DE" smtClean="0"/>
+              <a:t>Textmasterformate durch Klicken bearbeiten</a:t>
+            </a:r>
+          </a:p>
+        </p:txBody>
+      </p:sp>
+      <p:sp>
+        <p:nvSpPr>
+          <p:cNvPr id="5" name="Inhaltsplatzhalter 4"/>
+          <p:cNvSpPr>
+            <a:spLocks noGrp="1"/>
+          </p:cNvSpPr>
+          <p:nvPr>
+            <p:ph sz="quarter" idx="2"/>
+          </p:nvPr>
+        </p:nvSpPr>
+        <p:spPr>
+          <a:xfrm>
+            <a:off x="457200" y="1444294"/>
+            <a:ext cx="4040188" cy="3941763"/>
+          </a:xfrm>
+          <a:ln>
+            <a:noFill/>
+            <a:prstDash val="sysDash"/>
+            <a:miter lim="800000"/>
+          </a:ln>
+        </p:spPr>
+        <p:txBody>
+          <a:bodyPr/>
+          <a:lstStyle>
+            <a:lvl1pPr>
+              <a:defRPr sz="2400"/>
+            </a:lvl1pPr>
+            <a:lvl2pPr>
+              <a:defRPr sz="2000"/>
+            </a:lvl2pPr>
+            <a:lvl3pPr>
+              <a:defRPr sz="1800"/>
+            </a:lvl3pPr>
+            <a:lvl4pPr>
+              <a:defRPr sz="1600"/>
+            </a:lvl4pPr>
+            <a:lvl5pPr>
+              <a:defRPr sz="1600"/>
+            </a:lvl5pPr>
+            <a:extLst/>
+          </a:lstStyle>
+          <a:p>
+            <a:pPr lvl="0" eaLnBrk="1" latinLnBrk="0" hangingPunct="1"/>
+            <a:r>
+              <a:rPr lang="de-DE" smtClean="0"/>
+              <a:t>Textmasterformate durch Klicken bearbeiten</a:t>
+            </a:r>
+          </a:p>
+          <a:p>
+            <a:pPr lvl="1" eaLnBrk="1" latinLnBrk="0" hangingPunct="1"/>
+            <a:r>
+              <a:rPr lang="de-DE" smtClean="0"/>
+              <a:t>Zweite Ebene</a:t>
+            </a:r>
+          </a:p>
+          <a:p>
+            <a:pPr lvl="2" eaLnBrk="1" latinLnBrk="0" hangingPunct="1"/>
+            <a:r>
+              <a:rPr lang="de-DE" smtClean="0"/>
+              <a:t>Dritte Ebene</a:t>
+            </a:r>
+          </a:p>
+          <a:p>
+            <a:pPr lvl="3" eaLnBrk="1" latinLnBrk="0" hangingPunct="1"/>
+            <a:r>
+              <a:rPr lang="de-DE" smtClean="0"/>
+              <a:t>Vierte Ebene</a:t>
+            </a:r>
+          </a:p>
+          <a:p>
+            <a:pPr lvl="4" eaLnBrk="1" latinLnBrk="0" hangingPunct="1"/>
+            <a:r>
+              <a:rPr lang="de-DE" smtClean="0"/>
+              <a:t>Fünfte Ebene</a:t>
+            </a:r>
+            <a:endParaRPr kumimoji="0" lang="en-US"/>
+          </a:p>
+        </p:txBody>
+      </p:sp>
+      <p:sp>
+        <p:nvSpPr>
+          <p:cNvPr id="6" name="Inhaltsplatzhalter 5"/>
+          <p:cNvSpPr>
+            <a:spLocks noGrp="1"/>
+          </p:cNvSpPr>
+          <p:nvPr>
+            <p:ph sz="quarter" idx="4"/>
+          </p:nvPr>
+        </p:nvSpPr>
+        <p:spPr>
+          <a:xfrm>
+            <a:off x="4645025" y="1444294"/>
+            <a:ext cx="4041775" cy="3941763"/>
+          </a:xfrm>
+          <a:ln>
+            <a:noFill/>
+            <a:prstDash val="sysDash"/>
+            <a:miter lim="800000"/>
+          </a:ln>
+        </p:spPr>
+        <p:txBody>
+          <a:bodyPr/>
+          <a:lstStyle>
+            <a:lvl1pPr>
+              <a:spcBef>
+                <a:spcPts val="0"/>
+              </a:spcBef>
+              <a:defRPr sz="2400"/>
+            </a:lvl1pPr>
+            <a:lvl2pPr>
+              <a:defRPr sz="2000"/>
+            </a:lvl2pPr>
+            <a:lvl3pPr>
+              <a:defRPr sz="1800"/>
+            </a:lvl3pPr>
+            <a:lvl4pPr>
+              <a:defRPr sz="1600"/>
+            </a:lvl4pPr>
+            <a:lvl5pPr>
+              <a:defRPr sz="1600"/>
+            </a:lvl5pPr>
+            <a:extLst/>
+          </a:lstStyle>
+          <a:p>
+            <a:pPr lvl="0" eaLnBrk="1" latinLnBrk="0" hangingPunct="1"/>
+            <a:r>
+              <a:rPr lang="de-DE" smtClean="0"/>
+              <a:t>Textmasterformate durch Klicken bearbeiten</a:t>
+            </a:r>
+          </a:p>
+          <a:p>
+            <a:pPr lvl="1" eaLnBrk="1" latinLnBrk="0" hangingPunct="1"/>
+            <a:r>
+              <a:rPr lang="de-DE" smtClean="0"/>
+              <a:t>Zweite Ebene</a:t>
+            </a:r>
+          </a:p>
+          <a:p>
+            <a:pPr lvl="2" eaLnBrk="1" latinLnBrk="0" hangingPunct="1"/>
+            <a:r>
+              <a:rPr lang="de-DE" smtClean="0"/>
+              <a:t>Dritte Ebene</a:t>
+            </a:r>
+          </a:p>
+          <a:p>
+            <a:pPr lvl="3" eaLnBrk="1" latinLnBrk="0" hangingPunct="1"/>
+            <a:r>
+              <a:rPr lang="de-DE" smtClean="0"/>
+              <a:t>Vierte Ebene</a:t>
+            </a:r>
+          </a:p>
+          <a:p>
+            <a:pPr lvl="4" eaLnBrk="1" latinLnBrk="0" hangingPunct="1"/>
+            <a:r>
+              <a:rPr lang="de-DE" smtClean="0"/>
+              <a:t>Fünfte Ebene</a:t>
+            </a:r>
+            <a:endParaRPr kumimoji="0" lang="en-US"/>
+          </a:p>
+        </p:txBody>
+      </p:sp>
+      <p:sp>
+        <p:nvSpPr>
+          <p:cNvPr id="7" name="Datumsplatzhalter 6"/>
+          <p:cNvSpPr>
+            <a:spLocks noGrp="1"/>
+          </p:cNvSpPr>
+          <p:nvPr>
+            <p:ph type="dt" sz="half" idx="10"/>
+          </p:nvPr>
+        </p:nvSpPr>
+        <p:spPr/>
+        <p:txBody>
+          <a:bodyPr/>
+          <a:lstStyle>
+            <a:extLst/>
+          </a:lstStyle>
+          <a:p>
+            <a:fld id="{E287ECD4-2F9A-4B13-B407-66F25B9BC71B}" type="datetime1">
+              <a:rPr lang="de-DE" smtClean="0"/>
+              <a:t>08.06.2015</a:t>
+            </a:fld>
+            <a:endParaRPr lang="de-DE"/>
+          </a:p>
+        </p:txBody>
+      </p:sp>
+      <p:sp>
+        <p:nvSpPr>
+          <p:cNvPr id="8" name="Fußzeilenplatzhalter 7"/>
+          <p:cNvSpPr>
+            <a:spLocks noGrp="1"/>
+          </p:cNvSpPr>
+          <p:nvPr>
+            <p:ph type="ftr" sz="quarter" idx="11"/>
+          </p:nvPr>
+        </p:nvSpPr>
+        <p:spPr/>
+        <p:txBody>
+          <a:bodyPr/>
+          <a:lstStyle>
+            <a:extLst/>
+          </a:lstStyle>
+          <a:p>
+            <a:endParaRPr lang="de-DE"/>
+          </a:p>
+        </p:txBody>
+      </p:sp>
+      <p:sp>
+        <p:nvSpPr>
+          <p:cNvPr id="9" name="Foliennummernplatzhalter 8"/>
+          <p:cNvSpPr>
+            <a:spLocks noGrp="1"/>
+          </p:cNvSpPr>
+          <p:nvPr>
+            <p:ph type="sldNum" sz="quarter" idx="12"/>
+          </p:nvPr>
+        </p:nvSpPr>
+        <p:spPr/>
+        <p:txBody>
+          <a:bodyPr/>
+          <a:lstStyle>
+            <a:extLst/>
+          </a:lstStyle>
+          <a:p>
+            <a:fld id="{B9DC6992-199D-4EB6-BFD7-444195B8EA7C}" type="slidenum">
+              <a:rPr lang="de-DE" smtClean="0"/>
+              <a:pPr/>
+              <a:t>‹Nr.›</a:t>
+            </a:fld>
+            <a:endParaRPr lang="de-DE"/>
+          </a:p>
+        </p:txBody>
+      </p:sp>
+    </p:spTree>
+  </p:cSld>
+  <p:clrMapOvr>
+    <a:overrideClrMapping bg1="lt1" tx1="dk1" bg2="lt2" tx2="dk2" accent1="accent1" accent2="accent2" accent3="accent3" accent4="accent4" accent5="accent5" accent6="accent6" hlink="hlink" folHlink="folHlink"/>
+  </p:clrMapOvr>
+  <p:transition>
+    <p:fade/>
+  </p:transition>
+</p:sldLayout>
+</file>
+
+<file path=ppt/slideLayouts/slideLayout8.xml><?xml version="1.0" encoding="utf-8"?>
+<p:sldLayout xmlns:a="http://schemas.openxmlformats.org/drawingml/2006/main" xmlns:r="http://schemas.openxmlformats.org/officeDocument/2006/relationships" xmlns:p="http://schemas.openxmlformats.org/presentationml/2006/main" type="titleOnly" preserve="1">
+  <p:cSld name="Nur Titel">
+    <p:bg>
+      <p:bgRef idx="1002">
+        <a:schemeClr val="bg1"/>
+      </p:bgRef>
+    </p:bg>
+    <p:spTree>
+      <p:nvGrpSpPr>
+        <p:cNvPr id="1" name=""/>
+        <p:cNvGrpSpPr/>
+        <p:nvPr/>
+      </p:nvGrpSpPr>
+      <p:grpSpPr>
+        <a:xfrm>
+          <a:off x="0" y="0"/>
+          <a:ext cx="0" cy="0"/>
+          <a:chOff x="0" y="0"/>
+          <a:chExt cx="0" cy="0"/>
+        </a:xfrm>
+      </p:grpSpPr>
+      <p:sp>
+        <p:nvSpPr>
+          <p:cNvPr id="3" name="Datumsplatzhalter 2"/>
+          <p:cNvSpPr>
+            <a:spLocks noGrp="1"/>
+          </p:cNvSpPr>
+          <p:nvPr>
+            <p:ph type="dt" sz="half" idx="10"/>
+          </p:nvPr>
+        </p:nvSpPr>
+        <p:spPr/>
+        <p:txBody>
+          <a:bodyPr/>
+          <a:lstStyle>
+            <a:extLst/>
+          </a:lstStyle>
+          <a:p>
+            <a:fld id="{589DC932-A236-448B-BA79-4962C312692A}" type="datetime1">
+              <a:rPr lang="de-DE" smtClean="0"/>
+              <a:t>08.06.2015</a:t>
+            </a:fld>
+            <a:endParaRPr lang="de-DE"/>
+          </a:p>
+        </p:txBody>
+      </p:sp>
+      <p:sp>
+        <p:nvSpPr>
+          <p:cNvPr id="4" name="Fußzeilenplatzhalter 3"/>
+          <p:cNvSpPr>
+            <a:spLocks noGrp="1"/>
+          </p:cNvSpPr>
+          <p:nvPr>
+            <p:ph type="ftr" sz="quarter" idx="11"/>
+          </p:nvPr>
+        </p:nvSpPr>
+        <p:spPr/>
+        <p:txBody>
+          <a:bodyPr/>
+          <a:lstStyle>
+            <a:extLst/>
+          </a:lstStyle>
+          <a:p>
+            <a:endParaRPr lang="de-DE"/>
+          </a:p>
+        </p:txBody>
+      </p:sp>
+      <p:sp>
+        <p:nvSpPr>
+          <p:cNvPr id="5" name="Foliennummernplatzhalter 4"/>
+          <p:cNvSpPr>
+            <a:spLocks noGrp="1"/>
+          </p:cNvSpPr>
+          <p:nvPr>
+            <p:ph type="sldNum" sz="quarter" idx="12"/>
+          </p:nvPr>
+        </p:nvSpPr>
+        <p:spPr/>
+        <p:txBody>
+          <a:bodyPr/>
+          <a:lstStyle>
+            <a:extLst/>
+          </a:lstStyle>
+          <a:p>
+            <a:fld id="{B9DC6992-199D-4EB6-BFD7-444195B8EA7C}" type="slidenum">
+              <a:rPr lang="de-DE" smtClean="0"/>
+              <a:pPr/>
+              <a:t>‹Nr.›</a:t>
+            </a:fld>
+            <a:endParaRPr lang="de-DE"/>
+          </a:p>
+        </p:txBody>
+      </p:sp>
+      <p:sp>
+        <p:nvSpPr>
+          <p:cNvPr id="6" name="Titel 5"/>
+          <p:cNvSpPr>
+            <a:spLocks noGrp="1"/>
+          </p:cNvSpPr>
+          <p:nvPr>
+            <p:ph type="title"/>
+          </p:nvPr>
+        </p:nvSpPr>
+        <p:spPr/>
+        <p:txBody>
+          <a:bodyPr rtlCol="0"/>
+          <a:lstStyle>
+            <a:extLst/>
+          </a:lstStyle>
+          <a:p>
+            <a:r>
+              <a:rPr kumimoji="0" lang="de-DE" smtClean="0"/>
+              <a:t>Titelmasterformat durch Klicken bearbeiten</a:t>
+            </a:r>
+            <a:endParaRPr kumimoji="0" lang="en-US"/>
+          </a:p>
+        </p:txBody>
+      </p:sp>
+    </p:spTree>
+  </p:cSld>
+  <p:clrMapOvr>
+    <a:overrideClrMapping bg1="dk1" tx1="lt1" bg2="dk2" tx2="lt2" accent1="accent1" accent2="accent2" accent3="accent3" accent4="accent4" accent5="accent5" accent6="accent6" hlink="hlink" folHlink="folHlink"/>
+  </p:clrMapOvr>
+  <p:transition>
+    <p:fade/>
+  </p:transition>
+</p:sldLayout>
+</file>
+
+<file path=ppt/slideLayouts/slideLayout9.xml><?xml version="1.0" encoding="utf-8"?>
+<p:sldLayout xmlns:a="http://schemas.openxmlformats.org/drawingml/2006/main" xmlns:r="http://schemas.openxmlformats.org/officeDocument/2006/relationships" xmlns:p="http://schemas.openxmlformats.org/presentationml/2006/main" type="blank" preserve="1">
+  <p:cSld name="Leer">
+    <p:spTree>
+      <p:nvGrpSpPr>
+        <p:cNvPr id="1" name=""/>
+        <p:cNvGrpSpPr/>
+        <p:nvPr/>
+      </p:nvGrpSpPr>
+      <p:grpSpPr>
+        <a:xfrm>
+          <a:off x="0" y="0"/>
+          <a:ext cx="0" cy="0"/>
+          <a:chOff x="0" y="0"/>
+          <a:chExt cx="0" cy="0"/>
+        </a:xfrm>
+      </p:grpSpPr>
+      <p:sp>
+        <p:nvSpPr>
+          <p:cNvPr id="2" name="Datumsplatzhalter 1"/>
+          <p:cNvSpPr>
+            <a:spLocks noGrp="1"/>
+          </p:cNvSpPr>
+          <p:nvPr>
+            <p:ph type="dt" sz="half" idx="10"/>
+          </p:nvPr>
+        </p:nvSpPr>
+        <p:spPr/>
+        <p:txBody>
+          <a:bodyPr/>
+          <a:lstStyle>
+            <a:extLst/>
+          </a:lstStyle>
+          <a:p>
+            <a:fld id="{B92AADCB-A9F7-4B56-B02E-96C6CCB206E9}" type="datetime1">
+              <a:rPr lang="de-DE" smtClean="0"/>
+              <a:t>08.06.2015</a:t>
+            </a:fld>
+            <a:endParaRPr lang="de-DE"/>
+          </a:p>
+        </p:txBody>
+      </p:sp>
+      <p:sp>
+        <p:nvSpPr>
+          <p:cNvPr id="3" name="Fußzeilenplatzhalter 2"/>
+          <p:cNvSpPr>
+            <a:spLocks noGrp="1"/>
+          </p:cNvSpPr>
+          <p:nvPr>
+            <p:ph type="ftr" sz="quarter" idx="11"/>
+          </p:nvPr>
+        </p:nvSpPr>
+        <p:spPr/>
+        <p:txBody>
+          <a:bodyPr/>
+          <a:lstStyle>
+            <a:extLst/>
+          </a:lstStyle>
+          <a:p>
+            <a:endParaRPr lang="de-DE"/>
+          </a:p>
+        </p:txBody>
+      </p:sp>
+      <p:sp>
+        <p:nvSpPr>
+          <p:cNvPr id="4" name="Foliennummernplatzhalter 3"/>
+          <p:cNvSpPr>
+            <a:spLocks noGrp="1"/>
+          </p:cNvSpPr>
+          <p:nvPr>
+            <p:ph type="sldNum" sz="quarter" idx="12"/>
+          </p:nvPr>
+        </p:nvSpPr>
+        <p:spPr/>
+        <p:txBody>
+          <a:bodyPr/>
+          <a:lstStyle>
+            <a:extLst/>
+          </a:lstStyle>
+          <a:p>
+            <a:fld id="{B9DC6992-199D-4EB6-BFD7-444195B8EA7C}" type="slidenum">
+              <a:rPr lang="de-DE" smtClean="0"/>
+              <a:pPr/>
+              <a:t>‹Nr.›</a:t>
+            </a:fld>
+            <a:endParaRPr lang="de-DE"/>
+          </a:p>
+        </p:txBody>
+      </p:sp>
+    </p:spTree>
+  </p:cSld>
+  <p:clrMapOvr>
+    <a:masterClrMapping/>
+  </p:clrMapOvr>
+  <p:transition>
+    <p:fade/>
   </p:transition>
 </p:sldLayout>
 </file>
@@ -4467,7 +5261,7 @@
             <a:avLst/>
           </a:prstGeom>
           <a:blipFill>
-            <a:blip r:embed="rId13" cstate="print">
+            <a:blip r:embed="rId15" cstate="print">
               <a:alphaModFix amt="50000"/>
             </a:blip>
             <a:tile tx="0" ty="0" sx="50000" sy="50000" flip="none" algn="t"/>
@@ -4752,7 +5546,7 @@
             <a:extLst/>
           </a:lstStyle>
           <a:p>
-            <a:fld id="{C83145A6-B09A-41EF-8222-C2B1D4A0C1A4}" type="datetime1">
+            <a:fld id="{C29AAA4E-E88D-43D8-B68B-0B76516A8EFD}" type="datetime1">
               <a:rPr lang="de-DE" smtClean="0"/>
               <a:t>08.06.2015</a:t>
             </a:fld>
@@ -4842,19 +5636,21 @@
   <p:clrMap bg1="lt1" tx1="dk1" bg2="lt2" tx2="dk2" accent1="accent1" accent2="accent2" accent3="accent3" accent4="accent4" accent5="accent5" accent6="accent6" hlink="hlink" folHlink="folHlink"/>
   <p:sldLayoutIdLst>
     <p:sldLayoutId id="2147483661" r:id="rId1"/>
-    <p:sldLayoutId id="2147483662" r:id="rId2"/>
-    <p:sldLayoutId id="2147483663" r:id="rId3"/>
-    <p:sldLayoutId id="2147483664" r:id="rId4"/>
-    <p:sldLayoutId id="2147483665" r:id="rId5"/>
-    <p:sldLayoutId id="2147483666" r:id="rId6"/>
-    <p:sldLayoutId id="2147483667" r:id="rId7"/>
-    <p:sldLayoutId id="2147483668" r:id="rId8"/>
-    <p:sldLayoutId id="2147483669" r:id="rId9"/>
-    <p:sldLayoutId id="2147483670" r:id="rId10"/>
-    <p:sldLayoutId id="2147483671" r:id="rId11"/>
+    <p:sldLayoutId id="2147483673" r:id="rId2"/>
+    <p:sldLayoutId id="2147483662" r:id="rId3"/>
+    <p:sldLayoutId id="2147483672" r:id="rId4"/>
+    <p:sldLayoutId id="2147483663" r:id="rId5"/>
+    <p:sldLayoutId id="2147483664" r:id="rId6"/>
+    <p:sldLayoutId id="2147483665" r:id="rId7"/>
+    <p:sldLayoutId id="2147483666" r:id="rId8"/>
+    <p:sldLayoutId id="2147483667" r:id="rId9"/>
+    <p:sldLayoutId id="2147483668" r:id="rId10"/>
+    <p:sldLayoutId id="2147483669" r:id="rId11"/>
+    <p:sldLayoutId id="2147483670" r:id="rId12"/>
+    <p:sldLayoutId id="2147483671" r:id="rId13"/>
   </p:sldLayoutIdLst>
-  <p:transition spd="med">
-    <p:pull dir="d"/>
+  <p:transition>
+    <p:fade/>
   </p:transition>
   <p:hf hdr="0" ftr="0"/>
   <p:txStyles>
@@ -5221,8 +6017,8 @@
   <p:clrMapOvr>
     <a:masterClrMapping/>
   </p:clrMapOvr>
-  <p:transition spd="med">
-    <p:pull dir="d"/>
+  <p:transition>
+    <p:fade/>
   </p:transition>
   <p:timing>
     <p:tnLst>
@@ -5234,7 +6030,7 @@
 </p:sld>
 </file>
 
-<file path=ppt/slides/slide2.xml><?xml version="1.0" encoding="utf-8"?>
+<file path=ppt/slides/slide10.xml><?xml version="1.0" encoding="utf-8"?>
 <p:sld xmlns:a="http://schemas.openxmlformats.org/drawingml/2006/main" xmlns:r="http://schemas.openxmlformats.org/officeDocument/2006/relationships" xmlns:p="http://schemas.openxmlformats.org/presentationml/2006/main">
   <p:cSld>
     <p:spTree>
@@ -5253,7 +6049,7 @@
       </p:grpSpPr>
       <p:sp>
         <p:nvSpPr>
-          <p:cNvPr id="3" name="Inhaltsplatzhalter 2"/>
+          <p:cNvPr id="2" name="Inhaltsplatzhalter 1"/>
           <p:cNvSpPr>
             <a:spLocks noGrp="1"/>
           </p:cNvSpPr>
@@ -5266,73 +6062,56 @@
           <a:bodyPr/>
           <a:lstStyle/>
           <a:p>
-            <a:pPr>
-              <a:lnSpc>
-                <a:spcPct val="150000"/>
-              </a:lnSpc>
-            </a:pPr>
-            <a:r>
-              <a:rPr lang="de-DE" dirty="0" smtClean="0"/>
-              <a:t>Reinforcement Learning</a:t>
-            </a:r>
-          </a:p>
-          <a:p>
-            <a:pPr>
-              <a:lnSpc>
-                <a:spcPct val="150000"/>
-              </a:lnSpc>
-            </a:pPr>
-            <a:r>
-              <a:rPr lang="de-DE" dirty="0" smtClean="0"/>
-              <a:t>SARSA-Lambda</a:t>
-            </a:r>
-          </a:p>
-          <a:p>
-            <a:pPr>
-              <a:lnSpc>
-                <a:spcPct val="150000"/>
-              </a:lnSpc>
-            </a:pPr>
-            <a:r>
-              <a:rPr lang="de-DE" dirty="0" smtClean="0"/>
-              <a:t>Unterschied: 2 Agenten vs. 1 Agent</a:t>
-            </a:r>
-          </a:p>
-        </p:txBody>
-      </p:sp>
-      <p:sp>
-        <p:nvSpPr>
-          <p:cNvPr id="2" name="Titel 1"/>
+            <a:r>
+              <a:rPr lang="de-DE" smtClean="0"/>
+              <a:t>Reduktion der "MoveEnvironment"</a:t>
+            </a:r>
+          </a:p>
+          <a:p>
+            <a:r>
+              <a:rPr lang="de-DE" smtClean="0"/>
+              <a:t>Vorher:</a:t>
+            </a:r>
+          </a:p>
+          <a:p>
+            <a:pPr lvl="1"/>
+            <a:r>
+              <a:rPr lang="de-DE" smtClean="0"/>
+              <a:t>90.000 Zustände * 9 Aktionen = 810.000 Q-Werte</a:t>
+            </a:r>
+          </a:p>
+          <a:p>
+            <a:r>
+              <a:rPr lang="de-DE" smtClean="0"/>
+              <a:t>Jetzt:</a:t>
+            </a:r>
+          </a:p>
+          <a:p>
+            <a:pPr lvl="1"/>
+            <a:r>
+              <a:rPr lang="de-DE" smtClean="0"/>
+              <a:t>1280 Zustände * 9 Aktionen = 11.520 Q-Werte</a:t>
+            </a:r>
+          </a:p>
+          <a:p>
+            <a:r>
+              <a:rPr lang="de-DE" smtClean="0"/>
+              <a:t>Reduktion um mehr als 98%</a:t>
+            </a:r>
+          </a:p>
+          <a:p>
+            <a:endParaRPr lang="de-DE" dirty="0" smtClean="0"/>
+          </a:p>
+        </p:txBody>
+      </p:sp>
+      <p:sp>
+        <p:nvSpPr>
+          <p:cNvPr id="3" name="Titel 2"/>
           <p:cNvSpPr>
             <a:spLocks noGrp="1"/>
           </p:cNvSpPr>
           <p:nvPr>
             <p:ph type="title"/>
-          </p:nvPr>
-        </p:nvSpPr>
-        <p:spPr/>
-        <p:txBody>
-          <a:bodyPr>
-            <a:normAutofit/>
-          </a:bodyPr>
-          <a:lstStyle/>
-          <a:p>
-            <a:r>
-              <a:rPr lang="de-DE" dirty="0" smtClean="0"/>
-              <a:t>Projekt LARC</a:t>
-            </a:r>
-            <a:endParaRPr lang="de-DE" dirty="0"/>
-          </a:p>
-        </p:txBody>
-      </p:sp>
-      <p:sp>
-        <p:nvSpPr>
-          <p:cNvPr id="6" name="Datumsplatzhalter 5"/>
-          <p:cNvSpPr>
-            <a:spLocks noGrp="1"/>
-          </p:cNvSpPr>
-          <p:nvPr>
-            <p:ph type="dt" sz="half" idx="10"/>
           </p:nvPr>
         </p:nvSpPr>
         <p:spPr/>
@@ -5340,7 +6119,30 @@
           <a:bodyPr/>
           <a:lstStyle/>
           <a:p>
-            <a:fld id="{F719E772-E1B2-4A41-8C27-3B3DCD771BF4}" type="datetime1">
+            <a:r>
+              <a:rPr lang="de-DE" smtClean="0"/>
+              <a:t>Team Oli&amp;Viktor: Umwelt</a:t>
+            </a:r>
+            <a:endParaRPr lang="de-DE" dirty="0"/>
+          </a:p>
+        </p:txBody>
+      </p:sp>
+      <p:sp>
+        <p:nvSpPr>
+          <p:cNvPr id="6" name="Datumsplatzhalter 5"/>
+          <p:cNvSpPr>
+            <a:spLocks noGrp="1"/>
+          </p:cNvSpPr>
+          <p:nvPr>
+            <p:ph type="dt" sz="half" idx="10"/>
+          </p:nvPr>
+        </p:nvSpPr>
+        <p:spPr/>
+        <p:txBody>
+          <a:bodyPr/>
+          <a:lstStyle/>
+          <a:p>
+            <a:fld id="{9BB28FF6-9452-4BB3-8ED8-53EA02423FF0}" type="datetime1">
               <a:rPr lang="de-DE" smtClean="0"/>
               <a:t>08.06.2015</a:t>
             </a:fld>
@@ -5366,7 +6168,7 @@
             <a:fld id="{B9DC6992-199D-4EB6-BFD7-444195B8EA7C}" type="slidenum">
               <a:rPr lang="de-DE" smtClean="0"/>
               <a:pPr/>
-              <a:t>2</a:t>
+              <a:t>10</a:t>
             </a:fld>
             <a:endParaRPr lang="de-DE"/>
           </a:p>
@@ -5377,750 +6179,8 @@
   <p:clrMapOvr>
     <a:masterClrMapping/>
   </p:clrMapOvr>
-  <p:transition spd="med">
-    <p:pull dir="d"/>
-  </p:transition>
-  <p:timing>
-    <p:tnLst>
-      <p:par>
-        <p:cTn id="1" dur="indefinite" restart="never" nodeType="tmRoot">
-          <p:childTnLst>
-            <p:seq concurrent="1" nextAc="seek">
-              <p:cTn id="2" dur="indefinite" nodeType="mainSeq">
-                <p:childTnLst>
-                  <p:par>
-                    <p:cTn id="3" fill="hold">
-                      <p:stCondLst>
-                        <p:cond delay="indefinite"/>
-                      </p:stCondLst>
-                      <p:childTnLst>
-                        <p:par>
-                          <p:cTn id="4" fill="hold">
-                            <p:stCondLst>
-                              <p:cond delay="0"/>
-                            </p:stCondLst>
-                            <p:childTnLst>
-                              <p:par>
-                                <p:cTn id="5" presetID="22" presetClass="entr" presetSubtype="8" fill="hold" grpId="0" nodeType="clickEffect">
-                                  <p:stCondLst>
-                                    <p:cond delay="0"/>
-                                  </p:stCondLst>
-                                  <p:childTnLst>
-                                    <p:set>
-                                      <p:cBhvr>
-                                        <p:cTn id="6" dur="1" fill="hold">
-                                          <p:stCondLst>
-                                            <p:cond delay="0"/>
-                                          </p:stCondLst>
-                                        </p:cTn>
-                                        <p:tgtEl>
-                                          <p:spTgt spid="3">
-                                            <p:txEl>
-                                              <p:pRg st="0" end="0"/>
-                                            </p:txEl>
-                                          </p:spTgt>
-                                        </p:tgtEl>
-                                        <p:attrNameLst>
-                                          <p:attrName>style.visibility</p:attrName>
-                                        </p:attrNameLst>
-                                      </p:cBhvr>
-                                      <p:to>
-                                        <p:strVal val="visible"/>
-                                      </p:to>
-                                    </p:set>
-                                    <p:animEffect transition="in" filter="wipe(left)">
-                                      <p:cBhvr>
-                                        <p:cTn id="7" dur="1000"/>
-                                        <p:tgtEl>
-                                          <p:spTgt spid="3">
-                                            <p:txEl>
-                                              <p:pRg st="0" end="0"/>
-                                            </p:txEl>
-                                          </p:spTgt>
-                                        </p:tgtEl>
-                                      </p:cBhvr>
-                                    </p:animEffect>
-                                  </p:childTnLst>
-                                </p:cTn>
-                              </p:par>
-                            </p:childTnLst>
-                          </p:cTn>
-                        </p:par>
-                      </p:childTnLst>
-                    </p:cTn>
-                  </p:par>
-                  <p:par>
-                    <p:cTn id="8" fill="hold">
-                      <p:stCondLst>
-                        <p:cond delay="indefinite"/>
-                      </p:stCondLst>
-                      <p:childTnLst>
-                        <p:par>
-                          <p:cTn id="9" fill="hold">
-                            <p:stCondLst>
-                              <p:cond delay="0"/>
-                            </p:stCondLst>
-                            <p:childTnLst>
-                              <p:par>
-                                <p:cTn id="10" presetID="22" presetClass="entr" presetSubtype="8" fill="hold" grpId="0" nodeType="clickEffect">
-                                  <p:stCondLst>
-                                    <p:cond delay="0"/>
-                                  </p:stCondLst>
-                                  <p:childTnLst>
-                                    <p:set>
-                                      <p:cBhvr>
-                                        <p:cTn id="11" dur="1" fill="hold">
-                                          <p:stCondLst>
-                                            <p:cond delay="0"/>
-                                          </p:stCondLst>
-                                        </p:cTn>
-                                        <p:tgtEl>
-                                          <p:spTgt spid="3">
-                                            <p:txEl>
-                                              <p:pRg st="1" end="1"/>
-                                            </p:txEl>
-                                          </p:spTgt>
-                                        </p:tgtEl>
-                                        <p:attrNameLst>
-                                          <p:attrName>style.visibility</p:attrName>
-                                        </p:attrNameLst>
-                                      </p:cBhvr>
-                                      <p:to>
-                                        <p:strVal val="visible"/>
-                                      </p:to>
-                                    </p:set>
-                                    <p:animEffect transition="in" filter="wipe(left)">
-                                      <p:cBhvr>
-                                        <p:cTn id="12" dur="1000"/>
-                                        <p:tgtEl>
-                                          <p:spTgt spid="3">
-                                            <p:txEl>
-                                              <p:pRg st="1" end="1"/>
-                                            </p:txEl>
-                                          </p:spTgt>
-                                        </p:tgtEl>
-                                      </p:cBhvr>
-                                    </p:animEffect>
-                                  </p:childTnLst>
-                                </p:cTn>
-                              </p:par>
-                            </p:childTnLst>
-                          </p:cTn>
-                        </p:par>
-                      </p:childTnLst>
-                    </p:cTn>
-                  </p:par>
-                  <p:par>
-                    <p:cTn id="13" fill="hold">
-                      <p:stCondLst>
-                        <p:cond delay="indefinite"/>
-                      </p:stCondLst>
-                      <p:childTnLst>
-                        <p:par>
-                          <p:cTn id="14" fill="hold">
-                            <p:stCondLst>
-                              <p:cond delay="0"/>
-                            </p:stCondLst>
-                            <p:childTnLst>
-                              <p:par>
-                                <p:cTn id="15" presetID="22" presetClass="entr" presetSubtype="8" fill="hold" grpId="0" nodeType="clickEffect">
-                                  <p:stCondLst>
-                                    <p:cond delay="0"/>
-                                  </p:stCondLst>
-                                  <p:childTnLst>
-                                    <p:set>
-                                      <p:cBhvr>
-                                        <p:cTn id="16" dur="1" fill="hold">
-                                          <p:stCondLst>
-                                            <p:cond delay="0"/>
-                                          </p:stCondLst>
-                                        </p:cTn>
-                                        <p:tgtEl>
-                                          <p:spTgt spid="3">
-                                            <p:txEl>
-                                              <p:pRg st="2" end="2"/>
-                                            </p:txEl>
-                                          </p:spTgt>
-                                        </p:tgtEl>
-                                        <p:attrNameLst>
-                                          <p:attrName>style.visibility</p:attrName>
-                                        </p:attrNameLst>
-                                      </p:cBhvr>
-                                      <p:to>
-                                        <p:strVal val="visible"/>
-                                      </p:to>
-                                    </p:set>
-                                    <p:animEffect transition="in" filter="wipe(left)">
-                                      <p:cBhvr>
-                                        <p:cTn id="17" dur="1000"/>
-                                        <p:tgtEl>
-                                          <p:spTgt spid="3">
-                                            <p:txEl>
-                                              <p:pRg st="2" end="2"/>
-                                            </p:txEl>
-                                          </p:spTgt>
-                                        </p:tgtEl>
-                                      </p:cBhvr>
-                                    </p:animEffect>
-                                  </p:childTnLst>
-                                </p:cTn>
-                              </p:par>
-                            </p:childTnLst>
-                          </p:cTn>
-                        </p:par>
-                      </p:childTnLst>
-                    </p:cTn>
-                  </p:par>
-                </p:childTnLst>
-              </p:cTn>
-              <p:prevCondLst>
-                <p:cond evt="onPrev" delay="0">
-                  <p:tgtEl>
-                    <p:sldTgt/>
-                  </p:tgtEl>
-                </p:cond>
-              </p:prevCondLst>
-              <p:nextCondLst>
-                <p:cond evt="onNext" delay="0">
-                  <p:tgtEl>
-                    <p:sldTgt/>
-                  </p:tgtEl>
-                </p:cond>
-              </p:nextCondLst>
-            </p:seq>
-          </p:childTnLst>
-        </p:cTn>
-      </p:par>
-    </p:tnLst>
-    <p:bldLst>
-      <p:bldP spid="3" grpId="0" uiExpand="1" build="p"/>
-    </p:bldLst>
-  </p:timing>
-</p:sld>
-</file>
-
-<file path=ppt/slides/slide3.xml><?xml version="1.0" encoding="utf-8"?>
-<p:sld xmlns:a="http://schemas.openxmlformats.org/drawingml/2006/main" xmlns:r="http://schemas.openxmlformats.org/officeDocument/2006/relationships" xmlns:p="http://schemas.openxmlformats.org/presentationml/2006/main">
-  <p:cSld>
-    <p:spTree>
-      <p:nvGrpSpPr>
-        <p:cNvPr id="1" name=""/>
-        <p:cNvGrpSpPr/>
-        <p:nvPr/>
-      </p:nvGrpSpPr>
-      <p:grpSpPr>
-        <a:xfrm>
-          <a:off x="0" y="0"/>
-          <a:ext cx="0" cy="0"/>
-          <a:chOff x="0" y="0"/>
-          <a:chExt cx="0" cy="0"/>
-        </a:xfrm>
-      </p:grpSpPr>
-      <p:sp>
-        <p:nvSpPr>
-          <p:cNvPr id="3" name="Inhaltsplatzhalter 2"/>
-          <p:cNvSpPr>
-            <a:spLocks noGrp="1"/>
-          </p:cNvSpPr>
-          <p:nvPr>
-            <p:ph idx="1"/>
-          </p:nvPr>
-        </p:nvSpPr>
-        <p:spPr/>
-        <p:txBody>
-          <a:bodyPr/>
-          <a:lstStyle/>
-          <a:p>
-            <a:pPr>
-              <a:lnSpc>
-                <a:spcPct val="150000"/>
-              </a:lnSpc>
-            </a:pPr>
-            <a:r>
-              <a:rPr lang="de-DE" dirty="0" smtClean="0"/>
-              <a:t>Zu hohe Komplexität der Umwelten</a:t>
-            </a:r>
-          </a:p>
-          <a:p>
-            <a:pPr>
-              <a:lnSpc>
-                <a:spcPct val="150000"/>
-              </a:lnSpc>
-            </a:pPr>
-            <a:r>
-              <a:rPr lang="de-DE" dirty="0" smtClean="0"/>
-              <a:t>Falsch implementierter Algorithmus</a:t>
-            </a:r>
-          </a:p>
-          <a:p>
-            <a:pPr>
-              <a:lnSpc>
-                <a:spcPct val="150000"/>
-              </a:lnSpc>
-            </a:pPr>
-            <a:r>
-              <a:rPr lang="de-DE" dirty="0" smtClean="0"/>
-              <a:t>Belohnung richtig einstellen</a:t>
-            </a:r>
-          </a:p>
-        </p:txBody>
-      </p:sp>
-      <p:sp>
-        <p:nvSpPr>
-          <p:cNvPr id="2" name="Titel 1"/>
-          <p:cNvSpPr>
-            <a:spLocks noGrp="1"/>
-          </p:cNvSpPr>
-          <p:nvPr>
-            <p:ph type="title"/>
-          </p:nvPr>
-        </p:nvSpPr>
-        <p:spPr/>
-        <p:txBody>
-          <a:bodyPr/>
-          <a:lstStyle/>
-          <a:p>
-            <a:r>
-              <a:rPr lang="de-DE" dirty="0" smtClean="0"/>
-              <a:t>Team </a:t>
-            </a:r>
-            <a:r>
-              <a:rPr lang="de-DE" dirty="0" err="1" smtClean="0"/>
-              <a:t>Oli&amp;Viktor</a:t>
-            </a:r>
-            <a:r>
-              <a:rPr lang="de-DE" dirty="0" smtClean="0"/>
-              <a:t>: Probleme</a:t>
-            </a:r>
-            <a:endParaRPr lang="de-DE" dirty="0"/>
-          </a:p>
-        </p:txBody>
-      </p:sp>
-      <p:sp>
-        <p:nvSpPr>
-          <p:cNvPr id="7" name="Datumsplatzhalter 6"/>
-          <p:cNvSpPr>
-            <a:spLocks noGrp="1"/>
-          </p:cNvSpPr>
-          <p:nvPr>
-            <p:ph type="dt" sz="half" idx="10"/>
-          </p:nvPr>
-        </p:nvSpPr>
-        <p:spPr/>
-        <p:txBody>
-          <a:bodyPr/>
-          <a:lstStyle/>
-          <a:p>
-            <a:fld id="{1157E4C8-8EAE-4FD6-B389-FDB1895E0B50}" type="datetime1">
-              <a:rPr lang="de-DE" smtClean="0"/>
-              <a:t>08.06.2015</a:t>
-            </a:fld>
-            <a:endParaRPr lang="de-DE"/>
-          </a:p>
-        </p:txBody>
-      </p:sp>
-      <p:sp>
-        <p:nvSpPr>
-          <p:cNvPr id="8" name="Foliennummernplatzhalter 7"/>
-          <p:cNvSpPr>
-            <a:spLocks noGrp="1"/>
-          </p:cNvSpPr>
-          <p:nvPr>
-            <p:ph type="sldNum" sz="quarter" idx="12"/>
-          </p:nvPr>
-        </p:nvSpPr>
-        <p:spPr/>
-        <p:txBody>
-          <a:bodyPr/>
-          <a:lstStyle/>
-          <a:p>
-            <a:fld id="{B9DC6992-199D-4EB6-BFD7-444195B8EA7C}" type="slidenum">
-              <a:rPr lang="de-DE" smtClean="0"/>
-              <a:pPr/>
-              <a:t>3</a:t>
-            </a:fld>
-            <a:endParaRPr lang="de-DE"/>
-          </a:p>
-        </p:txBody>
-      </p:sp>
-    </p:spTree>
-  </p:cSld>
-  <p:clrMapOvr>
-    <a:masterClrMapping/>
-  </p:clrMapOvr>
-  <p:transition spd="med">
-    <p:pull dir="d"/>
-  </p:transition>
-  <p:timing>
-    <p:tnLst>
-      <p:par>
-        <p:cTn id="1" dur="indefinite" restart="never" nodeType="tmRoot">
-          <p:childTnLst>
-            <p:seq concurrent="1" nextAc="seek">
-              <p:cTn id="2" dur="indefinite" nodeType="mainSeq">
-                <p:childTnLst>
-                  <p:par>
-                    <p:cTn id="3" fill="hold">
-                      <p:stCondLst>
-                        <p:cond delay="indefinite"/>
-                      </p:stCondLst>
-                      <p:childTnLst>
-                        <p:par>
-                          <p:cTn id="4" fill="hold">
-                            <p:stCondLst>
-                              <p:cond delay="0"/>
-                            </p:stCondLst>
-                            <p:childTnLst>
-                              <p:par>
-                                <p:cTn id="5" presetID="22" presetClass="entr" presetSubtype="8" fill="hold" grpId="1" nodeType="clickEffect">
-                                  <p:stCondLst>
-                                    <p:cond delay="0"/>
-                                  </p:stCondLst>
-                                  <p:childTnLst>
-                                    <p:set>
-                                      <p:cBhvr>
-                                        <p:cTn id="6" dur="1" fill="hold">
-                                          <p:stCondLst>
-                                            <p:cond delay="0"/>
-                                          </p:stCondLst>
-                                        </p:cTn>
-                                        <p:tgtEl>
-                                          <p:spTgt spid="3">
-                                            <p:txEl>
-                                              <p:pRg st="0" end="0"/>
-                                            </p:txEl>
-                                          </p:spTgt>
-                                        </p:tgtEl>
-                                        <p:attrNameLst>
-                                          <p:attrName>style.visibility</p:attrName>
-                                        </p:attrNameLst>
-                                      </p:cBhvr>
-                                      <p:to>
-                                        <p:strVal val="visible"/>
-                                      </p:to>
-                                    </p:set>
-                                    <p:animEffect transition="in" filter="wipe(left)">
-                                      <p:cBhvr>
-                                        <p:cTn id="7" dur="1000"/>
-                                        <p:tgtEl>
-                                          <p:spTgt spid="3">
-                                            <p:txEl>
-                                              <p:pRg st="0" end="0"/>
-                                            </p:txEl>
-                                          </p:spTgt>
-                                        </p:tgtEl>
-                                      </p:cBhvr>
-                                    </p:animEffect>
-                                  </p:childTnLst>
-                                </p:cTn>
-                              </p:par>
-                            </p:childTnLst>
-                          </p:cTn>
-                        </p:par>
-                      </p:childTnLst>
-                    </p:cTn>
-                  </p:par>
-                  <p:par>
-                    <p:cTn id="8" fill="hold">
-                      <p:stCondLst>
-                        <p:cond delay="indefinite"/>
-                      </p:stCondLst>
-                      <p:childTnLst>
-                        <p:par>
-                          <p:cTn id="9" fill="hold">
-                            <p:stCondLst>
-                              <p:cond delay="0"/>
-                            </p:stCondLst>
-                            <p:childTnLst>
-                              <p:par>
-                                <p:cTn id="10" presetID="22" presetClass="entr" presetSubtype="8" fill="hold" grpId="1" nodeType="clickEffect">
-                                  <p:stCondLst>
-                                    <p:cond delay="0"/>
-                                  </p:stCondLst>
-                                  <p:childTnLst>
-                                    <p:set>
-                                      <p:cBhvr>
-                                        <p:cTn id="11" dur="1" fill="hold">
-                                          <p:stCondLst>
-                                            <p:cond delay="0"/>
-                                          </p:stCondLst>
-                                        </p:cTn>
-                                        <p:tgtEl>
-                                          <p:spTgt spid="3">
-                                            <p:txEl>
-                                              <p:pRg st="1" end="1"/>
-                                            </p:txEl>
-                                          </p:spTgt>
-                                        </p:tgtEl>
-                                        <p:attrNameLst>
-                                          <p:attrName>style.visibility</p:attrName>
-                                        </p:attrNameLst>
-                                      </p:cBhvr>
-                                      <p:to>
-                                        <p:strVal val="visible"/>
-                                      </p:to>
-                                    </p:set>
-                                    <p:animEffect transition="in" filter="wipe(left)">
-                                      <p:cBhvr>
-                                        <p:cTn id="12" dur="1000"/>
-                                        <p:tgtEl>
-                                          <p:spTgt spid="3">
-                                            <p:txEl>
-                                              <p:pRg st="1" end="1"/>
-                                            </p:txEl>
-                                          </p:spTgt>
-                                        </p:tgtEl>
-                                      </p:cBhvr>
-                                    </p:animEffect>
-                                  </p:childTnLst>
-                                </p:cTn>
-                              </p:par>
-                            </p:childTnLst>
-                          </p:cTn>
-                        </p:par>
-                      </p:childTnLst>
-                    </p:cTn>
-                  </p:par>
-                  <p:par>
-                    <p:cTn id="13" fill="hold">
-                      <p:stCondLst>
-                        <p:cond delay="indefinite"/>
-                      </p:stCondLst>
-                      <p:childTnLst>
-                        <p:par>
-                          <p:cTn id="14" fill="hold">
-                            <p:stCondLst>
-                              <p:cond delay="0"/>
-                            </p:stCondLst>
-                            <p:childTnLst>
-                              <p:par>
-                                <p:cTn id="15" presetID="22" presetClass="entr" presetSubtype="8" fill="hold" grpId="1" nodeType="clickEffect">
-                                  <p:stCondLst>
-                                    <p:cond delay="0"/>
-                                  </p:stCondLst>
-                                  <p:childTnLst>
-                                    <p:set>
-                                      <p:cBhvr>
-                                        <p:cTn id="16" dur="1" fill="hold">
-                                          <p:stCondLst>
-                                            <p:cond delay="0"/>
-                                          </p:stCondLst>
-                                        </p:cTn>
-                                        <p:tgtEl>
-                                          <p:spTgt spid="3">
-                                            <p:txEl>
-                                              <p:pRg st="2" end="2"/>
-                                            </p:txEl>
-                                          </p:spTgt>
-                                        </p:tgtEl>
-                                        <p:attrNameLst>
-                                          <p:attrName>style.visibility</p:attrName>
-                                        </p:attrNameLst>
-                                      </p:cBhvr>
-                                      <p:to>
-                                        <p:strVal val="visible"/>
-                                      </p:to>
-                                    </p:set>
-                                    <p:animEffect transition="in" filter="wipe(left)">
-                                      <p:cBhvr>
-                                        <p:cTn id="17" dur="1000"/>
-                                        <p:tgtEl>
-                                          <p:spTgt spid="3">
-                                            <p:txEl>
-                                              <p:pRg st="2" end="2"/>
-                                            </p:txEl>
-                                          </p:spTgt>
-                                        </p:tgtEl>
-                                      </p:cBhvr>
-                                    </p:animEffect>
-                                  </p:childTnLst>
-                                </p:cTn>
-                              </p:par>
-                            </p:childTnLst>
-                          </p:cTn>
-                        </p:par>
-                      </p:childTnLst>
-                    </p:cTn>
-                  </p:par>
-                </p:childTnLst>
-              </p:cTn>
-              <p:prevCondLst>
-                <p:cond evt="onPrev" delay="0">
-                  <p:tgtEl>
-                    <p:sldTgt/>
-                  </p:tgtEl>
-                </p:cond>
-              </p:prevCondLst>
-              <p:nextCondLst>
-                <p:cond evt="onNext" delay="0">
-                  <p:tgtEl>
-                    <p:sldTgt/>
-                  </p:tgtEl>
-                </p:cond>
-              </p:nextCondLst>
-            </p:seq>
-          </p:childTnLst>
-        </p:cTn>
-      </p:par>
-    </p:tnLst>
-    <p:bldLst>
-      <p:bldP spid="3" grpId="1" uiExpand="1" build="p"/>
-    </p:bldLst>
-  </p:timing>
-</p:sld>
-</file>
-
-<file path=ppt/slides/slide4.xml><?xml version="1.0" encoding="utf-8"?>
-<p:sld xmlns:a="http://schemas.openxmlformats.org/drawingml/2006/main" xmlns:r="http://schemas.openxmlformats.org/officeDocument/2006/relationships" xmlns:p="http://schemas.openxmlformats.org/presentationml/2006/main">
-  <p:cSld>
-    <p:spTree>
-      <p:nvGrpSpPr>
-        <p:cNvPr id="1" name=""/>
-        <p:cNvGrpSpPr/>
-        <p:nvPr/>
-      </p:nvGrpSpPr>
-      <p:grpSpPr>
-        <a:xfrm>
-          <a:off x="0" y="0"/>
-          <a:ext cx="0" cy="0"/>
-          <a:chOff x="0" y="0"/>
-          <a:chExt cx="0" cy="0"/>
-        </a:xfrm>
-      </p:grpSpPr>
-      <p:sp>
-        <p:nvSpPr>
-          <p:cNvPr id="2" name="Inhaltsplatzhalter 1"/>
-          <p:cNvSpPr>
-            <a:spLocks noGrp="1"/>
-          </p:cNvSpPr>
-          <p:nvPr>
-            <p:ph idx="1"/>
-          </p:nvPr>
-        </p:nvSpPr>
-        <p:spPr/>
-        <p:txBody>
-          <a:bodyPr/>
-          <a:lstStyle/>
-          <a:p>
-            <a:r>
-              <a:rPr lang="de-DE" smtClean="0"/>
-              <a:t>Reduktion der "MoveEnvironment"</a:t>
-            </a:r>
-          </a:p>
-          <a:p>
-            <a:r>
-              <a:rPr lang="de-DE" smtClean="0"/>
-              <a:t>Vorher:</a:t>
-            </a:r>
-          </a:p>
-          <a:p>
-            <a:pPr lvl="1"/>
-            <a:r>
-              <a:rPr lang="de-DE" smtClean="0"/>
-              <a:t>90.000 Zustände * 9 Aktionen = 810.000 Q-Werte</a:t>
-            </a:r>
-          </a:p>
-          <a:p>
-            <a:r>
-              <a:rPr lang="de-DE" smtClean="0"/>
-              <a:t>Jetzt:</a:t>
-            </a:r>
-          </a:p>
-          <a:p>
-            <a:pPr lvl="1"/>
-            <a:r>
-              <a:rPr lang="de-DE" smtClean="0"/>
-              <a:t>1280 Zustände * 9 Aktionen = 11.520 Q-Werte</a:t>
-            </a:r>
-          </a:p>
-          <a:p>
-            <a:r>
-              <a:rPr lang="de-DE" smtClean="0"/>
-              <a:t>Reduktion um mehr als 98%</a:t>
-            </a:r>
-          </a:p>
-          <a:p>
-            <a:endParaRPr lang="de-DE" dirty="0" smtClean="0"/>
-          </a:p>
-        </p:txBody>
-      </p:sp>
-      <p:sp>
-        <p:nvSpPr>
-          <p:cNvPr id="3" name="Titel 2"/>
-          <p:cNvSpPr>
-            <a:spLocks noGrp="1"/>
-          </p:cNvSpPr>
-          <p:nvPr>
-            <p:ph type="title"/>
-          </p:nvPr>
-        </p:nvSpPr>
-        <p:spPr/>
-        <p:txBody>
-          <a:bodyPr/>
-          <a:lstStyle/>
-          <a:p>
-            <a:r>
-              <a:rPr lang="de-DE" smtClean="0"/>
-              <a:t>Team Oli&amp;Viktor: Umwelt</a:t>
-            </a:r>
-            <a:endParaRPr lang="de-DE" dirty="0"/>
-          </a:p>
-        </p:txBody>
-      </p:sp>
-      <p:sp>
-        <p:nvSpPr>
-          <p:cNvPr id="6" name="Datumsplatzhalter 5"/>
-          <p:cNvSpPr>
-            <a:spLocks noGrp="1"/>
-          </p:cNvSpPr>
-          <p:nvPr>
-            <p:ph type="dt" sz="half" idx="10"/>
-          </p:nvPr>
-        </p:nvSpPr>
-        <p:spPr/>
-        <p:txBody>
-          <a:bodyPr/>
-          <a:lstStyle/>
-          <a:p>
-            <a:fld id="{1096DAB6-03D4-449D-8C51-7E9D2EA100A8}" type="datetime1">
-              <a:rPr lang="de-DE" smtClean="0"/>
-              <a:t>08.06.2015</a:t>
-            </a:fld>
-            <a:endParaRPr lang="de-DE"/>
-          </a:p>
-        </p:txBody>
-      </p:sp>
-      <p:sp>
-        <p:nvSpPr>
-          <p:cNvPr id="7" name="Foliennummernplatzhalter 6"/>
-          <p:cNvSpPr>
-            <a:spLocks noGrp="1"/>
-          </p:cNvSpPr>
-          <p:nvPr>
-            <p:ph type="sldNum" sz="quarter" idx="12"/>
-          </p:nvPr>
-        </p:nvSpPr>
-        <p:spPr/>
-        <p:txBody>
-          <a:bodyPr/>
-          <a:lstStyle/>
-          <a:p>
-            <a:fld id="{B9DC6992-199D-4EB6-BFD7-444195B8EA7C}" type="slidenum">
-              <a:rPr lang="de-DE" smtClean="0"/>
-              <a:pPr/>
-              <a:t>4</a:t>
-            </a:fld>
-            <a:endParaRPr lang="de-DE"/>
-          </a:p>
-        </p:txBody>
-      </p:sp>
-    </p:spTree>
-  </p:cSld>
-  <p:clrMapOvr>
-    <a:masterClrMapping/>
-  </p:clrMapOvr>
-  <p:transition spd="med">
-    <p:pull dir="d"/>
+  <p:transition>
+    <p:fade/>
   </p:transition>
   <p:timing>
     <p:tnLst>
@@ -6506,7 +6566,7 @@
 </p:sld>
 </file>
 
-<file path=ppt/slides/slide5.xml><?xml version="1.0" encoding="utf-8"?>
+<file path=ppt/slides/slide11.xml><?xml version="1.0" encoding="utf-8"?>
 <p:sld xmlns:a="http://schemas.openxmlformats.org/drawingml/2006/main" xmlns:r="http://schemas.openxmlformats.org/officeDocument/2006/relationships" xmlns:p="http://schemas.openxmlformats.org/presentationml/2006/main">
   <p:cSld>
     <p:spTree>
@@ -6539,42 +6599,49 @@
           <a:lstStyle/>
           <a:p>
             <a:r>
-              <a:rPr lang="de-DE" smtClean="0"/>
-              <a:t>Reduktion der "AttackEnvironment"</a:t>
-            </a:r>
-          </a:p>
-          <a:p>
-            <a:r>
-              <a:rPr lang="de-DE" smtClean="0"/>
+              <a:rPr lang="de-DE" dirty="0" smtClean="0"/>
+              <a:t>Reduktion der "</a:t>
+            </a:r>
+            <a:r>
+              <a:rPr lang="de-DE" dirty="0" err="1" smtClean="0"/>
+              <a:t>AttackEnvironment</a:t>
+            </a:r>
+            <a:r>
+              <a:rPr lang="de-DE" dirty="0" smtClean="0"/>
+              <a:t>"</a:t>
+            </a:r>
+          </a:p>
+          <a:p>
+            <a:r>
+              <a:rPr lang="de-DE" dirty="0" smtClean="0"/>
               <a:t>Vorher:</a:t>
             </a:r>
           </a:p>
           <a:p>
             <a:pPr lvl="1"/>
             <a:r>
-              <a:rPr lang="de-DE" smtClean="0"/>
+              <a:rPr lang="de-DE" dirty="0" smtClean="0"/>
               <a:t>899 Zustände * 109 Aktionen = 97.991 Q-Werte</a:t>
             </a:r>
           </a:p>
           <a:p>
             <a:r>
-              <a:rPr lang="de-DE" smtClean="0"/>
+              <a:rPr lang="de-DE" dirty="0" smtClean="0"/>
               <a:t>Jetzt:</a:t>
             </a:r>
           </a:p>
           <a:p>
             <a:pPr lvl="1"/>
             <a:r>
-              <a:rPr lang="de-DE" smtClean="0"/>
+              <a:rPr lang="de-DE" dirty="0" smtClean="0"/>
               <a:t>120 Zustände * 63 Aktionen = 7.560 Q-Werte</a:t>
             </a:r>
           </a:p>
           <a:p>
             <a:r>
-              <a:rPr lang="de-DE" smtClean="0"/>
+              <a:rPr lang="de-DE" dirty="0" smtClean="0"/>
               <a:t>Reduktion um mehr als 92%</a:t>
             </a:r>
-            <a:endParaRPr lang="de-DE" dirty="0" smtClean="0"/>
           </a:p>
         </p:txBody>
       </p:sp>
@@ -6616,7 +6683,7 @@
           <a:bodyPr/>
           <a:lstStyle/>
           <a:p>
-            <a:fld id="{694A97AB-D9FC-475A-9124-D5FD15468E3F}" type="datetime1">
+            <a:fld id="{8FDC641A-4FED-4495-8D10-FDE3EE7551A2}" type="datetime1">
               <a:rPr lang="de-DE" smtClean="0"/>
               <a:t>08.06.2015</a:t>
             </a:fld>
@@ -6642,7 +6709,7 @@
             <a:fld id="{B9DC6992-199D-4EB6-BFD7-444195B8EA7C}" type="slidenum">
               <a:rPr lang="de-DE" smtClean="0"/>
               <a:pPr/>
-              <a:t>5</a:t>
+              <a:t>11</a:t>
             </a:fld>
             <a:endParaRPr lang="de-DE"/>
           </a:p>
@@ -6653,8 +6720,8 @@
   <p:clrMapOvr>
     <a:masterClrMapping/>
   </p:clrMapOvr>
-  <p:transition spd="med">
-    <p:pull dir="d"/>
+  <p:transition>
+    <p:fade/>
   </p:transition>
   <p:timing>
     <p:tnLst>
@@ -7040,7 +7107,7 @@
 </p:sld>
 </file>
 
-<file path=ppt/slides/slide6.xml><?xml version="1.0" encoding="utf-8"?>
+<file path=ppt/slides/slide12.xml><?xml version="1.0" encoding="utf-8"?>
 <p:sld xmlns:a="http://schemas.openxmlformats.org/drawingml/2006/main" xmlns:r="http://schemas.openxmlformats.org/officeDocument/2006/relationships" xmlns:p="http://schemas.openxmlformats.org/presentationml/2006/main">
   <p:cSld>
     <p:spTree>
@@ -7080,7 +7147,15 @@
           <a:p>
             <a:r>
               <a:rPr lang="de-DE" dirty="0" smtClean="0"/>
-              <a:t>Richtiger SRASA-Lambda Algorithmus:</a:t>
+              <a:t>Richtiger </a:t>
+            </a:r>
+            <a:r>
+              <a:rPr lang="de-DE" dirty="0" smtClean="0"/>
+              <a:t>SARSA-Lambda </a:t>
+            </a:r>
+            <a:r>
+              <a:rPr lang="de-DE" dirty="0" smtClean="0"/>
+              <a:t>Algorithmus:</a:t>
             </a:r>
           </a:p>
           <a:p>
@@ -7166,7 +7241,7 @@
           <a:bodyPr/>
           <a:lstStyle/>
           <a:p>
-            <a:fld id="{E900CA27-B4E1-4B16-A65A-F3CB6506FB98}" type="datetime1">
+            <a:fld id="{0F320677-313E-4F5B-8226-35FDD51504B0}" type="datetime1">
               <a:rPr lang="de-DE" smtClean="0"/>
               <a:t>08.06.2015</a:t>
             </a:fld>
@@ -7192,7 +7267,7 @@
             <a:fld id="{B9DC6992-199D-4EB6-BFD7-444195B8EA7C}" type="slidenum">
               <a:rPr lang="de-DE" smtClean="0"/>
               <a:pPr/>
-              <a:t>6</a:t>
+              <a:t>12</a:t>
             </a:fld>
             <a:endParaRPr lang="de-DE"/>
           </a:p>
@@ -7203,8 +7278,8 @@
   <p:clrMapOvr>
     <a:masterClrMapping/>
   </p:clrMapOvr>
-  <p:transition spd="med">
-    <p:pull dir="d"/>
+  <p:transition>
+    <p:fade/>
   </p:transition>
   <p:timing>
     <p:tnLst>
@@ -7538,7 +7613,7 @@
 </p:sld>
 </file>
 
-<file path=ppt/slides/slide7.xml><?xml version="1.0" encoding="utf-8"?>
+<file path=ppt/slides/slide13.xml><?xml version="1.0" encoding="utf-8"?>
 <p:sld xmlns:a="http://schemas.openxmlformats.org/drawingml/2006/main" xmlns:r="http://schemas.openxmlformats.org/officeDocument/2006/relationships" xmlns:p="http://schemas.openxmlformats.org/presentationml/2006/main">
   <p:cSld>
     <p:spTree>
@@ -7648,11 +7723,7 @@
             </a:r>
             <a:r>
               <a:rPr lang="de-DE" dirty="0" smtClean="0"/>
-              <a:t>: </a:t>
-            </a:r>
-            <a:r>
-              <a:rPr lang="de-DE" dirty="0" smtClean="0"/>
-              <a:t>Lernen</a:t>
+              <a:t>: Lernen</a:t>
             </a:r>
             <a:endParaRPr lang="de-DE" dirty="0"/>
           </a:p>
@@ -7673,7 +7744,7 @@
           <a:bodyPr/>
           <a:lstStyle/>
           <a:p>
-            <a:fld id="{8BF8E8C3-6753-44C1-8C3E-561E46A2A143}" type="datetime1">
+            <a:fld id="{39F4B088-B3E2-4015-A4FE-0E9D32190ABF}" type="datetime1">
               <a:rPr lang="de-DE" smtClean="0"/>
               <a:t>08.06.2015</a:t>
             </a:fld>
@@ -7699,7 +7770,7 @@
             <a:fld id="{B9DC6992-199D-4EB6-BFD7-444195B8EA7C}" type="slidenum">
               <a:rPr lang="de-DE" smtClean="0"/>
               <a:pPr/>
-              <a:t>7</a:t>
+              <a:t>13</a:t>
             </a:fld>
             <a:endParaRPr lang="de-DE"/>
           </a:p>
@@ -7710,8 +7781,8 @@
   <p:clrMapOvr>
     <a:masterClrMapping/>
   </p:clrMapOvr>
-  <p:transition spd="med">
-    <p:pull dir="d"/>
+  <p:transition>
+    <p:fade/>
   </p:transition>
   <p:timing>
     <p:tnLst>
@@ -7979,6 +8050,1948 @@
     </p:tnLst>
     <p:bldLst>
       <p:bldP spid="2" grpId="0" uiExpand="1" build="p"/>
+    </p:bldLst>
+  </p:timing>
+</p:sld>
+</file>
+
+<file path=ppt/slides/slide2.xml><?xml version="1.0" encoding="utf-8"?>
+<p:sld xmlns:a="http://schemas.openxmlformats.org/drawingml/2006/main" xmlns:r="http://schemas.openxmlformats.org/officeDocument/2006/relationships" xmlns:p="http://schemas.openxmlformats.org/presentationml/2006/main">
+  <p:cSld>
+    <p:spTree>
+      <p:nvGrpSpPr>
+        <p:cNvPr id="1" name=""/>
+        <p:cNvGrpSpPr/>
+        <p:nvPr/>
+      </p:nvGrpSpPr>
+      <p:grpSpPr>
+        <a:xfrm>
+          <a:off x="0" y="0"/>
+          <a:ext cx="0" cy="0"/>
+          <a:chOff x="0" y="0"/>
+          <a:chExt cx="0" cy="0"/>
+        </a:xfrm>
+      </p:grpSpPr>
+      <p:sp>
+        <p:nvSpPr>
+          <p:cNvPr id="3" name="Inhaltsplatzhalter 2"/>
+          <p:cNvSpPr>
+            <a:spLocks noGrp="1"/>
+          </p:cNvSpPr>
+          <p:nvPr>
+            <p:ph idx="1"/>
+          </p:nvPr>
+        </p:nvSpPr>
+        <p:spPr/>
+        <p:txBody>
+          <a:bodyPr/>
+          <a:lstStyle/>
+          <a:p>
+            <a:pPr>
+              <a:lnSpc>
+                <a:spcPct val="150000"/>
+              </a:lnSpc>
+            </a:pPr>
+            <a:r>
+              <a:rPr lang="de-DE" dirty="0" smtClean="0"/>
+              <a:t>Reinforcement Learning</a:t>
+            </a:r>
+          </a:p>
+          <a:p>
+            <a:pPr>
+              <a:lnSpc>
+                <a:spcPct val="150000"/>
+              </a:lnSpc>
+            </a:pPr>
+            <a:r>
+              <a:rPr lang="de-DE" dirty="0" smtClean="0"/>
+              <a:t>SARSA-Lambda</a:t>
+            </a:r>
+          </a:p>
+          <a:p>
+            <a:pPr>
+              <a:lnSpc>
+                <a:spcPct val="150000"/>
+              </a:lnSpc>
+            </a:pPr>
+            <a:r>
+              <a:rPr lang="de-DE" dirty="0" smtClean="0"/>
+              <a:t>Unterschied: 2 Agenten vs. 1 Agent</a:t>
+            </a:r>
+          </a:p>
+        </p:txBody>
+      </p:sp>
+      <p:sp>
+        <p:nvSpPr>
+          <p:cNvPr id="6" name="Datumsplatzhalter 5"/>
+          <p:cNvSpPr>
+            <a:spLocks noGrp="1"/>
+          </p:cNvSpPr>
+          <p:nvPr>
+            <p:ph type="dt" sz="half" idx="10"/>
+          </p:nvPr>
+        </p:nvSpPr>
+        <p:spPr/>
+        <p:txBody>
+          <a:bodyPr/>
+          <a:lstStyle/>
+          <a:p>
+            <a:fld id="{0CD45BD8-A2A4-4F6F-92BA-4012D1468E09}" type="datetime1">
+              <a:rPr lang="de-DE" smtClean="0"/>
+              <a:t>08.06.2015</a:t>
+            </a:fld>
+            <a:endParaRPr lang="de-DE"/>
+          </a:p>
+        </p:txBody>
+      </p:sp>
+      <p:sp>
+        <p:nvSpPr>
+          <p:cNvPr id="7" name="Foliennummernplatzhalter 6"/>
+          <p:cNvSpPr>
+            <a:spLocks noGrp="1"/>
+          </p:cNvSpPr>
+          <p:nvPr>
+            <p:ph type="sldNum" sz="quarter" idx="12"/>
+          </p:nvPr>
+        </p:nvSpPr>
+        <p:spPr/>
+        <p:txBody>
+          <a:bodyPr/>
+          <a:lstStyle/>
+          <a:p>
+            <a:fld id="{B9DC6992-199D-4EB6-BFD7-444195B8EA7C}" type="slidenum">
+              <a:rPr lang="de-DE" smtClean="0"/>
+              <a:pPr/>
+              <a:t>2</a:t>
+            </a:fld>
+            <a:endParaRPr lang="de-DE"/>
+          </a:p>
+        </p:txBody>
+      </p:sp>
+      <p:sp>
+        <p:nvSpPr>
+          <p:cNvPr id="2" name="Titel 1"/>
+          <p:cNvSpPr>
+            <a:spLocks noGrp="1"/>
+          </p:cNvSpPr>
+          <p:nvPr>
+            <p:ph type="title"/>
+          </p:nvPr>
+        </p:nvSpPr>
+        <p:spPr/>
+        <p:txBody>
+          <a:bodyPr>
+            <a:normAutofit/>
+          </a:bodyPr>
+          <a:lstStyle/>
+          <a:p>
+            <a:r>
+              <a:rPr lang="de-DE" dirty="0" smtClean="0"/>
+              <a:t>Projekt LARC</a:t>
+            </a:r>
+            <a:endParaRPr lang="de-DE" dirty="0"/>
+          </a:p>
+        </p:txBody>
+      </p:sp>
+    </p:spTree>
+  </p:cSld>
+  <p:clrMapOvr>
+    <a:masterClrMapping/>
+  </p:clrMapOvr>
+  <p:transition>
+    <p:fade/>
+  </p:transition>
+  <p:timing>
+    <p:tnLst>
+      <p:par>
+        <p:cTn id="1" dur="indefinite" restart="never" nodeType="tmRoot"/>
+      </p:par>
+    </p:tnLst>
+  </p:timing>
+</p:sld>
+</file>
+
+<file path=ppt/slides/slide3.xml><?xml version="1.0" encoding="utf-8"?>
+<p:sld xmlns:a="http://schemas.openxmlformats.org/drawingml/2006/main" xmlns:r="http://schemas.openxmlformats.org/officeDocument/2006/relationships" xmlns:p="http://schemas.openxmlformats.org/presentationml/2006/main">
+  <p:cSld>
+    <p:spTree>
+      <p:nvGrpSpPr>
+        <p:cNvPr id="1" name=""/>
+        <p:cNvGrpSpPr/>
+        <p:nvPr/>
+      </p:nvGrpSpPr>
+      <p:grpSpPr>
+        <a:xfrm>
+          <a:off x="0" y="0"/>
+          <a:ext cx="0" cy="0"/>
+          <a:chOff x="0" y="0"/>
+          <a:chExt cx="0" cy="0"/>
+        </a:xfrm>
+      </p:grpSpPr>
+      <p:sp>
+        <p:nvSpPr>
+          <p:cNvPr id="3" name="Inhaltsplatzhalter 2"/>
+          <p:cNvSpPr>
+            <a:spLocks noGrp="1"/>
+          </p:cNvSpPr>
+          <p:nvPr>
+            <p:ph idx="1"/>
+          </p:nvPr>
+        </p:nvSpPr>
+        <p:spPr/>
+        <p:txBody>
+          <a:bodyPr/>
+          <a:lstStyle/>
+          <a:p>
+            <a:r>
+              <a:rPr lang="de-DE" dirty="0" smtClean="0"/>
+              <a:t>Gleiches Lernergebnis in kürzerer Zeit</a:t>
+            </a:r>
+          </a:p>
+          <a:p>
+            <a:r>
+              <a:rPr lang="de-DE" dirty="0" smtClean="0"/>
+              <a:t>Implementierungs-Schwierigkeiten</a:t>
+            </a:r>
+          </a:p>
+          <a:p>
+            <a:endParaRPr lang="de-DE" dirty="0"/>
+          </a:p>
+        </p:txBody>
+      </p:sp>
+      <p:sp>
+        <p:nvSpPr>
+          <p:cNvPr id="2" name="Titel 1"/>
+          <p:cNvSpPr>
+            <a:spLocks noGrp="1"/>
+          </p:cNvSpPr>
+          <p:nvPr>
+            <p:ph type="title"/>
+          </p:nvPr>
+        </p:nvSpPr>
+        <p:spPr/>
+        <p:txBody>
+          <a:bodyPr>
+            <a:normAutofit/>
+          </a:bodyPr>
+          <a:lstStyle/>
+          <a:p>
+            <a:r>
+              <a:rPr lang="de-DE" dirty="0" smtClean="0"/>
+              <a:t>Lernalgorithmus – </a:t>
+            </a:r>
+            <a:r>
+              <a:rPr lang="de-DE" dirty="0" smtClean="0"/>
+              <a:t>SARSA(</a:t>
+            </a:r>
+            <a:r>
+              <a:rPr lang="el-GR" dirty="0" smtClean="0"/>
+              <a:t>λ</a:t>
+            </a:r>
+            <a:r>
+              <a:rPr lang="de-DE" dirty="0" smtClean="0"/>
+              <a:t>)</a:t>
+            </a:r>
+            <a:endParaRPr lang="de-DE" dirty="0"/>
+          </a:p>
+        </p:txBody>
+      </p:sp>
+      <p:pic>
+        <p:nvPicPr>
+          <p:cNvPr id="4" name="Grafik 3"/>
+          <p:cNvPicPr>
+            <a:picLocks noChangeAspect="1"/>
+          </p:cNvPicPr>
+          <p:nvPr/>
+        </p:nvPicPr>
+        <p:blipFill>
+          <a:blip r:embed="rId2" cstate="print"/>
+          <a:stretch>
+            <a:fillRect/>
+          </a:stretch>
+        </p:blipFill>
+        <p:spPr>
+          <a:xfrm>
+            <a:off x="2851805" y="4509120"/>
+            <a:ext cx="6048375" cy="1866900"/>
+          </a:xfrm>
+          <a:prstGeom prst="rect">
+            <a:avLst/>
+          </a:prstGeom>
+        </p:spPr>
+      </p:pic>
+      <p:pic>
+        <p:nvPicPr>
+          <p:cNvPr id="5" name="Grafik 4"/>
+          <p:cNvPicPr>
+            <a:picLocks noChangeAspect="1"/>
+          </p:cNvPicPr>
+          <p:nvPr/>
+        </p:nvPicPr>
+        <p:blipFill>
+          <a:blip r:embed="rId3" cstate="print"/>
+          <a:stretch>
+            <a:fillRect/>
+          </a:stretch>
+        </p:blipFill>
+        <p:spPr>
+          <a:xfrm>
+            <a:off x="4907287" y="2365846"/>
+            <a:ext cx="3992893" cy="1497335"/>
+          </a:xfrm>
+          <a:prstGeom prst="rect">
+            <a:avLst/>
+          </a:prstGeom>
+        </p:spPr>
+      </p:pic>
+      <p:sp>
+        <p:nvSpPr>
+          <p:cNvPr id="6" name="Datumsplatzhalter 5"/>
+          <p:cNvSpPr>
+            <a:spLocks noGrp="1"/>
+          </p:cNvSpPr>
+          <p:nvPr>
+            <p:ph type="dt" sz="half" idx="10"/>
+          </p:nvPr>
+        </p:nvSpPr>
+        <p:spPr/>
+        <p:txBody>
+          <a:bodyPr/>
+          <a:lstStyle/>
+          <a:p>
+            <a:fld id="{93778FB7-8BD3-451D-8EFB-ADDC69472F55}" type="datetime1">
+              <a:rPr lang="de-DE" smtClean="0"/>
+              <a:t>08.06.2015</a:t>
+            </a:fld>
+            <a:endParaRPr lang="de-DE"/>
+          </a:p>
+        </p:txBody>
+      </p:sp>
+      <p:sp>
+        <p:nvSpPr>
+          <p:cNvPr id="7" name="Foliennummernplatzhalter 6"/>
+          <p:cNvSpPr>
+            <a:spLocks noGrp="1"/>
+          </p:cNvSpPr>
+          <p:nvPr>
+            <p:ph type="sldNum" sz="quarter" idx="12"/>
+          </p:nvPr>
+        </p:nvSpPr>
+        <p:spPr/>
+        <p:txBody>
+          <a:bodyPr/>
+          <a:lstStyle/>
+          <a:p>
+            <a:fld id="{B9DC6992-199D-4EB6-BFD7-444195B8EA7C}" type="slidenum">
+              <a:rPr lang="de-DE" smtClean="0"/>
+              <a:pPr/>
+              <a:t>3</a:t>
+            </a:fld>
+            <a:endParaRPr lang="de-DE"/>
+          </a:p>
+        </p:txBody>
+      </p:sp>
+    </p:spTree>
+    <p:extLst>
+      <p:ext uri="{BB962C8B-B14F-4D97-AF65-F5344CB8AC3E}">
+        <p14:creationId xmlns:p14="http://schemas.microsoft.com/office/powerpoint/2010/main" xmlns="" val="2766587155"/>
+      </p:ext>
+    </p:extLst>
+  </p:cSld>
+  <p:clrMapOvr>
+    <a:masterClrMapping/>
+  </p:clrMapOvr>
+  <p:transition>
+    <p:fade/>
+  </p:transition>
+  <p:timing>
+    <p:tnLst>
+      <p:par>
+        <p:cTn id="1" dur="indefinite" restart="never" nodeType="tmRoot"/>
+      </p:par>
+    </p:tnLst>
+  </p:timing>
+</p:sld>
+</file>
+
+<file path=ppt/slides/slide4.xml><?xml version="1.0" encoding="utf-8"?>
+<p:sld xmlns:a="http://schemas.openxmlformats.org/drawingml/2006/main" xmlns:r="http://schemas.openxmlformats.org/officeDocument/2006/relationships" xmlns:p="http://schemas.openxmlformats.org/presentationml/2006/main">
+  <p:cSld>
+    <p:spTree>
+      <p:nvGrpSpPr>
+        <p:cNvPr id="1" name=""/>
+        <p:cNvGrpSpPr/>
+        <p:nvPr/>
+      </p:nvGrpSpPr>
+      <p:grpSpPr>
+        <a:xfrm>
+          <a:off x="0" y="0"/>
+          <a:ext cx="0" cy="0"/>
+          <a:chOff x="0" y="0"/>
+          <a:chExt cx="0" cy="0"/>
+        </a:xfrm>
+      </p:grpSpPr>
+      <p:sp>
+        <p:nvSpPr>
+          <p:cNvPr id="6" name="Gewitterblitz 5"/>
+          <p:cNvSpPr/>
+          <p:nvPr/>
+        </p:nvSpPr>
+        <p:spPr>
+          <a:xfrm>
+            <a:off x="1907704" y="116632"/>
+            <a:ext cx="4176464" cy="5832648"/>
+          </a:xfrm>
+          <a:prstGeom prst="lightningBolt">
+            <a:avLst/>
+          </a:prstGeom>
+          <a:solidFill>
+            <a:srgbClr val="FFFF00"/>
+          </a:solidFill>
+          <a:ln>
+            <a:noFill/>
+          </a:ln>
+        </p:spPr>
+        <p:style>
+          <a:lnRef idx="2">
+            <a:schemeClr val="accent1">
+              <a:shade val="50000"/>
+            </a:schemeClr>
+          </a:lnRef>
+          <a:fillRef idx="1">
+            <a:schemeClr val="accent1"/>
+          </a:fillRef>
+          <a:effectRef idx="0">
+            <a:schemeClr val="accent1"/>
+          </a:effectRef>
+          <a:fontRef idx="minor">
+            <a:schemeClr val="lt1"/>
+          </a:fontRef>
+        </p:style>
+        <p:txBody>
+          <a:bodyPr rtlCol="0" anchor="ctr"/>
+          <a:lstStyle/>
+          <a:p>
+            <a:pPr algn="ctr"/>
+            <a:endParaRPr lang="de-DE"/>
+          </a:p>
+        </p:txBody>
+      </p:sp>
+      <p:sp>
+        <p:nvSpPr>
+          <p:cNvPr id="3" name="Content Placeholder 2"/>
+          <p:cNvSpPr>
+            <a:spLocks noGrp="1"/>
+          </p:cNvSpPr>
+          <p:nvPr>
+            <p:ph idx="1"/>
+          </p:nvPr>
+        </p:nvSpPr>
+        <p:spPr/>
+        <p:txBody>
+          <a:bodyPr>
+            <a:normAutofit fontScale="92500" lnSpcReduction="20000"/>
+          </a:bodyPr>
+          <a:lstStyle/>
+          <a:p>
+            <a:pPr marL="358775" indent="-358775">
+              <a:buFont typeface="+mj-lt"/>
+              <a:buAutoNum type="arabicPeriod"/>
+            </a:pPr>
+            <a:r>
+              <a:rPr lang="de-DE" dirty="0" smtClean="0"/>
+              <a:t>Abstraktion: Position</a:t>
+            </a:r>
+          </a:p>
+          <a:p>
+            <a:pPr marL="971550" lvl="1" indent="-514350"/>
+            <a:r>
+              <a:rPr lang="de-DE" dirty="0" smtClean="0"/>
+              <a:t>Ungefähre Positionen reichen</a:t>
+            </a:r>
+          </a:p>
+          <a:p>
+            <a:pPr marL="971550" lvl="1" indent="-514350"/>
+            <a:r>
+              <a:rPr lang="de-DE" dirty="0" smtClean="0"/>
+              <a:t>Spielfeld Unterteilung in </a:t>
+            </a:r>
+            <a:r>
+              <a:rPr lang="de-DE" u="sng" dirty="0" smtClean="0"/>
+              <a:t>panzergroße Felder</a:t>
+            </a:r>
+          </a:p>
+          <a:p>
+            <a:pPr marL="358775" indent="-358775">
+              <a:buFont typeface="+mj-lt"/>
+              <a:buAutoNum type="arabicPeriod"/>
+            </a:pPr>
+            <a:r>
+              <a:rPr lang="de-DE" dirty="0" smtClean="0"/>
+              <a:t>Abstraktion: Energiehaushalt</a:t>
+            </a:r>
+          </a:p>
+          <a:p>
+            <a:pPr marL="971550" lvl="1" indent="-514350"/>
+            <a:r>
+              <a:rPr lang="de-DE" dirty="0" smtClean="0"/>
+              <a:t>Maximale Nutzung des intrinsischen Feedbacks</a:t>
+            </a:r>
+          </a:p>
+          <a:p>
+            <a:pPr marL="971550" lvl="1" indent="-514350"/>
+            <a:r>
+              <a:rPr lang="de-DE" dirty="0" smtClean="0"/>
+              <a:t>Zentrales Verhältnis: </a:t>
+            </a:r>
+            <a:r>
+              <a:rPr lang="de-DE" u="sng" dirty="0" smtClean="0"/>
+              <a:t>Unsere Energie / Gegner Energie</a:t>
+            </a:r>
+          </a:p>
+          <a:p>
+            <a:pPr marL="971550" lvl="1" indent="-514350"/>
+            <a:r>
+              <a:rPr lang="de-DE" dirty="0" smtClean="0"/>
+              <a:t>Potenziell indirekt enthaltene Informationen? </a:t>
+            </a:r>
+          </a:p>
+          <a:p>
+            <a:pPr marL="358775" indent="-358775">
+              <a:buFont typeface="+mj-lt"/>
+              <a:buAutoNum type="arabicPeriod"/>
+            </a:pPr>
+            <a:r>
+              <a:rPr lang="de-DE" dirty="0" smtClean="0"/>
+              <a:t>Abstraktion</a:t>
+            </a:r>
+            <a:r>
+              <a:rPr lang="de-DE" dirty="0" smtClean="0"/>
+              <a:t>: Zielen</a:t>
+            </a:r>
+          </a:p>
+          <a:p>
+            <a:pPr marL="971550" lvl="1" indent="-514350"/>
+            <a:r>
+              <a:rPr lang="de-DE" dirty="0" smtClean="0"/>
+              <a:t>Richtung der </a:t>
+            </a:r>
+            <a:r>
+              <a:rPr lang="de-DE" dirty="0" err="1" smtClean="0"/>
+              <a:t>Gun</a:t>
+            </a:r>
+            <a:r>
+              <a:rPr lang="de-DE" dirty="0" smtClean="0"/>
+              <a:t> (in 10° Schritten)</a:t>
+            </a:r>
+          </a:p>
+        </p:txBody>
+      </p:sp>
+      <p:sp>
+        <p:nvSpPr>
+          <p:cNvPr id="2" name="Title 1"/>
+          <p:cNvSpPr>
+            <a:spLocks noGrp="1"/>
+          </p:cNvSpPr>
+          <p:nvPr>
+            <p:ph type="title"/>
+          </p:nvPr>
+        </p:nvSpPr>
+        <p:spPr/>
+        <p:txBody>
+          <a:bodyPr>
+            <a:normAutofit fontScale="90000"/>
+          </a:bodyPr>
+          <a:lstStyle/>
+          <a:p>
+            <a:r>
+              <a:rPr lang="de-DE" dirty="0" smtClean="0"/>
+              <a:t>Alte Zustandsraum-Modellierung</a:t>
+            </a:r>
+            <a:endParaRPr lang="de-DE" dirty="0"/>
+          </a:p>
+        </p:txBody>
+      </p:sp>
+      <p:sp>
+        <p:nvSpPr>
+          <p:cNvPr id="5" name="Rounded Rectangle 3"/>
+          <p:cNvSpPr/>
+          <p:nvPr/>
+        </p:nvSpPr>
+        <p:spPr>
+          <a:xfrm>
+            <a:off x="6084168" y="5013176"/>
+            <a:ext cx="2603801" cy="1224136"/>
+          </a:xfrm>
+          <a:prstGeom prst="roundRect">
+            <a:avLst/>
+          </a:prstGeom>
+          <a:solidFill>
+            <a:srgbClr val="FF0000"/>
+          </a:solidFill>
+          <a:ln>
+            <a:noFill/>
+          </a:ln>
+        </p:spPr>
+        <p:style>
+          <a:lnRef idx="2">
+            <a:schemeClr val="accent1">
+              <a:shade val="50000"/>
+            </a:schemeClr>
+          </a:lnRef>
+          <a:fillRef idx="1">
+            <a:schemeClr val="accent1"/>
+          </a:fillRef>
+          <a:effectRef idx="0">
+            <a:schemeClr val="accent1"/>
+          </a:effectRef>
+          <a:fontRef idx="minor">
+            <a:schemeClr val="lt1"/>
+          </a:fontRef>
+        </p:style>
+        <p:txBody>
+          <a:bodyPr rtlCol="0" anchor="ctr"/>
+          <a:lstStyle/>
+          <a:p>
+            <a:pPr algn="ctr"/>
+            <a:r>
+              <a:rPr lang="de-DE" sz="2400" b="1" dirty="0" smtClean="0"/>
+              <a:t>9,72 Millionen Zustände</a:t>
+            </a:r>
+            <a:endParaRPr lang="de-DE" sz="2400" b="1" dirty="0"/>
+          </a:p>
+        </p:txBody>
+      </p:sp>
+      <p:sp>
+        <p:nvSpPr>
+          <p:cNvPr id="7" name="Datumsplatzhalter 6"/>
+          <p:cNvSpPr>
+            <a:spLocks noGrp="1"/>
+          </p:cNvSpPr>
+          <p:nvPr>
+            <p:ph type="dt" sz="half" idx="10"/>
+          </p:nvPr>
+        </p:nvSpPr>
+        <p:spPr/>
+        <p:txBody>
+          <a:bodyPr/>
+          <a:lstStyle/>
+          <a:p>
+            <a:fld id="{F1B0E9FB-513B-47F0-9926-29CA378BFD36}" type="datetime1">
+              <a:rPr lang="de-DE" smtClean="0"/>
+              <a:t>08.06.2015</a:t>
+            </a:fld>
+            <a:endParaRPr lang="de-DE"/>
+          </a:p>
+        </p:txBody>
+      </p:sp>
+      <p:sp>
+        <p:nvSpPr>
+          <p:cNvPr id="8" name="Foliennummernplatzhalter 7"/>
+          <p:cNvSpPr>
+            <a:spLocks noGrp="1"/>
+          </p:cNvSpPr>
+          <p:nvPr>
+            <p:ph type="sldNum" sz="quarter" idx="12"/>
+          </p:nvPr>
+        </p:nvSpPr>
+        <p:spPr/>
+        <p:txBody>
+          <a:bodyPr/>
+          <a:lstStyle/>
+          <a:p>
+            <a:fld id="{B9DC6992-199D-4EB6-BFD7-444195B8EA7C}" type="slidenum">
+              <a:rPr lang="de-DE" smtClean="0"/>
+              <a:pPr/>
+              <a:t>4</a:t>
+            </a:fld>
+            <a:endParaRPr lang="de-DE"/>
+          </a:p>
+        </p:txBody>
+      </p:sp>
+    </p:spTree>
+  </p:cSld>
+  <p:clrMapOvr>
+    <a:masterClrMapping/>
+  </p:clrMapOvr>
+  <p:transition>
+    <p:fade/>
+  </p:transition>
+  <p:timing>
+    <p:tnLst>
+      <p:par>
+        <p:cTn id="1" dur="indefinite" restart="never" nodeType="tmRoot"/>
+      </p:par>
+    </p:tnLst>
+  </p:timing>
+</p:sld>
+</file>
+
+<file path=ppt/slides/slide5.xml><?xml version="1.0" encoding="utf-8"?>
+<p:sld xmlns:a="http://schemas.openxmlformats.org/drawingml/2006/main" xmlns:r="http://schemas.openxmlformats.org/officeDocument/2006/relationships" xmlns:p="http://schemas.openxmlformats.org/presentationml/2006/main">
+  <p:cSld>
+    <p:spTree>
+      <p:nvGrpSpPr>
+        <p:cNvPr id="1" name=""/>
+        <p:cNvGrpSpPr/>
+        <p:nvPr/>
+      </p:nvGrpSpPr>
+      <p:grpSpPr>
+        <a:xfrm>
+          <a:off x="0" y="0"/>
+          <a:ext cx="0" cy="0"/>
+          <a:chOff x="0" y="0"/>
+          <a:chExt cx="0" cy="0"/>
+        </a:xfrm>
+      </p:grpSpPr>
+      <p:sp>
+        <p:nvSpPr>
+          <p:cNvPr id="3" name="Content Placeholder 2"/>
+          <p:cNvSpPr>
+            <a:spLocks noGrp="1"/>
+          </p:cNvSpPr>
+          <p:nvPr>
+            <p:ph idx="1"/>
+          </p:nvPr>
+        </p:nvSpPr>
+        <p:spPr/>
+        <p:txBody>
+          <a:bodyPr>
+            <a:normAutofit lnSpcReduction="10000"/>
+          </a:bodyPr>
+          <a:lstStyle/>
+          <a:p>
+            <a:r>
+              <a:rPr lang="de-DE" dirty="0" smtClean="0"/>
+              <a:t>Reduktion des Zustandsraumes</a:t>
+            </a:r>
+          </a:p>
+          <a:p>
+            <a:pPr lvl="1"/>
+            <a:r>
+              <a:rPr lang="de-DE" dirty="0" smtClean="0"/>
+              <a:t>Spielfeld in nur 5 kritische Zonen aufgeteilt</a:t>
+            </a:r>
+          </a:p>
+          <a:p>
+            <a:pPr lvl="1"/>
+            <a:r>
+              <a:rPr lang="de-DE" dirty="0" smtClean="0"/>
+              <a:t>2x 8 </a:t>
+            </a:r>
+            <a:r>
+              <a:rPr lang="de-DE" dirty="0" smtClean="0"/>
+              <a:t>Himmelsrichtungen </a:t>
+            </a:r>
+          </a:p>
+          <a:p>
+            <a:pPr lvl="1"/>
+            <a:r>
+              <a:rPr lang="de-DE" dirty="0" smtClean="0"/>
+              <a:t>3 </a:t>
+            </a:r>
+            <a:r>
+              <a:rPr lang="de-DE" dirty="0" smtClean="0"/>
+              <a:t>Distanz-Zonen zum Gegner</a:t>
+            </a:r>
+          </a:p>
+          <a:p>
+            <a:r>
+              <a:rPr lang="de-DE" dirty="0" smtClean="0"/>
+              <a:t>Reduktion der Aktionen</a:t>
+            </a:r>
+          </a:p>
+          <a:p>
+            <a:pPr lvl="1"/>
+            <a:r>
+              <a:rPr lang="de-DE" dirty="0" smtClean="0"/>
+              <a:t>Feuern / nicht Feuern</a:t>
+            </a:r>
+          </a:p>
+          <a:p>
+            <a:pPr lvl="1"/>
+            <a:r>
+              <a:rPr lang="de-DE" dirty="0" smtClean="0"/>
+              <a:t>8 Himmelsrichtungen anfahren + stehen</a:t>
+            </a:r>
+          </a:p>
+          <a:p>
+            <a:pPr lvl="1"/>
+            <a:r>
+              <a:rPr lang="de-DE" dirty="0" smtClean="0"/>
+              <a:t>5 </a:t>
+            </a:r>
+            <a:r>
+              <a:rPr lang="de-DE" dirty="0" err="1" smtClean="0"/>
+              <a:t>Gun</a:t>
+            </a:r>
+            <a:r>
+              <a:rPr lang="de-DE" dirty="0" smtClean="0"/>
+              <a:t> Offset Positionen</a:t>
+            </a:r>
+            <a:endParaRPr lang="de-DE" dirty="0"/>
+          </a:p>
+          <a:p>
+            <a:pPr lvl="1"/>
+            <a:endParaRPr lang="de-DE" dirty="0" smtClean="0"/>
+          </a:p>
+          <a:p>
+            <a:endParaRPr lang="de-DE" dirty="0" smtClean="0"/>
+          </a:p>
+        </p:txBody>
+      </p:sp>
+      <p:sp>
+        <p:nvSpPr>
+          <p:cNvPr id="2" name="Title 1"/>
+          <p:cNvSpPr>
+            <a:spLocks noGrp="1"/>
+          </p:cNvSpPr>
+          <p:nvPr>
+            <p:ph type="title"/>
+          </p:nvPr>
+        </p:nvSpPr>
+        <p:spPr/>
+        <p:txBody>
+          <a:bodyPr/>
+          <a:lstStyle/>
+          <a:p>
+            <a:r>
+              <a:rPr lang="de-DE" dirty="0" smtClean="0"/>
+              <a:t>Implementierte Änderungen</a:t>
+            </a:r>
+            <a:endParaRPr lang="de-DE" dirty="0"/>
+          </a:p>
+        </p:txBody>
+      </p:sp>
+      <p:sp>
+        <p:nvSpPr>
+          <p:cNvPr id="5" name="Rounded Rectangle 3"/>
+          <p:cNvSpPr/>
+          <p:nvPr/>
+        </p:nvSpPr>
+        <p:spPr>
+          <a:xfrm>
+            <a:off x="6936751" y="1844824"/>
+            <a:ext cx="1667697" cy="720080"/>
+          </a:xfrm>
+          <a:prstGeom prst="roundRect">
+            <a:avLst/>
+          </a:prstGeom>
+          <a:solidFill>
+            <a:schemeClr val="tx2"/>
+          </a:solidFill>
+          <a:ln>
+            <a:noFill/>
+          </a:ln>
+        </p:spPr>
+        <p:style>
+          <a:lnRef idx="2">
+            <a:schemeClr val="accent1">
+              <a:shade val="50000"/>
+            </a:schemeClr>
+          </a:lnRef>
+          <a:fillRef idx="1">
+            <a:schemeClr val="accent1"/>
+          </a:fillRef>
+          <a:effectRef idx="0">
+            <a:schemeClr val="accent1"/>
+          </a:effectRef>
+          <a:fontRef idx="minor">
+            <a:schemeClr val="lt1"/>
+          </a:fontRef>
+        </p:style>
+        <p:txBody>
+          <a:bodyPr rtlCol="0" anchor="ctr"/>
+          <a:lstStyle/>
+          <a:p>
+            <a:pPr algn="ctr"/>
+            <a:r>
+              <a:rPr lang="de-DE" sz="2000" b="1" dirty="0" smtClean="0"/>
+              <a:t>960 Zustände</a:t>
+            </a:r>
+            <a:endParaRPr lang="de-DE" sz="2000" b="1" dirty="0"/>
+          </a:p>
+        </p:txBody>
+      </p:sp>
+      <p:sp>
+        <p:nvSpPr>
+          <p:cNvPr id="6" name="Rounded Rectangle 3"/>
+          <p:cNvSpPr/>
+          <p:nvPr/>
+        </p:nvSpPr>
+        <p:spPr>
+          <a:xfrm>
+            <a:off x="6936751" y="4149080"/>
+            <a:ext cx="1667697" cy="720080"/>
+          </a:xfrm>
+          <a:prstGeom prst="roundRect">
+            <a:avLst/>
+          </a:prstGeom>
+          <a:solidFill>
+            <a:schemeClr val="tx2"/>
+          </a:solidFill>
+          <a:ln>
+            <a:noFill/>
+          </a:ln>
+        </p:spPr>
+        <p:style>
+          <a:lnRef idx="2">
+            <a:schemeClr val="accent1">
+              <a:shade val="50000"/>
+            </a:schemeClr>
+          </a:lnRef>
+          <a:fillRef idx="1">
+            <a:schemeClr val="accent1"/>
+          </a:fillRef>
+          <a:effectRef idx="0">
+            <a:schemeClr val="accent1"/>
+          </a:effectRef>
+          <a:fontRef idx="minor">
+            <a:schemeClr val="lt1"/>
+          </a:fontRef>
+        </p:style>
+        <p:txBody>
+          <a:bodyPr rtlCol="0" anchor="ctr"/>
+          <a:lstStyle/>
+          <a:p>
+            <a:pPr algn="ctr"/>
+            <a:r>
+              <a:rPr lang="de-DE" sz="2000" b="1" dirty="0" smtClean="0"/>
+              <a:t>90 Aktionen</a:t>
+            </a:r>
+            <a:endParaRPr lang="de-DE" sz="2000" b="1" dirty="0"/>
+          </a:p>
+        </p:txBody>
+      </p:sp>
+      <p:sp>
+        <p:nvSpPr>
+          <p:cNvPr id="10" name="Rounded Rectangle 3"/>
+          <p:cNvSpPr/>
+          <p:nvPr/>
+        </p:nvSpPr>
+        <p:spPr>
+          <a:xfrm>
+            <a:off x="6300192" y="5394514"/>
+            <a:ext cx="2304256" cy="914806"/>
+          </a:xfrm>
+          <a:prstGeom prst="roundRect">
+            <a:avLst/>
+          </a:prstGeom>
+          <a:solidFill>
+            <a:srgbClr val="FF0000"/>
+          </a:solidFill>
+          <a:ln>
+            <a:noFill/>
+          </a:ln>
+        </p:spPr>
+        <p:style>
+          <a:lnRef idx="2">
+            <a:schemeClr val="accent1">
+              <a:shade val="50000"/>
+            </a:schemeClr>
+          </a:lnRef>
+          <a:fillRef idx="1">
+            <a:schemeClr val="accent1"/>
+          </a:fillRef>
+          <a:effectRef idx="0">
+            <a:schemeClr val="accent1"/>
+          </a:effectRef>
+          <a:fontRef idx="minor">
+            <a:schemeClr val="lt1"/>
+          </a:fontRef>
+        </p:style>
+        <p:txBody>
+          <a:bodyPr rtlCol="0" anchor="ctr"/>
+          <a:lstStyle/>
+          <a:p>
+            <a:pPr algn="ctr"/>
+            <a:r>
+              <a:rPr lang="de-DE" sz="2000" b="1" dirty="0"/>
+              <a:t>60480 erreichbare Values</a:t>
+            </a:r>
+          </a:p>
+        </p:txBody>
+      </p:sp>
+      <p:sp>
+        <p:nvSpPr>
+          <p:cNvPr id="7" name="Datumsplatzhalter 6"/>
+          <p:cNvSpPr>
+            <a:spLocks noGrp="1"/>
+          </p:cNvSpPr>
+          <p:nvPr>
+            <p:ph type="dt" sz="half" idx="10"/>
+          </p:nvPr>
+        </p:nvSpPr>
+        <p:spPr/>
+        <p:txBody>
+          <a:bodyPr/>
+          <a:lstStyle/>
+          <a:p>
+            <a:fld id="{4B4B5CB4-7CD9-42F9-8C0F-B29CAD347367}" type="datetime1">
+              <a:rPr lang="de-DE" smtClean="0"/>
+              <a:t>08.06.2015</a:t>
+            </a:fld>
+            <a:endParaRPr lang="de-DE"/>
+          </a:p>
+        </p:txBody>
+      </p:sp>
+      <p:sp>
+        <p:nvSpPr>
+          <p:cNvPr id="8" name="Foliennummernplatzhalter 7"/>
+          <p:cNvSpPr>
+            <a:spLocks noGrp="1"/>
+          </p:cNvSpPr>
+          <p:nvPr>
+            <p:ph type="sldNum" sz="quarter" idx="12"/>
+          </p:nvPr>
+        </p:nvSpPr>
+        <p:spPr/>
+        <p:txBody>
+          <a:bodyPr/>
+          <a:lstStyle/>
+          <a:p>
+            <a:fld id="{B9DC6992-199D-4EB6-BFD7-444195B8EA7C}" type="slidenum">
+              <a:rPr lang="de-DE" smtClean="0"/>
+              <a:pPr/>
+              <a:t>5</a:t>
+            </a:fld>
+            <a:endParaRPr lang="de-DE"/>
+          </a:p>
+        </p:txBody>
+      </p:sp>
+    </p:spTree>
+  </p:cSld>
+  <p:clrMapOvr>
+    <a:masterClrMapping/>
+  </p:clrMapOvr>
+  <p:transition>
+    <p:fade/>
+  </p:transition>
+  <p:timing>
+    <p:tnLst>
+      <p:par>
+        <p:cTn id="1" dur="indefinite" restart="never" nodeType="tmRoot"/>
+      </p:par>
+    </p:tnLst>
+  </p:timing>
+</p:sld>
+</file>
+
+<file path=ppt/slides/slide6.xml><?xml version="1.0" encoding="utf-8"?>
+<p:sld xmlns:a="http://schemas.openxmlformats.org/drawingml/2006/main" xmlns:r="http://schemas.openxmlformats.org/officeDocument/2006/relationships" xmlns:p="http://schemas.openxmlformats.org/presentationml/2006/main">
+  <p:cSld>
+    <p:spTree>
+      <p:nvGrpSpPr>
+        <p:cNvPr id="1" name=""/>
+        <p:cNvGrpSpPr/>
+        <p:nvPr/>
+      </p:nvGrpSpPr>
+      <p:grpSpPr>
+        <a:xfrm>
+          <a:off x="0" y="0"/>
+          <a:ext cx="0" cy="0"/>
+          <a:chOff x="0" y="0"/>
+          <a:chExt cx="0" cy="0"/>
+        </a:xfrm>
+      </p:grpSpPr>
+      <p:sp>
+        <p:nvSpPr>
+          <p:cNvPr id="3" name="Content Placeholder 2"/>
+          <p:cNvSpPr>
+            <a:spLocks noGrp="1"/>
+          </p:cNvSpPr>
+          <p:nvPr>
+            <p:ph idx="1"/>
+          </p:nvPr>
+        </p:nvSpPr>
+        <p:spPr/>
+        <p:txBody>
+          <a:bodyPr>
+            <a:normAutofit fontScale="62500" lnSpcReduction="20000"/>
+          </a:bodyPr>
+          <a:lstStyle/>
+          <a:p>
+            <a:r>
+              <a:rPr lang="de-DE" dirty="0" smtClean="0"/>
+              <a:t>Richtiges Fahren</a:t>
+            </a:r>
+          </a:p>
+          <a:p>
+            <a:pPr lvl="1"/>
+            <a:r>
+              <a:rPr lang="de-DE" dirty="0" smtClean="0"/>
+              <a:t>Belohnung</a:t>
+            </a:r>
+          </a:p>
+          <a:p>
+            <a:pPr lvl="2"/>
+            <a:r>
+              <a:rPr lang="de-DE" dirty="0" smtClean="0"/>
+              <a:t>Gegner rammen</a:t>
+            </a:r>
+          </a:p>
+          <a:p>
+            <a:pPr lvl="1"/>
+            <a:r>
+              <a:rPr lang="de-DE" dirty="0" smtClean="0"/>
+              <a:t>Bestrafungen:</a:t>
+            </a:r>
+          </a:p>
+          <a:p>
+            <a:pPr lvl="2"/>
+            <a:r>
+              <a:rPr lang="de-DE" dirty="0" smtClean="0"/>
+              <a:t>Gegen die Wand fahren</a:t>
+            </a:r>
+          </a:p>
+          <a:p>
+            <a:pPr lvl="2"/>
+            <a:r>
+              <a:rPr lang="de-DE" dirty="0" smtClean="0"/>
+              <a:t>Vom Gegner gerammt werden</a:t>
+            </a:r>
+          </a:p>
+          <a:p>
+            <a:pPr lvl="2"/>
+            <a:r>
+              <a:rPr lang="de-DE" dirty="0" smtClean="0"/>
+              <a:t>Von </a:t>
+            </a:r>
+            <a:r>
+              <a:rPr lang="de-DE" dirty="0" err="1" smtClean="0"/>
+              <a:t>Gegnerkugel</a:t>
+            </a:r>
+            <a:r>
+              <a:rPr lang="de-DE" dirty="0" smtClean="0"/>
+              <a:t> getroffen werden</a:t>
+            </a:r>
+          </a:p>
+          <a:p>
+            <a:r>
+              <a:rPr lang="de-DE" dirty="0" smtClean="0"/>
+              <a:t>Richtiges Zielen</a:t>
+            </a:r>
+          </a:p>
+          <a:p>
+            <a:pPr lvl="1"/>
+            <a:r>
+              <a:rPr lang="de-DE" dirty="0" smtClean="0"/>
+              <a:t>Belohnung</a:t>
+            </a:r>
+          </a:p>
+          <a:p>
+            <a:pPr lvl="2"/>
+            <a:r>
+              <a:rPr lang="de-DE" dirty="0" smtClean="0"/>
+              <a:t>Gegner treffen</a:t>
+            </a:r>
+          </a:p>
+          <a:p>
+            <a:pPr lvl="1"/>
+            <a:r>
+              <a:rPr lang="de-DE" dirty="0" smtClean="0"/>
+              <a:t>Bestrafung</a:t>
+            </a:r>
+          </a:p>
+          <a:p>
+            <a:pPr lvl="2"/>
+            <a:r>
+              <a:rPr lang="de-DE" dirty="0" smtClean="0"/>
+              <a:t>Gegen die Wand schießen</a:t>
+            </a:r>
+          </a:p>
+          <a:p>
+            <a:r>
+              <a:rPr lang="de-DE" dirty="0" smtClean="0"/>
+              <a:t>Spiele gewinnen</a:t>
+            </a:r>
+          </a:p>
+          <a:p>
+            <a:pPr lvl="1"/>
+            <a:endParaRPr lang="de-DE" dirty="0" smtClean="0"/>
+          </a:p>
+        </p:txBody>
+      </p:sp>
+      <p:sp>
+        <p:nvSpPr>
+          <p:cNvPr id="2" name="Title 1"/>
+          <p:cNvSpPr>
+            <a:spLocks noGrp="1"/>
+          </p:cNvSpPr>
+          <p:nvPr>
+            <p:ph type="title"/>
+          </p:nvPr>
+        </p:nvSpPr>
+        <p:spPr/>
+        <p:txBody>
+          <a:bodyPr>
+            <a:normAutofit fontScale="90000"/>
+          </a:bodyPr>
+          <a:lstStyle/>
+          <a:p>
+            <a:r>
+              <a:rPr lang="de-DE" dirty="0" smtClean="0"/>
+              <a:t>Belohnungsschema für Lernziele</a:t>
+            </a:r>
+            <a:endParaRPr lang="de-DE" dirty="0"/>
+          </a:p>
+        </p:txBody>
+      </p:sp>
+      <p:sp>
+        <p:nvSpPr>
+          <p:cNvPr id="17410" name="Rectangle 2"/>
+          <p:cNvSpPr>
+            <a:spLocks noChangeArrowheads="1"/>
+          </p:cNvSpPr>
+          <p:nvPr/>
+        </p:nvSpPr>
+        <p:spPr bwMode="auto">
+          <a:xfrm>
+            <a:off x="0" y="0"/>
+            <a:ext cx="9144000" cy="457200"/>
+          </a:xfrm>
+          <a:prstGeom prst="rect">
+            <a:avLst/>
+          </a:prstGeom>
+          <a:noFill/>
+          <a:ln w="9525">
+            <a:noFill/>
+            <a:miter lim="800000"/>
+            <a:headEnd/>
+            <a:tailEnd/>
+          </a:ln>
+          <a:effectLst/>
+        </p:spPr>
+        <p:txBody>
+          <a:bodyPr vert="horz" wrap="none" lIns="91440" tIns="45720" rIns="91440" bIns="45720" numCol="1" anchor="ctr" anchorCtr="0" compatLnSpc="1">
+            <a:prstTxWarp prst="textNoShape">
+              <a:avLst/>
+            </a:prstTxWarp>
+            <a:spAutoFit/>
+          </a:bodyPr>
+          <a:lstStyle/>
+          <a:p>
+            <a:endParaRPr lang="de-DE"/>
+          </a:p>
+        </p:txBody>
+      </p:sp>
+      <p:sp>
+        <p:nvSpPr>
+          <p:cNvPr id="7" name="Datumsplatzhalter 6"/>
+          <p:cNvSpPr>
+            <a:spLocks noGrp="1"/>
+          </p:cNvSpPr>
+          <p:nvPr>
+            <p:ph type="dt" sz="half" idx="10"/>
+          </p:nvPr>
+        </p:nvSpPr>
+        <p:spPr/>
+        <p:txBody>
+          <a:bodyPr/>
+          <a:lstStyle/>
+          <a:p>
+            <a:fld id="{13BD8C23-2A23-41F8-92E4-52B64C1849E8}" type="datetime1">
+              <a:rPr lang="de-DE" smtClean="0"/>
+              <a:t>08.06.2015</a:t>
+            </a:fld>
+            <a:endParaRPr lang="de-DE"/>
+          </a:p>
+        </p:txBody>
+      </p:sp>
+      <p:sp>
+        <p:nvSpPr>
+          <p:cNvPr id="8" name="Foliennummernplatzhalter 7"/>
+          <p:cNvSpPr>
+            <a:spLocks noGrp="1"/>
+          </p:cNvSpPr>
+          <p:nvPr>
+            <p:ph type="sldNum" sz="quarter" idx="12"/>
+          </p:nvPr>
+        </p:nvSpPr>
+        <p:spPr/>
+        <p:txBody>
+          <a:bodyPr/>
+          <a:lstStyle/>
+          <a:p>
+            <a:fld id="{B9DC6992-199D-4EB6-BFD7-444195B8EA7C}" type="slidenum">
+              <a:rPr lang="de-DE" smtClean="0"/>
+              <a:pPr/>
+              <a:t>6</a:t>
+            </a:fld>
+            <a:endParaRPr lang="de-DE"/>
+          </a:p>
+        </p:txBody>
+      </p:sp>
+    </p:spTree>
+  </p:cSld>
+  <p:clrMapOvr>
+    <a:masterClrMapping/>
+  </p:clrMapOvr>
+  <p:transition>
+    <p:fade/>
+  </p:transition>
+  <p:timing>
+    <p:tnLst>
+      <p:par>
+        <p:cTn id="1" dur="indefinite" restart="never" nodeType="tmRoot"/>
+      </p:par>
+    </p:tnLst>
+  </p:timing>
+</p:sld>
+</file>
+
+<file path=ppt/slides/slide7.xml><?xml version="1.0" encoding="utf-8"?>
+<p:sld xmlns:a="http://schemas.openxmlformats.org/drawingml/2006/main" xmlns:r="http://schemas.openxmlformats.org/officeDocument/2006/relationships" xmlns:p="http://schemas.openxmlformats.org/presentationml/2006/main">
+  <p:cSld>
+    <p:spTree>
+      <p:nvGrpSpPr>
+        <p:cNvPr id="1" name=""/>
+        <p:cNvGrpSpPr/>
+        <p:nvPr/>
+      </p:nvGrpSpPr>
+      <p:grpSpPr>
+        <a:xfrm>
+          <a:off x="0" y="0"/>
+          <a:ext cx="0" cy="0"/>
+          <a:chOff x="0" y="0"/>
+          <a:chExt cx="0" cy="0"/>
+        </a:xfrm>
+      </p:grpSpPr>
+      <p:sp>
+        <p:nvSpPr>
+          <p:cNvPr id="3" name="Inhaltsplatzhalter 2"/>
+          <p:cNvSpPr>
+            <a:spLocks noGrp="1"/>
+          </p:cNvSpPr>
+          <p:nvPr>
+            <p:ph idx="1"/>
+          </p:nvPr>
+        </p:nvSpPr>
+        <p:spPr/>
+        <p:txBody>
+          <a:bodyPr/>
+          <a:lstStyle/>
+          <a:p>
+            <a:r>
+              <a:rPr lang="de-DE" dirty="0" smtClean="0"/>
+              <a:t>Lernt nicht gegen die Wand  zu fahren</a:t>
+            </a:r>
+          </a:p>
+          <a:p>
+            <a:r>
+              <a:rPr lang="de-DE" dirty="0" smtClean="0"/>
+              <a:t>Zielen scheint zu schwierig mit den gegebenen Informationen des Zustandsraums</a:t>
+            </a:r>
+          </a:p>
+          <a:p>
+            <a:r>
+              <a:rPr lang="de-DE" dirty="0" smtClean="0"/>
+              <a:t>Gegen einfache Gegner schießt der Robot weniger gegen die Wand</a:t>
+            </a:r>
+          </a:p>
+          <a:p>
+            <a:endParaRPr lang="de-DE" dirty="0"/>
+          </a:p>
+        </p:txBody>
+      </p:sp>
+      <p:sp>
+        <p:nvSpPr>
+          <p:cNvPr id="2" name="Titel 1"/>
+          <p:cNvSpPr>
+            <a:spLocks noGrp="1"/>
+          </p:cNvSpPr>
+          <p:nvPr>
+            <p:ph type="title"/>
+          </p:nvPr>
+        </p:nvSpPr>
+        <p:spPr/>
+        <p:txBody>
+          <a:bodyPr/>
+          <a:lstStyle/>
+          <a:p>
+            <a:r>
+              <a:rPr lang="de-DE" dirty="0" smtClean="0"/>
+              <a:t>Erzielte Lernerfolge</a:t>
+            </a:r>
+            <a:endParaRPr lang="de-DE" dirty="0"/>
+          </a:p>
+        </p:txBody>
+      </p:sp>
+      <p:sp>
+        <p:nvSpPr>
+          <p:cNvPr id="4" name="Datumsplatzhalter 3"/>
+          <p:cNvSpPr>
+            <a:spLocks noGrp="1"/>
+          </p:cNvSpPr>
+          <p:nvPr>
+            <p:ph type="dt" sz="half" idx="10"/>
+          </p:nvPr>
+        </p:nvSpPr>
+        <p:spPr/>
+        <p:txBody>
+          <a:bodyPr/>
+          <a:lstStyle/>
+          <a:p>
+            <a:fld id="{7CBA5710-9B46-45FA-8647-3E58F6D79FD4}" type="datetime1">
+              <a:rPr lang="de-DE" smtClean="0"/>
+              <a:t>08.06.2015</a:t>
+            </a:fld>
+            <a:endParaRPr lang="de-DE"/>
+          </a:p>
+        </p:txBody>
+      </p:sp>
+      <p:sp>
+        <p:nvSpPr>
+          <p:cNvPr id="5" name="Foliennummernplatzhalter 4"/>
+          <p:cNvSpPr>
+            <a:spLocks noGrp="1"/>
+          </p:cNvSpPr>
+          <p:nvPr>
+            <p:ph type="sldNum" sz="quarter" idx="12"/>
+          </p:nvPr>
+        </p:nvSpPr>
+        <p:spPr/>
+        <p:txBody>
+          <a:bodyPr/>
+          <a:lstStyle/>
+          <a:p>
+            <a:fld id="{B9DC6992-199D-4EB6-BFD7-444195B8EA7C}" type="slidenum">
+              <a:rPr lang="de-DE" smtClean="0"/>
+              <a:pPr/>
+              <a:t>7</a:t>
+            </a:fld>
+            <a:endParaRPr lang="de-DE"/>
+          </a:p>
+        </p:txBody>
+      </p:sp>
+    </p:spTree>
+    <p:extLst>
+      <p:ext uri="{BB962C8B-B14F-4D97-AF65-F5344CB8AC3E}">
+        <p14:creationId xmlns:p14="http://schemas.microsoft.com/office/powerpoint/2010/main" xmlns="" val="3559316145"/>
+      </p:ext>
+    </p:extLst>
+  </p:cSld>
+  <p:clrMapOvr>
+    <a:masterClrMapping/>
+  </p:clrMapOvr>
+  <p:transition>
+    <p:fade/>
+  </p:transition>
+  <p:timing>
+    <p:tnLst>
+      <p:par>
+        <p:cTn id="1" dur="indefinite" restart="never" nodeType="tmRoot"/>
+      </p:par>
+    </p:tnLst>
+  </p:timing>
+</p:sld>
+</file>
+
+<file path=ppt/slides/slide8.xml><?xml version="1.0" encoding="utf-8"?>
+<p:sld xmlns:a="http://schemas.openxmlformats.org/drawingml/2006/main" xmlns:r="http://schemas.openxmlformats.org/officeDocument/2006/relationships" xmlns:p="http://schemas.openxmlformats.org/presentationml/2006/main">
+  <p:cSld>
+    <p:spTree>
+      <p:nvGrpSpPr>
+        <p:cNvPr id="1" name=""/>
+        <p:cNvGrpSpPr/>
+        <p:nvPr/>
+      </p:nvGrpSpPr>
+      <p:grpSpPr>
+        <a:xfrm>
+          <a:off x="0" y="0"/>
+          <a:ext cx="0" cy="0"/>
+          <a:chOff x="0" y="0"/>
+          <a:chExt cx="0" cy="0"/>
+        </a:xfrm>
+      </p:grpSpPr>
+      <p:sp>
+        <p:nvSpPr>
+          <p:cNvPr id="3" name="Inhaltsplatzhalter 2"/>
+          <p:cNvSpPr>
+            <a:spLocks noGrp="1"/>
+          </p:cNvSpPr>
+          <p:nvPr>
+            <p:ph idx="1"/>
+          </p:nvPr>
+        </p:nvSpPr>
+        <p:spPr/>
+        <p:txBody>
+          <a:bodyPr/>
+          <a:lstStyle/>
+          <a:p>
+            <a:r>
+              <a:rPr lang="de-DE" dirty="0" smtClean="0"/>
+              <a:t>Lernen und kämpfen gegen den anderen </a:t>
+            </a:r>
+            <a:r>
+              <a:rPr lang="de-DE" smtClean="0"/>
+              <a:t>LARC Robot</a:t>
+            </a:r>
+          </a:p>
+          <a:p>
+            <a:endParaRPr lang="de-DE" dirty="0"/>
+          </a:p>
+        </p:txBody>
+      </p:sp>
+      <p:sp>
+        <p:nvSpPr>
+          <p:cNvPr id="2" name="Titel 1"/>
+          <p:cNvSpPr>
+            <a:spLocks noGrp="1"/>
+          </p:cNvSpPr>
+          <p:nvPr>
+            <p:ph type="title"/>
+          </p:nvPr>
+        </p:nvSpPr>
+        <p:spPr/>
+        <p:txBody>
+          <a:bodyPr/>
+          <a:lstStyle/>
+          <a:p>
+            <a:r>
+              <a:rPr lang="de-DE" dirty="0" smtClean="0"/>
+              <a:t>Weiteres Vorgehen</a:t>
+            </a:r>
+            <a:endParaRPr lang="de-DE" dirty="0"/>
+          </a:p>
+        </p:txBody>
+      </p:sp>
+      <p:sp>
+        <p:nvSpPr>
+          <p:cNvPr id="4" name="Datumsplatzhalter 3"/>
+          <p:cNvSpPr>
+            <a:spLocks noGrp="1"/>
+          </p:cNvSpPr>
+          <p:nvPr>
+            <p:ph type="dt" sz="half" idx="10"/>
+          </p:nvPr>
+        </p:nvSpPr>
+        <p:spPr/>
+        <p:txBody>
+          <a:bodyPr/>
+          <a:lstStyle/>
+          <a:p>
+            <a:fld id="{D39F3F4C-ED86-48BE-A883-CDA9CA9B4973}" type="datetime1">
+              <a:rPr lang="de-DE" smtClean="0"/>
+              <a:t>08.06.2015</a:t>
+            </a:fld>
+            <a:endParaRPr lang="de-DE"/>
+          </a:p>
+        </p:txBody>
+      </p:sp>
+      <p:sp>
+        <p:nvSpPr>
+          <p:cNvPr id="5" name="Foliennummernplatzhalter 4"/>
+          <p:cNvSpPr>
+            <a:spLocks noGrp="1"/>
+          </p:cNvSpPr>
+          <p:nvPr>
+            <p:ph type="sldNum" sz="quarter" idx="12"/>
+          </p:nvPr>
+        </p:nvSpPr>
+        <p:spPr/>
+        <p:txBody>
+          <a:bodyPr/>
+          <a:lstStyle/>
+          <a:p>
+            <a:fld id="{B9DC6992-199D-4EB6-BFD7-444195B8EA7C}" type="slidenum">
+              <a:rPr lang="de-DE" smtClean="0"/>
+              <a:pPr/>
+              <a:t>8</a:t>
+            </a:fld>
+            <a:endParaRPr lang="de-DE"/>
+          </a:p>
+        </p:txBody>
+      </p:sp>
+    </p:spTree>
+    <p:extLst>
+      <p:ext uri="{BB962C8B-B14F-4D97-AF65-F5344CB8AC3E}">
+        <p14:creationId xmlns:p14="http://schemas.microsoft.com/office/powerpoint/2010/main" xmlns="" val="583948046"/>
+      </p:ext>
+    </p:extLst>
+  </p:cSld>
+  <p:clrMapOvr>
+    <a:masterClrMapping/>
+  </p:clrMapOvr>
+  <p:transition>
+    <p:fade/>
+  </p:transition>
+  <p:timing>
+    <p:tnLst>
+      <p:par>
+        <p:cTn id="1" dur="indefinite" restart="never" nodeType="tmRoot"/>
+      </p:par>
+    </p:tnLst>
+  </p:timing>
+</p:sld>
+</file>
+
+<file path=ppt/slides/slide9.xml><?xml version="1.0" encoding="utf-8"?>
+<p:sld xmlns:a="http://schemas.openxmlformats.org/drawingml/2006/main" xmlns:r="http://schemas.openxmlformats.org/officeDocument/2006/relationships" xmlns:p="http://schemas.openxmlformats.org/presentationml/2006/main">
+  <p:cSld>
+    <p:spTree>
+      <p:nvGrpSpPr>
+        <p:cNvPr id="1" name=""/>
+        <p:cNvGrpSpPr/>
+        <p:nvPr/>
+      </p:nvGrpSpPr>
+      <p:grpSpPr>
+        <a:xfrm>
+          <a:off x="0" y="0"/>
+          <a:ext cx="0" cy="0"/>
+          <a:chOff x="0" y="0"/>
+          <a:chExt cx="0" cy="0"/>
+        </a:xfrm>
+      </p:grpSpPr>
+      <p:sp>
+        <p:nvSpPr>
+          <p:cNvPr id="3" name="Inhaltsplatzhalter 2"/>
+          <p:cNvSpPr>
+            <a:spLocks noGrp="1"/>
+          </p:cNvSpPr>
+          <p:nvPr>
+            <p:ph idx="1"/>
+          </p:nvPr>
+        </p:nvSpPr>
+        <p:spPr/>
+        <p:txBody>
+          <a:bodyPr/>
+          <a:lstStyle/>
+          <a:p>
+            <a:pPr>
+              <a:lnSpc>
+                <a:spcPct val="150000"/>
+              </a:lnSpc>
+            </a:pPr>
+            <a:r>
+              <a:rPr lang="de-DE" dirty="0" smtClean="0"/>
+              <a:t>Zu hohe Komplexität der Umwelten</a:t>
+            </a:r>
+          </a:p>
+          <a:p>
+            <a:pPr>
+              <a:lnSpc>
+                <a:spcPct val="150000"/>
+              </a:lnSpc>
+            </a:pPr>
+            <a:r>
+              <a:rPr lang="de-DE" dirty="0" smtClean="0"/>
+              <a:t>Falsch implementierter Algorithmus</a:t>
+            </a:r>
+          </a:p>
+          <a:p>
+            <a:pPr>
+              <a:lnSpc>
+                <a:spcPct val="150000"/>
+              </a:lnSpc>
+            </a:pPr>
+            <a:r>
+              <a:rPr lang="de-DE" dirty="0" smtClean="0"/>
+              <a:t>Belohnung richtig einstellen</a:t>
+            </a:r>
+          </a:p>
+        </p:txBody>
+      </p:sp>
+      <p:sp>
+        <p:nvSpPr>
+          <p:cNvPr id="7" name="Datumsplatzhalter 6"/>
+          <p:cNvSpPr>
+            <a:spLocks noGrp="1"/>
+          </p:cNvSpPr>
+          <p:nvPr>
+            <p:ph type="dt" sz="half" idx="10"/>
+          </p:nvPr>
+        </p:nvSpPr>
+        <p:spPr/>
+        <p:txBody>
+          <a:bodyPr/>
+          <a:lstStyle/>
+          <a:p>
+            <a:fld id="{BB82B4A5-2B6E-47D9-B290-4B92AE95656D}" type="datetime1">
+              <a:rPr lang="de-DE" smtClean="0"/>
+              <a:t>08.06.2015</a:t>
+            </a:fld>
+            <a:endParaRPr lang="de-DE"/>
+          </a:p>
+        </p:txBody>
+      </p:sp>
+      <p:sp>
+        <p:nvSpPr>
+          <p:cNvPr id="8" name="Foliennummernplatzhalter 7"/>
+          <p:cNvSpPr>
+            <a:spLocks noGrp="1"/>
+          </p:cNvSpPr>
+          <p:nvPr>
+            <p:ph type="sldNum" sz="quarter" idx="12"/>
+          </p:nvPr>
+        </p:nvSpPr>
+        <p:spPr/>
+        <p:txBody>
+          <a:bodyPr/>
+          <a:lstStyle/>
+          <a:p>
+            <a:fld id="{B9DC6992-199D-4EB6-BFD7-444195B8EA7C}" type="slidenum">
+              <a:rPr lang="de-DE" smtClean="0"/>
+              <a:pPr/>
+              <a:t>9</a:t>
+            </a:fld>
+            <a:endParaRPr lang="de-DE"/>
+          </a:p>
+        </p:txBody>
+      </p:sp>
+      <p:sp>
+        <p:nvSpPr>
+          <p:cNvPr id="2" name="Titel 1"/>
+          <p:cNvSpPr>
+            <a:spLocks noGrp="1"/>
+          </p:cNvSpPr>
+          <p:nvPr>
+            <p:ph type="title"/>
+          </p:nvPr>
+        </p:nvSpPr>
+        <p:spPr/>
+        <p:txBody>
+          <a:bodyPr/>
+          <a:lstStyle/>
+          <a:p>
+            <a:r>
+              <a:rPr lang="de-DE" dirty="0" smtClean="0"/>
+              <a:t>Team </a:t>
+            </a:r>
+            <a:r>
+              <a:rPr lang="de-DE" dirty="0" err="1" smtClean="0"/>
+              <a:t>Oli&amp;Viktor</a:t>
+            </a:r>
+            <a:r>
+              <a:rPr lang="de-DE" dirty="0" smtClean="0"/>
+              <a:t>: Probleme</a:t>
+            </a:r>
+            <a:endParaRPr lang="de-DE" dirty="0"/>
+          </a:p>
+        </p:txBody>
+      </p:sp>
+    </p:spTree>
+  </p:cSld>
+  <p:clrMapOvr>
+    <a:masterClrMapping/>
+  </p:clrMapOvr>
+  <p:transition>
+    <p:fade/>
+  </p:transition>
+  <p:timing>
+    <p:tnLst>
+      <p:par>
+        <p:cTn id="1" dur="indefinite" restart="never" nodeType="tmRoot">
+          <p:childTnLst>
+            <p:seq concurrent="1" nextAc="seek">
+              <p:cTn id="2" dur="indefinite" nodeType="mainSeq">
+                <p:childTnLst>
+                  <p:par>
+                    <p:cTn id="3" fill="hold">
+                      <p:stCondLst>
+                        <p:cond delay="indefinite"/>
+                      </p:stCondLst>
+                      <p:childTnLst>
+                        <p:par>
+                          <p:cTn id="4" fill="hold">
+                            <p:stCondLst>
+                              <p:cond delay="0"/>
+                            </p:stCondLst>
+                            <p:childTnLst>
+                              <p:par>
+                                <p:cTn id="5" presetID="22" presetClass="entr" presetSubtype="8" fill="hold" grpId="1" nodeType="clickEffect">
+                                  <p:stCondLst>
+                                    <p:cond delay="0"/>
+                                  </p:stCondLst>
+                                  <p:childTnLst>
+                                    <p:set>
+                                      <p:cBhvr>
+                                        <p:cTn id="6" dur="1" fill="hold">
+                                          <p:stCondLst>
+                                            <p:cond delay="0"/>
+                                          </p:stCondLst>
+                                        </p:cTn>
+                                        <p:tgtEl>
+                                          <p:spTgt spid="3">
+                                            <p:txEl>
+                                              <p:pRg st="0" end="0"/>
+                                            </p:txEl>
+                                          </p:spTgt>
+                                        </p:tgtEl>
+                                        <p:attrNameLst>
+                                          <p:attrName>style.visibility</p:attrName>
+                                        </p:attrNameLst>
+                                      </p:cBhvr>
+                                      <p:to>
+                                        <p:strVal val="visible"/>
+                                      </p:to>
+                                    </p:set>
+                                    <p:animEffect transition="in" filter="wipe(left)">
+                                      <p:cBhvr>
+                                        <p:cTn id="7" dur="1000"/>
+                                        <p:tgtEl>
+                                          <p:spTgt spid="3">
+                                            <p:txEl>
+                                              <p:pRg st="0" end="0"/>
+                                            </p:txEl>
+                                          </p:spTgt>
+                                        </p:tgtEl>
+                                      </p:cBhvr>
+                                    </p:animEffect>
+                                  </p:childTnLst>
+                                </p:cTn>
+                              </p:par>
+                            </p:childTnLst>
+                          </p:cTn>
+                        </p:par>
+                      </p:childTnLst>
+                    </p:cTn>
+                  </p:par>
+                  <p:par>
+                    <p:cTn id="8" fill="hold">
+                      <p:stCondLst>
+                        <p:cond delay="indefinite"/>
+                      </p:stCondLst>
+                      <p:childTnLst>
+                        <p:par>
+                          <p:cTn id="9" fill="hold">
+                            <p:stCondLst>
+                              <p:cond delay="0"/>
+                            </p:stCondLst>
+                            <p:childTnLst>
+                              <p:par>
+                                <p:cTn id="10" presetID="22" presetClass="entr" presetSubtype="8" fill="hold" grpId="1" nodeType="clickEffect">
+                                  <p:stCondLst>
+                                    <p:cond delay="0"/>
+                                  </p:stCondLst>
+                                  <p:childTnLst>
+                                    <p:set>
+                                      <p:cBhvr>
+                                        <p:cTn id="11" dur="1" fill="hold">
+                                          <p:stCondLst>
+                                            <p:cond delay="0"/>
+                                          </p:stCondLst>
+                                        </p:cTn>
+                                        <p:tgtEl>
+                                          <p:spTgt spid="3">
+                                            <p:txEl>
+                                              <p:pRg st="1" end="1"/>
+                                            </p:txEl>
+                                          </p:spTgt>
+                                        </p:tgtEl>
+                                        <p:attrNameLst>
+                                          <p:attrName>style.visibility</p:attrName>
+                                        </p:attrNameLst>
+                                      </p:cBhvr>
+                                      <p:to>
+                                        <p:strVal val="visible"/>
+                                      </p:to>
+                                    </p:set>
+                                    <p:animEffect transition="in" filter="wipe(left)">
+                                      <p:cBhvr>
+                                        <p:cTn id="12" dur="1000"/>
+                                        <p:tgtEl>
+                                          <p:spTgt spid="3">
+                                            <p:txEl>
+                                              <p:pRg st="1" end="1"/>
+                                            </p:txEl>
+                                          </p:spTgt>
+                                        </p:tgtEl>
+                                      </p:cBhvr>
+                                    </p:animEffect>
+                                  </p:childTnLst>
+                                </p:cTn>
+                              </p:par>
+                            </p:childTnLst>
+                          </p:cTn>
+                        </p:par>
+                      </p:childTnLst>
+                    </p:cTn>
+                  </p:par>
+                  <p:par>
+                    <p:cTn id="13" fill="hold">
+                      <p:stCondLst>
+                        <p:cond delay="indefinite"/>
+                      </p:stCondLst>
+                      <p:childTnLst>
+                        <p:par>
+                          <p:cTn id="14" fill="hold">
+                            <p:stCondLst>
+                              <p:cond delay="0"/>
+                            </p:stCondLst>
+                            <p:childTnLst>
+                              <p:par>
+                                <p:cTn id="15" presetID="22" presetClass="entr" presetSubtype="8" fill="hold" grpId="1" nodeType="clickEffect">
+                                  <p:stCondLst>
+                                    <p:cond delay="0"/>
+                                  </p:stCondLst>
+                                  <p:childTnLst>
+                                    <p:set>
+                                      <p:cBhvr>
+                                        <p:cTn id="16" dur="1" fill="hold">
+                                          <p:stCondLst>
+                                            <p:cond delay="0"/>
+                                          </p:stCondLst>
+                                        </p:cTn>
+                                        <p:tgtEl>
+                                          <p:spTgt spid="3">
+                                            <p:txEl>
+                                              <p:pRg st="2" end="2"/>
+                                            </p:txEl>
+                                          </p:spTgt>
+                                        </p:tgtEl>
+                                        <p:attrNameLst>
+                                          <p:attrName>style.visibility</p:attrName>
+                                        </p:attrNameLst>
+                                      </p:cBhvr>
+                                      <p:to>
+                                        <p:strVal val="visible"/>
+                                      </p:to>
+                                    </p:set>
+                                    <p:animEffect transition="in" filter="wipe(left)">
+                                      <p:cBhvr>
+                                        <p:cTn id="17" dur="1000"/>
+                                        <p:tgtEl>
+                                          <p:spTgt spid="3">
+                                            <p:txEl>
+                                              <p:pRg st="2" end="2"/>
+                                            </p:txEl>
+                                          </p:spTgt>
+                                        </p:tgtEl>
+                                      </p:cBhvr>
+                                    </p:animEffect>
+                                  </p:childTnLst>
+                                </p:cTn>
+                              </p:par>
+                            </p:childTnLst>
+                          </p:cTn>
+                        </p:par>
+                      </p:childTnLst>
+                    </p:cTn>
+                  </p:par>
+                </p:childTnLst>
+              </p:cTn>
+              <p:prevCondLst>
+                <p:cond evt="onPrev" delay="0">
+                  <p:tgtEl>
+                    <p:sldTgt/>
+                  </p:tgtEl>
+                </p:cond>
+              </p:prevCondLst>
+              <p:nextCondLst>
+                <p:cond evt="onNext" delay="0">
+                  <p:tgtEl>
+                    <p:sldTgt/>
+                  </p:tgtEl>
+                </p:cond>
+              </p:nextCondLst>
+            </p:seq>
+          </p:childTnLst>
+        </p:cTn>
+      </p:par>
+    </p:tnLst>
+    <p:bldLst>
+      <p:bldP spid="3" grpId="1" uiExpand="1" build="p"/>
     </p:bldLst>
   </p:timing>
 </p:sld>
